--- a/Software Architecture.pptx
+++ b/Software Architecture.pptx
@@ -6,9 +6,8 @@
   </p:sldMasterIdLst>
   <p:sldIdLst>
     <p:sldId id="256" r:id="rId2"/>
-    <p:sldId id="258" r:id="rId3"/>
-    <p:sldId id="259" r:id="rId4"/>
-    <p:sldId id="257" r:id="rId5"/>
+    <p:sldId id="259" r:id="rId3"/>
+    <p:sldId id="257" r:id="rId4"/>
   </p:sldIdLst>
   <p:sldSz cx="12192000" cy="6858000"/>
   <p:notesSz cx="6858000" cy="9144000"/>
@@ -264,7 +263,7 @@
           <a:p>
             <a:fld id="{D79E692B-1602-314B-B101-4E41C00C374D}" type="datetimeFigureOut">
               <a:rPr lang="en-NL" smtClean="0"/>
-              <a:t>21/05/2023</a:t>
+              <a:t>14/06/2023</a:t>
             </a:fld>
             <a:endParaRPr lang="en-NL"/>
           </a:p>
@@ -464,7 +463,7 @@
           <a:p>
             <a:fld id="{D79E692B-1602-314B-B101-4E41C00C374D}" type="datetimeFigureOut">
               <a:rPr lang="en-NL" smtClean="0"/>
-              <a:t>21/05/2023</a:t>
+              <a:t>14/06/2023</a:t>
             </a:fld>
             <a:endParaRPr lang="en-NL"/>
           </a:p>
@@ -674,7 +673,7 @@
           <a:p>
             <a:fld id="{D79E692B-1602-314B-B101-4E41C00C374D}" type="datetimeFigureOut">
               <a:rPr lang="en-NL" smtClean="0"/>
-              <a:t>21/05/2023</a:t>
+              <a:t>14/06/2023</a:t>
             </a:fld>
             <a:endParaRPr lang="en-NL"/>
           </a:p>
@@ -874,7 +873,7 @@
           <a:p>
             <a:fld id="{D79E692B-1602-314B-B101-4E41C00C374D}" type="datetimeFigureOut">
               <a:rPr lang="en-NL" smtClean="0"/>
-              <a:t>21/05/2023</a:t>
+              <a:t>14/06/2023</a:t>
             </a:fld>
             <a:endParaRPr lang="en-NL"/>
           </a:p>
@@ -1150,7 +1149,7 @@
           <a:p>
             <a:fld id="{D79E692B-1602-314B-B101-4E41C00C374D}" type="datetimeFigureOut">
               <a:rPr lang="en-NL" smtClean="0"/>
-              <a:t>21/05/2023</a:t>
+              <a:t>14/06/2023</a:t>
             </a:fld>
             <a:endParaRPr lang="en-NL"/>
           </a:p>
@@ -1418,7 +1417,7 @@
           <a:p>
             <a:fld id="{D79E692B-1602-314B-B101-4E41C00C374D}" type="datetimeFigureOut">
               <a:rPr lang="en-NL" smtClean="0"/>
-              <a:t>21/05/2023</a:t>
+              <a:t>14/06/2023</a:t>
             </a:fld>
             <a:endParaRPr lang="en-NL"/>
           </a:p>
@@ -1833,7 +1832,7 @@
           <a:p>
             <a:fld id="{D79E692B-1602-314B-B101-4E41C00C374D}" type="datetimeFigureOut">
               <a:rPr lang="en-NL" smtClean="0"/>
-              <a:t>21/05/2023</a:t>
+              <a:t>14/06/2023</a:t>
             </a:fld>
             <a:endParaRPr lang="en-NL"/>
           </a:p>
@@ -1975,7 +1974,7 @@
           <a:p>
             <a:fld id="{D79E692B-1602-314B-B101-4E41C00C374D}" type="datetimeFigureOut">
               <a:rPr lang="en-NL" smtClean="0"/>
-              <a:t>21/05/2023</a:t>
+              <a:t>14/06/2023</a:t>
             </a:fld>
             <a:endParaRPr lang="en-NL"/>
           </a:p>
@@ -2088,7 +2087,7 @@
           <a:p>
             <a:fld id="{D79E692B-1602-314B-B101-4E41C00C374D}" type="datetimeFigureOut">
               <a:rPr lang="en-NL" smtClean="0"/>
-              <a:t>21/05/2023</a:t>
+              <a:t>14/06/2023</a:t>
             </a:fld>
             <a:endParaRPr lang="en-NL"/>
           </a:p>
@@ -2401,7 +2400,7 @@
           <a:p>
             <a:fld id="{D79E692B-1602-314B-B101-4E41C00C374D}" type="datetimeFigureOut">
               <a:rPr lang="en-NL" smtClean="0"/>
-              <a:t>21/05/2023</a:t>
+              <a:t>14/06/2023</a:t>
             </a:fld>
             <a:endParaRPr lang="en-NL"/>
           </a:p>
@@ -2690,7 +2689,7 @@
           <a:p>
             <a:fld id="{D79E692B-1602-314B-B101-4E41C00C374D}" type="datetimeFigureOut">
               <a:rPr lang="en-NL" smtClean="0"/>
-              <a:t>21/05/2023</a:t>
+              <a:t>14/06/2023</a:t>
             </a:fld>
             <a:endParaRPr lang="en-NL"/>
           </a:p>
@@ -2933,7 +2932,7 @@
           <a:p>
             <a:fld id="{D79E692B-1602-314B-B101-4E41C00C374D}" type="datetimeFigureOut">
               <a:rPr lang="en-NL" smtClean="0"/>
-              <a:t>21/05/2023</a:t>
+              <a:t>14/06/2023</a:t>
             </a:fld>
             <a:endParaRPr lang="en-NL"/>
           </a:p>
@@ -3352,10 +3351,10 @@
       </p:grpSpPr>
       <p:sp>
         <p:nvSpPr>
-          <p:cNvPr id="163" name="TextBox 162">
-            <a:extLst>
-              <a:ext uri="{FF2B5EF4-FFF2-40B4-BE49-F238E27FC236}">
-                <a16:creationId xmlns:a16="http://schemas.microsoft.com/office/drawing/2014/main" id="{7E493D69-8F81-DD87-28D2-F1808C80179E}"/>
+          <p:cNvPr id="54" name="TextBox 53">
+            <a:extLst>
+              <a:ext uri="{FF2B5EF4-FFF2-40B4-BE49-F238E27FC236}">
+                <a16:creationId xmlns:a16="http://schemas.microsoft.com/office/drawing/2014/main" id="{BF06294A-B47F-648D-91E9-34E03D549CD8}"/>
               </a:ext>
             </a:extLst>
           </p:cNvPr>
@@ -3364,45 +3363,7 @@
         </p:nvSpPr>
         <p:spPr>
           <a:xfrm>
-            <a:off x="8964295" y="22017"/>
-            <a:ext cx="3143471" cy="865908"/>
-          </a:xfrm>
-          <a:prstGeom prst="rect">
-            <a:avLst/>
-          </a:prstGeom>
-          <a:noFill/>
-          <a:ln>
-            <a:solidFill>
-              <a:schemeClr val="accent1"/>
-            </a:solidFill>
-            <a:prstDash val="dash"/>
-          </a:ln>
-        </p:spPr>
-        <p:txBody>
-          <a:bodyPr wrap="none" rtlCol="0">
-            <a:noAutofit/>
-          </a:bodyPr>
-          <a:lstStyle/>
-          <a:p>
-            <a:endParaRPr lang="en-NL" sz="1000" dirty="0"/>
-          </a:p>
-        </p:txBody>
-      </p:sp>
-      <p:sp>
-        <p:nvSpPr>
-          <p:cNvPr id="4" name="TextBox 3">
-            <a:extLst>
-              <a:ext uri="{FF2B5EF4-FFF2-40B4-BE49-F238E27FC236}">
-                <a16:creationId xmlns:a16="http://schemas.microsoft.com/office/drawing/2014/main" id="{CD3888E2-D390-1F9E-064A-709DAF1DE241}"/>
-              </a:ext>
-            </a:extLst>
-          </p:cNvPr>
-          <p:cNvSpPr txBox="1"/>
-          <p:nvPr/>
-        </p:nvSpPr>
-        <p:spPr>
-          <a:xfrm>
-            <a:off x="3713356" y="88834"/>
+            <a:off x="401000" y="188974"/>
             <a:ext cx="3077737" cy="1397902"/>
           </a:xfrm>
           <a:prstGeom prst="rect">
@@ -3437,18 +3398,19 @@
           </a:lstStyle>
           <a:p>
             <a:r>
-              <a:rPr lang="en-NL" dirty="0"/>
-              <a:t>App</a:t>
-            </a:r>
-          </a:p>
-        </p:txBody>
-      </p:sp>
-      <p:sp>
-        <p:nvSpPr>
-          <p:cNvPr id="5" name="TextBox 4">
-            <a:extLst>
-              <a:ext uri="{FF2B5EF4-FFF2-40B4-BE49-F238E27FC236}">
-                <a16:creationId xmlns:a16="http://schemas.microsoft.com/office/drawing/2014/main" id="{1597EC4C-FCC6-710A-1BF8-C5B701EE7F90}"/>
+              <a:rPr lang="en-NL"/>
+              <a:t>ExpensesMain</a:t>
+            </a:r>
+            <a:endParaRPr lang="en-NL" dirty="0"/>
+          </a:p>
+        </p:txBody>
+      </p:sp>
+      <p:sp>
+        <p:nvSpPr>
+          <p:cNvPr id="163" name="TextBox 162">
+            <a:extLst>
+              <a:ext uri="{FF2B5EF4-FFF2-40B4-BE49-F238E27FC236}">
+                <a16:creationId xmlns:a16="http://schemas.microsoft.com/office/drawing/2014/main" id="{7E493D69-8F81-DD87-28D2-F1808C80179E}"/>
               </a:ext>
             </a:extLst>
           </p:cNvPr>
@@ -3457,8 +3419,46 @@
         </p:nvSpPr>
         <p:spPr>
           <a:xfrm>
-            <a:off x="6825566" y="4441480"/>
-            <a:ext cx="2246393" cy="1021637"/>
+            <a:off x="8964295" y="22017"/>
+            <a:ext cx="3143471" cy="865908"/>
+          </a:xfrm>
+          <a:prstGeom prst="rect">
+            <a:avLst/>
+          </a:prstGeom>
+          <a:noFill/>
+          <a:ln>
+            <a:solidFill>
+              <a:schemeClr val="accent1"/>
+            </a:solidFill>
+            <a:prstDash val="dash"/>
+          </a:ln>
+        </p:spPr>
+        <p:txBody>
+          <a:bodyPr wrap="none" rtlCol="0">
+            <a:noAutofit/>
+          </a:bodyPr>
+          <a:lstStyle/>
+          <a:p>
+            <a:endParaRPr lang="en-NL" sz="1000" dirty="0"/>
+          </a:p>
+        </p:txBody>
+      </p:sp>
+      <p:sp>
+        <p:nvSpPr>
+          <p:cNvPr id="6" name="TextBox 5">
+            <a:extLst>
+              <a:ext uri="{FF2B5EF4-FFF2-40B4-BE49-F238E27FC236}">
+                <a16:creationId xmlns:a16="http://schemas.microsoft.com/office/drawing/2014/main" id="{9B75D5BB-6869-94DA-AAC7-790D3F81C5D8}"/>
+              </a:ext>
+            </a:extLst>
+          </p:cNvPr>
+          <p:cNvSpPr txBox="1"/>
+          <p:nvPr/>
+        </p:nvSpPr>
+        <p:spPr>
+          <a:xfrm>
+            <a:off x="2478536" y="4629597"/>
+            <a:ext cx="3287151" cy="1408390"/>
           </a:xfrm>
           <a:prstGeom prst="rect">
             <a:avLst/>
@@ -3493,17 +3493,17 @@
           <a:p>
             <a:r>
               <a:rPr lang="en-NL" dirty="0"/>
-              <a:t>ExpensesFilter</a:t>
-            </a:r>
-          </a:p>
-        </p:txBody>
-      </p:sp>
-      <p:sp>
-        <p:nvSpPr>
-          <p:cNvPr id="6" name="TextBox 5">
-            <a:extLst>
-              <a:ext uri="{FF2B5EF4-FFF2-40B4-BE49-F238E27FC236}">
-                <a16:creationId xmlns:a16="http://schemas.microsoft.com/office/drawing/2014/main" id="{9B75D5BB-6869-94DA-AAC7-790D3F81C5D8}"/>
+              <a:t>ExpenseForm</a:t>
+            </a:r>
+          </a:p>
+        </p:txBody>
+      </p:sp>
+      <p:sp>
+        <p:nvSpPr>
+          <p:cNvPr id="2" name="TextBox 1">
+            <a:extLst>
+              <a:ext uri="{FF2B5EF4-FFF2-40B4-BE49-F238E27FC236}">
+                <a16:creationId xmlns:a16="http://schemas.microsoft.com/office/drawing/2014/main" id="{2E9C02AE-894E-7CB9-4B91-9D9A3552BD7F}"/>
               </a:ext>
             </a:extLst>
           </p:cNvPr>
@@ -3512,8 +3512,8 @@
         </p:nvSpPr>
         <p:spPr>
           <a:xfrm>
-            <a:off x="2478536" y="4629597"/>
-            <a:ext cx="3287151" cy="1408390"/>
+            <a:off x="663994" y="1946361"/>
+            <a:ext cx="3636979" cy="1988897"/>
           </a:xfrm>
           <a:prstGeom prst="rect">
             <a:avLst/>
@@ -3548,17 +3548,17 @@
           <a:p>
             <a:r>
               <a:rPr lang="en-NL" dirty="0"/>
-              <a:t>ExpenseForm</a:t>
-            </a:r>
-          </a:p>
-        </p:txBody>
-      </p:sp>
-      <p:sp>
-        <p:nvSpPr>
-          <p:cNvPr id="2" name="TextBox 1">
-            <a:extLst>
-              <a:ext uri="{FF2B5EF4-FFF2-40B4-BE49-F238E27FC236}">
-                <a16:creationId xmlns:a16="http://schemas.microsoft.com/office/drawing/2014/main" id="{2E9C02AE-894E-7CB9-4B91-9D9A3552BD7F}"/>
+              <a:t>NewExpense</a:t>
+            </a:r>
+          </a:p>
+        </p:txBody>
+      </p:sp>
+      <p:sp>
+        <p:nvSpPr>
+          <p:cNvPr id="3" name="TextBox 2">
+            <a:extLst>
+              <a:ext uri="{FF2B5EF4-FFF2-40B4-BE49-F238E27FC236}">
+                <a16:creationId xmlns:a16="http://schemas.microsoft.com/office/drawing/2014/main" id="{27B20252-8D33-C91D-5BEC-E937009A05F1}"/>
               </a:ext>
             </a:extLst>
           </p:cNvPr>
@@ -3567,15 +3567,15 @@
         </p:nvSpPr>
         <p:spPr>
           <a:xfrm>
-            <a:off x="663994" y="1946361"/>
-            <a:ext cx="3636979" cy="1988897"/>
+            <a:off x="7718968" y="1945409"/>
+            <a:ext cx="3161779" cy="905795"/>
           </a:xfrm>
           <a:prstGeom prst="rect">
             <a:avLst/>
           </a:prstGeom>
           <a:solidFill>
             <a:schemeClr val="bg1">
-              <a:lumMod val="85000"/>
+              <a:lumMod val="95000"/>
             </a:schemeClr>
           </a:solidFill>
           <a:ln>
@@ -3599,61 +3599,9 @@
             <a:defPPr>
               <a:defRPr lang="en-NL"/>
             </a:defPPr>
-          </a:lstStyle>
-          <a:p>
-            <a:r>
-              <a:rPr lang="en-NL" dirty="0"/>
-              <a:t>NewExpense</a:t>
-            </a:r>
-          </a:p>
-        </p:txBody>
-      </p:sp>
-      <p:sp>
-        <p:nvSpPr>
-          <p:cNvPr id="3" name="TextBox 2">
-            <a:extLst>
-              <a:ext uri="{FF2B5EF4-FFF2-40B4-BE49-F238E27FC236}">
-                <a16:creationId xmlns:a16="http://schemas.microsoft.com/office/drawing/2014/main" id="{27B20252-8D33-C91D-5BEC-E937009A05F1}"/>
-              </a:ext>
-            </a:extLst>
-          </p:cNvPr>
-          <p:cNvSpPr txBox="1"/>
-          <p:nvPr/>
-        </p:nvSpPr>
-        <p:spPr>
-          <a:xfrm>
-            <a:off x="7718968" y="1945409"/>
-            <a:ext cx="3161779" cy="1793257"/>
-          </a:xfrm>
-          <a:prstGeom prst="rect">
-            <a:avLst/>
-          </a:prstGeom>
-          <a:solidFill>
-            <a:schemeClr val="bg1">
-              <a:lumMod val="85000"/>
-            </a:schemeClr>
-          </a:solidFill>
-          <a:ln>
-            <a:solidFill>
-              <a:schemeClr val="tx1"/>
-            </a:solidFill>
-          </a:ln>
-          <a:effectLst>
-            <a:outerShdw blurRad="50800" dist="38100" dir="2700000" algn="tl" rotWithShape="0">
-              <a:prstClr val="black">
-                <a:alpha val="40000"/>
-              </a:prstClr>
-            </a:outerShdw>
-          </a:effectLst>
-        </p:spPr>
-        <p:txBody>
-          <a:bodyPr wrap="none" rtlCol="0" anchor="t" anchorCtr="1">
-            <a:noAutofit/>
-          </a:bodyPr>
-          <a:lstStyle>
-            <a:defPPr>
-              <a:defRPr lang="en-NL"/>
-            </a:defPPr>
+            <a:lvl1pPr>
+              <a:defRPr sz="1200"/>
+            </a:lvl1pPr>
           </a:lstStyle>
           <a:p>
             <a:r>
@@ -3661,14 +3609,20 @@
               <a:t>Expenses</a:t>
             </a:r>
           </a:p>
-        </p:txBody>
-      </p:sp>
-      <p:sp>
-        <p:nvSpPr>
-          <p:cNvPr id="9" name="TextBox 8">
-            <a:extLst>
-              <a:ext uri="{FF2B5EF4-FFF2-40B4-BE49-F238E27FC236}">
-                <a16:creationId xmlns:a16="http://schemas.microsoft.com/office/drawing/2014/main" id="{193184D0-2F59-39A6-907F-6BEFE4A9C3D5}"/>
+          <a:p>
+            <a:r>
+              <a:rPr lang="en-NL" sz="1000" dirty="0"/>
+              <a:t>(See next slide)</a:t>
+            </a:r>
+          </a:p>
+        </p:txBody>
+      </p:sp>
+      <p:sp>
+        <p:nvSpPr>
+          <p:cNvPr id="32" name="TextBox 31">
+            <a:extLst>
+              <a:ext uri="{FF2B5EF4-FFF2-40B4-BE49-F238E27FC236}">
+                <a16:creationId xmlns:a16="http://schemas.microsoft.com/office/drawing/2014/main" id="{B2D0C2DA-CA9D-7B58-C267-CFA0A0424184}"/>
               </a:ext>
             </a:extLst>
           </p:cNvPr>
@@ -3677,125 +3631,13 @@
         </p:nvSpPr>
         <p:spPr>
           <a:xfrm>
-            <a:off x="9713465" y="4268461"/>
-            <a:ext cx="2173736" cy="1017064"/>
+            <a:off x="10476518" y="180675"/>
+            <a:ext cx="835485" cy="246221"/>
           </a:xfrm>
           <a:prstGeom prst="rect">
             <a:avLst/>
           </a:prstGeom>
-          <a:solidFill>
-            <a:schemeClr val="bg1">
-              <a:lumMod val="85000"/>
-            </a:schemeClr>
-          </a:solidFill>
-          <a:ln>
-            <a:solidFill>
-              <a:schemeClr val="tx1"/>
-            </a:solidFill>
-          </a:ln>
-          <a:effectLst>
-            <a:outerShdw blurRad="50800" dist="38100" dir="2700000" algn="tl" rotWithShape="0">
-              <a:prstClr val="black">
-                <a:alpha val="40000"/>
-              </a:prstClr>
-            </a:outerShdw>
-          </a:effectLst>
-        </p:spPr>
-        <p:txBody>
-          <a:bodyPr wrap="none" rtlCol="0" anchor="t" anchorCtr="1">
-            <a:noAutofit/>
-          </a:bodyPr>
-          <a:lstStyle>
-            <a:defPPr>
-              <a:defRPr lang="en-NL"/>
-            </a:defPPr>
-          </a:lstStyle>
-          <a:p>
-            <a:r>
-              <a:rPr lang="en-NL" dirty="0"/>
-              <a:t>ExpensesList</a:t>
-            </a:r>
-          </a:p>
-        </p:txBody>
-      </p:sp>
-      <p:sp>
-        <p:nvSpPr>
-          <p:cNvPr id="12" name="TextBox 11">
-            <a:extLst>
-              <a:ext uri="{FF2B5EF4-FFF2-40B4-BE49-F238E27FC236}">
-                <a16:creationId xmlns:a16="http://schemas.microsoft.com/office/drawing/2014/main" id="{C761542B-4855-9ECA-B2CE-F2F5EF056D40}"/>
-              </a:ext>
-            </a:extLst>
-          </p:cNvPr>
-          <p:cNvSpPr txBox="1"/>
-          <p:nvPr/>
-        </p:nvSpPr>
-        <p:spPr>
-          <a:xfrm>
-            <a:off x="9956570" y="5696502"/>
-            <a:ext cx="1532245" cy="351385"/>
-          </a:xfrm>
-          <a:prstGeom prst="rect">
-            <a:avLst/>
-          </a:prstGeom>
-          <a:solidFill>
-            <a:schemeClr val="bg1">
-              <a:lumMod val="85000"/>
-            </a:schemeClr>
-          </a:solidFill>
-          <a:ln>
-            <a:solidFill>
-              <a:schemeClr val="tx1"/>
-            </a:solidFill>
-          </a:ln>
-          <a:effectLst>
-            <a:outerShdw blurRad="50800" dist="38100" dir="2700000" algn="tl" rotWithShape="0">
-              <a:prstClr val="black">
-                <a:alpha val="40000"/>
-              </a:prstClr>
-            </a:outerShdw>
-          </a:effectLst>
-        </p:spPr>
-        <p:txBody>
-          <a:bodyPr wrap="none" rtlCol="0" anchor="t" anchorCtr="1">
-            <a:noAutofit/>
-          </a:bodyPr>
-          <a:lstStyle>
-            <a:defPPr>
-              <a:defRPr lang="en-NL"/>
-            </a:defPPr>
-          </a:lstStyle>
-          <a:p>
-            <a:r>
-              <a:rPr lang="en-NL" dirty="0"/>
-              <a:t>ExpenseItem</a:t>
-            </a:r>
-          </a:p>
-        </p:txBody>
-      </p:sp>
-      <p:sp>
-        <p:nvSpPr>
-          <p:cNvPr id="23" name="TextBox 22">
-            <a:extLst>
-              <a:ext uri="{FF2B5EF4-FFF2-40B4-BE49-F238E27FC236}">
-                <a16:creationId xmlns:a16="http://schemas.microsoft.com/office/drawing/2014/main" id="{939A0BDF-2D68-CD17-5695-901B04DC10FC}"/>
-              </a:ext>
-            </a:extLst>
-          </p:cNvPr>
-          <p:cNvSpPr txBox="1"/>
-          <p:nvPr/>
-        </p:nvSpPr>
-        <p:spPr>
-          <a:xfrm>
-            <a:off x="3912885" y="597844"/>
-            <a:ext cx="776175" cy="246221"/>
-          </a:xfrm>
-          <a:prstGeom prst="rect">
-            <a:avLst/>
-          </a:prstGeom>
-          <a:solidFill>
-            <a:schemeClr val="bg1"/>
-          </a:solidFill>
+          <a:noFill/>
           <a:ln>
             <a:solidFill>
               <a:schemeClr val="accent1"/>
@@ -3810,17 +3652,17 @@
           <a:p>
             <a:r>
               <a:rPr lang="en-NL" sz="1000" dirty="0"/>
-              <a:t>expenses[]</a:t>
-            </a:r>
-          </a:p>
-        </p:txBody>
-      </p:sp>
-      <p:sp>
-        <p:nvSpPr>
-          <p:cNvPr id="25" name="TextBox 24">
-            <a:extLst>
-              <a:ext uri="{FF2B5EF4-FFF2-40B4-BE49-F238E27FC236}">
-                <a16:creationId xmlns:a16="http://schemas.microsoft.com/office/drawing/2014/main" id="{C424838C-EF9E-E2AD-4797-78EB33A78798}"/>
+              <a:t>Data / State </a:t>
+            </a:r>
+          </a:p>
+        </p:txBody>
+      </p:sp>
+      <p:sp>
+        <p:nvSpPr>
+          <p:cNvPr id="33" name="TextBox 32">
+            <a:extLst>
+              <a:ext uri="{FF2B5EF4-FFF2-40B4-BE49-F238E27FC236}">
+                <a16:creationId xmlns:a16="http://schemas.microsoft.com/office/drawing/2014/main" id="{BCD249CF-2CEC-FD28-55B8-0DD949D1A386}"/>
               </a:ext>
             </a:extLst>
           </p:cNvPr>
@@ -3829,8 +3671,8 @@
         </p:nvSpPr>
         <p:spPr>
           <a:xfrm>
-            <a:off x="5172444" y="597844"/>
-            <a:ext cx="1253869" cy="246221"/>
+            <a:off x="11410764" y="180675"/>
+            <a:ext cx="598241" cy="246221"/>
           </a:xfrm>
           <a:prstGeom prst="rect">
             <a:avLst/>
@@ -3855,17 +3697,17 @@
           <a:p>
             <a:r>
               <a:rPr lang="en-NL" sz="1000" dirty="0"/>
-              <a:t>addExpenseHandler </a:t>
-            </a:r>
-          </a:p>
-        </p:txBody>
-      </p:sp>
-      <p:sp>
-        <p:nvSpPr>
-          <p:cNvPr id="26" name="TextBox 25">
-            <a:extLst>
-              <a:ext uri="{FF2B5EF4-FFF2-40B4-BE49-F238E27FC236}">
-                <a16:creationId xmlns:a16="http://schemas.microsoft.com/office/drawing/2014/main" id="{E76A445B-AAF9-628E-C6CA-4186841E71EA}"/>
+              <a:t>Handler</a:t>
+            </a:r>
+          </a:p>
+        </p:txBody>
+      </p:sp>
+      <p:sp>
+        <p:nvSpPr>
+          <p:cNvPr id="34" name="TextBox 33">
+            <a:extLst>
+              <a:ext uri="{FF2B5EF4-FFF2-40B4-BE49-F238E27FC236}">
+                <a16:creationId xmlns:a16="http://schemas.microsoft.com/office/drawing/2014/main" id="{15DE2C8E-ADB4-11D5-03F3-CF6EC7AECE54}"/>
               </a:ext>
             </a:extLst>
           </p:cNvPr>
@@ -3874,7 +3716,7 @@
         </p:nvSpPr>
         <p:spPr>
           <a:xfrm>
-            <a:off x="5149267" y="1129000"/>
+            <a:off x="11450614" y="503657"/>
             <a:ext cx="561372" cy="246221"/>
           </a:xfrm>
           <a:prstGeom prst="rect">
@@ -3905,98 +3747,12 @@
           </a:p>
         </p:txBody>
       </p:sp>
-      <p:cxnSp>
-        <p:nvCxnSpPr>
-          <p:cNvPr id="28" name="Straight Arrow Connector 27">
-            <a:extLst>
-              <a:ext uri="{FF2B5EF4-FFF2-40B4-BE49-F238E27FC236}">
-                <a16:creationId xmlns:a16="http://schemas.microsoft.com/office/drawing/2014/main" id="{A55AD098-C2A3-CE1E-B714-1640911420F8}"/>
-              </a:ext>
-            </a:extLst>
-          </p:cNvPr>
-          <p:cNvCxnSpPr>
-            <a:cxnSpLocks/>
-            <a:stCxn id="26" idx="1"/>
-            <a:endCxn id="2" idx="0"/>
-          </p:cNvCxnSpPr>
-          <p:nvPr/>
-        </p:nvCxnSpPr>
-        <p:spPr>
-          <a:xfrm flipH="1">
-            <a:off x="2482484" y="1252111"/>
-            <a:ext cx="2666783" cy="694250"/>
-          </a:xfrm>
-          <a:prstGeom prst="straightConnector1">
-            <a:avLst/>
-          </a:prstGeom>
-          <a:ln>
-            <a:tailEnd type="triangle"/>
-          </a:ln>
-        </p:spPr>
-        <p:style>
-          <a:lnRef idx="1">
-            <a:schemeClr val="accent1"/>
-          </a:lnRef>
-          <a:fillRef idx="0">
-            <a:schemeClr val="accent1"/>
-          </a:fillRef>
-          <a:effectRef idx="0">
-            <a:schemeClr val="accent1"/>
-          </a:effectRef>
-          <a:fontRef idx="minor">
-            <a:schemeClr val="tx1"/>
-          </a:fontRef>
-        </p:style>
-      </p:cxnSp>
-      <p:cxnSp>
-        <p:nvCxnSpPr>
-          <p:cNvPr id="30" name="Straight Arrow Connector 29">
-            <a:extLst>
-              <a:ext uri="{FF2B5EF4-FFF2-40B4-BE49-F238E27FC236}">
-                <a16:creationId xmlns:a16="http://schemas.microsoft.com/office/drawing/2014/main" id="{2D249288-63F5-2487-1CCC-F769F2FF5788}"/>
-              </a:ext>
-            </a:extLst>
-          </p:cNvPr>
-          <p:cNvCxnSpPr>
-            <a:cxnSpLocks/>
-            <a:stCxn id="26" idx="3"/>
-            <a:endCxn id="3" idx="0"/>
-          </p:cNvCxnSpPr>
-          <p:nvPr/>
-        </p:nvCxnSpPr>
-        <p:spPr>
-          <a:xfrm>
-            <a:off x="5710639" y="1252111"/>
-            <a:ext cx="3589219" cy="693298"/>
-          </a:xfrm>
-          <a:prstGeom prst="straightConnector1">
-            <a:avLst/>
-          </a:prstGeom>
-          <a:ln>
-            <a:tailEnd type="triangle"/>
-          </a:ln>
-        </p:spPr>
-        <p:style>
-          <a:lnRef idx="1">
-            <a:schemeClr val="accent1"/>
-          </a:lnRef>
-          <a:fillRef idx="0">
-            <a:schemeClr val="accent1"/>
-          </a:fillRef>
-          <a:effectRef idx="0">
-            <a:schemeClr val="accent1"/>
-          </a:effectRef>
-          <a:fontRef idx="minor">
-            <a:schemeClr val="tx1"/>
-          </a:fontRef>
-        </p:style>
-      </p:cxnSp>
-      <p:sp>
-        <p:nvSpPr>
-          <p:cNvPr id="32" name="TextBox 31">
-            <a:extLst>
-              <a:ext uri="{FF2B5EF4-FFF2-40B4-BE49-F238E27FC236}">
-                <a16:creationId xmlns:a16="http://schemas.microsoft.com/office/drawing/2014/main" id="{B2D0C2DA-CA9D-7B58-C267-CFA0A0424184}"/>
+      <p:sp>
+        <p:nvSpPr>
+          <p:cNvPr id="40" name="TextBox 39">
+            <a:extLst>
+              <a:ext uri="{FF2B5EF4-FFF2-40B4-BE49-F238E27FC236}">
+                <a16:creationId xmlns:a16="http://schemas.microsoft.com/office/drawing/2014/main" id="{B4F87230-E3E7-DB37-462E-65F0747ED827}"/>
               </a:ext>
             </a:extLst>
           </p:cNvPr>
@@ -4005,217 +3761,8 @@
         </p:nvSpPr>
         <p:spPr>
           <a:xfrm>
-            <a:off x="10476518" y="180675"/>
-            <a:ext cx="835485" cy="246221"/>
-          </a:xfrm>
-          <a:prstGeom prst="rect">
-            <a:avLst/>
-          </a:prstGeom>
-          <a:noFill/>
-          <a:ln>
-            <a:solidFill>
-              <a:schemeClr val="accent1"/>
-            </a:solidFill>
-          </a:ln>
-        </p:spPr>
-        <p:txBody>
-          <a:bodyPr wrap="none" rtlCol="0">
-            <a:spAutoFit/>
-          </a:bodyPr>
-          <a:lstStyle/>
-          <a:p>
-            <a:r>
-              <a:rPr lang="en-NL" sz="1000" dirty="0"/>
-              <a:t>Data / State </a:t>
-            </a:r>
-          </a:p>
-        </p:txBody>
-      </p:sp>
-      <p:sp>
-        <p:nvSpPr>
-          <p:cNvPr id="33" name="TextBox 32">
-            <a:extLst>
-              <a:ext uri="{FF2B5EF4-FFF2-40B4-BE49-F238E27FC236}">
-                <a16:creationId xmlns:a16="http://schemas.microsoft.com/office/drawing/2014/main" id="{BCD249CF-2CEC-FD28-55B8-0DD949D1A386}"/>
-              </a:ext>
-            </a:extLst>
-          </p:cNvPr>
-          <p:cNvSpPr txBox="1"/>
-          <p:nvPr/>
-        </p:nvSpPr>
-        <p:spPr>
-          <a:xfrm>
-            <a:off x="11410764" y="180675"/>
-            <a:ext cx="598241" cy="246221"/>
-          </a:xfrm>
-          <a:prstGeom prst="rect">
-            <a:avLst/>
-          </a:prstGeom>
-          <a:solidFill>
-            <a:schemeClr val="accent6">
-              <a:lumMod val="20000"/>
-              <a:lumOff val="80000"/>
-            </a:schemeClr>
-          </a:solidFill>
-          <a:ln cap="sq">
-            <a:solidFill>
-              <a:schemeClr val="accent6"/>
-            </a:solidFill>
-          </a:ln>
-        </p:spPr>
-        <p:txBody>
-          <a:bodyPr wrap="none" rtlCol="0">
-            <a:spAutoFit/>
-          </a:bodyPr>
-          <a:lstStyle/>
-          <a:p>
-            <a:r>
-              <a:rPr lang="en-NL" sz="1000" dirty="0"/>
-              <a:t>Handler</a:t>
-            </a:r>
-          </a:p>
-        </p:txBody>
-      </p:sp>
-      <p:sp>
-        <p:nvSpPr>
-          <p:cNvPr id="34" name="TextBox 33">
-            <a:extLst>
-              <a:ext uri="{FF2B5EF4-FFF2-40B4-BE49-F238E27FC236}">
-                <a16:creationId xmlns:a16="http://schemas.microsoft.com/office/drawing/2014/main" id="{15DE2C8E-ADB4-11D5-03F3-CF6EC7AECE54}"/>
-              </a:ext>
-            </a:extLst>
-          </p:cNvPr>
-          <p:cNvSpPr txBox="1"/>
-          <p:nvPr/>
-        </p:nvSpPr>
-        <p:spPr>
-          <a:xfrm>
-            <a:off x="11450614" y="503657"/>
-            <a:ext cx="561372" cy="246221"/>
-          </a:xfrm>
-          <a:prstGeom prst="rect">
-            <a:avLst/>
-          </a:prstGeom>
-          <a:solidFill>
-            <a:schemeClr val="accent5">
-              <a:lumMod val="20000"/>
-              <a:lumOff val="80000"/>
-            </a:schemeClr>
-          </a:solidFill>
-          <a:ln cap="sq">
-            <a:solidFill>
-              <a:schemeClr val="accent6"/>
-            </a:solidFill>
-          </a:ln>
-        </p:spPr>
-        <p:txBody>
-          <a:bodyPr wrap="none" rtlCol="0">
-            <a:spAutoFit/>
-          </a:bodyPr>
-          <a:lstStyle/>
-          <a:p>
-            <a:r>
-              <a:rPr lang="en-NL" sz="1000" dirty="0"/>
-              <a:t>Render</a:t>
-            </a:r>
-          </a:p>
-        </p:txBody>
-      </p:sp>
-      <p:cxnSp>
-        <p:nvCxnSpPr>
-          <p:cNvPr id="36" name="Straight Arrow Connector 35">
-            <a:extLst>
-              <a:ext uri="{FF2B5EF4-FFF2-40B4-BE49-F238E27FC236}">
-                <a16:creationId xmlns:a16="http://schemas.microsoft.com/office/drawing/2014/main" id="{AB6E7593-B494-17EC-F646-B9907B7BE28D}"/>
-              </a:ext>
-            </a:extLst>
-          </p:cNvPr>
-          <p:cNvCxnSpPr>
-            <a:cxnSpLocks/>
-          </p:cNvCxnSpPr>
-          <p:nvPr/>
-        </p:nvCxnSpPr>
-        <p:spPr>
-          <a:xfrm flipH="1">
-            <a:off x="4662321" y="651648"/>
-            <a:ext cx="510123" cy="1"/>
-          </a:xfrm>
-          <a:prstGeom prst="straightConnector1">
-            <a:avLst/>
-          </a:prstGeom>
-          <a:ln>
-            <a:solidFill>
-              <a:srgbClr val="7030A0"/>
-            </a:solidFill>
-            <a:tailEnd type="triangle"/>
-          </a:ln>
-        </p:spPr>
-        <p:style>
-          <a:lnRef idx="1">
-            <a:schemeClr val="accent1"/>
-          </a:lnRef>
-          <a:fillRef idx="0">
-            <a:schemeClr val="accent1"/>
-          </a:fillRef>
-          <a:effectRef idx="0">
-            <a:schemeClr val="accent1"/>
-          </a:effectRef>
-          <a:fontRef idx="minor">
-            <a:schemeClr val="tx1"/>
-          </a:fontRef>
-        </p:style>
-      </p:cxnSp>
-      <p:sp>
-        <p:nvSpPr>
-          <p:cNvPr id="38" name="TextBox 37">
-            <a:extLst>
-              <a:ext uri="{FF2B5EF4-FFF2-40B4-BE49-F238E27FC236}">
-                <a16:creationId xmlns:a16="http://schemas.microsoft.com/office/drawing/2014/main" id="{F7EF3EA8-FA03-DB39-02EC-09C179EE93A3}"/>
-              </a:ext>
-            </a:extLst>
-          </p:cNvPr>
-          <p:cNvSpPr txBox="1"/>
-          <p:nvPr/>
-        </p:nvSpPr>
-        <p:spPr>
-          <a:xfrm>
-            <a:off x="4701536" y="454971"/>
-            <a:ext cx="393056" cy="246221"/>
-          </a:xfrm>
-          <a:prstGeom prst="rect">
-            <a:avLst/>
-          </a:prstGeom>
-          <a:noFill/>
-        </p:spPr>
-        <p:txBody>
-          <a:bodyPr wrap="none" rtlCol="0">
-            <a:spAutoFit/>
-          </a:bodyPr>
-          <a:lstStyle/>
-          <a:p>
-            <a:r>
-              <a:rPr lang="en-NL" sz="1000" dirty="0"/>
-              <a:t>Add</a:t>
-            </a:r>
-          </a:p>
-        </p:txBody>
-      </p:sp>
-      <p:sp>
-        <p:nvSpPr>
-          <p:cNvPr id="40" name="TextBox 39">
-            <a:extLst>
-              <a:ext uri="{FF2B5EF4-FFF2-40B4-BE49-F238E27FC236}">
-                <a16:creationId xmlns:a16="http://schemas.microsoft.com/office/drawing/2014/main" id="{B4F87230-E3E7-DB37-462E-65F0747ED827}"/>
-              </a:ext>
-            </a:extLst>
-          </p:cNvPr>
-          <p:cNvSpPr txBox="1"/>
-          <p:nvPr/>
-        </p:nvSpPr>
-        <p:spPr>
-          <a:xfrm>
-            <a:off x="2400160" y="1514908"/>
-            <a:ext cx="2183611" cy="246221"/>
+            <a:off x="2248827" y="1579360"/>
+            <a:ext cx="1305165" cy="400110"/>
           </a:xfrm>
           <a:prstGeom prst="rect">
             <a:avLst/>
@@ -4241,7 +3788,13 @@
           <a:p>
             <a:r>
               <a:rPr lang="en-NL" dirty="0"/>
-              <a:t>onAddExpense={addExpenseHandler}</a:t>
+              <a:t>onAddExpense=</a:t>
+            </a:r>
+          </a:p>
+          <a:p>
+            <a:r>
+              <a:rPr lang="en-NL" dirty="0"/>
+              <a:t>{addExpenseHandler}</a:t>
             </a:r>
           </a:p>
         </p:txBody>
@@ -4260,7 +3813,7 @@
         </p:nvSpPr>
         <p:spPr>
           <a:xfrm>
-            <a:off x="6888292" y="1622794"/>
+            <a:off x="6343432" y="1539642"/>
             <a:ext cx="1099981" cy="246221"/>
           </a:xfrm>
           <a:prstGeom prst="rect">
@@ -4292,166 +3845,6 @@
           </a:p>
         </p:txBody>
       </p:sp>
-      <p:cxnSp>
-        <p:nvCxnSpPr>
-          <p:cNvPr id="45" name="Straight Arrow Connector 44">
-            <a:extLst>
-              <a:ext uri="{FF2B5EF4-FFF2-40B4-BE49-F238E27FC236}">
-                <a16:creationId xmlns:a16="http://schemas.microsoft.com/office/drawing/2014/main" id="{9959AA33-0CEE-99F0-63D5-736C2BE0654C}"/>
-              </a:ext>
-            </a:extLst>
-          </p:cNvPr>
-          <p:cNvCxnSpPr>
-            <a:cxnSpLocks/>
-          </p:cNvCxnSpPr>
-          <p:nvPr/>
-        </p:nvCxnSpPr>
-        <p:spPr>
-          <a:xfrm>
-            <a:off x="4670094" y="787785"/>
-            <a:ext cx="502350" cy="1"/>
-          </a:xfrm>
-          <a:prstGeom prst="straightConnector1">
-            <a:avLst/>
-          </a:prstGeom>
-          <a:ln>
-            <a:solidFill>
-              <a:schemeClr val="tx1"/>
-            </a:solidFill>
-            <a:tailEnd type="triangle"/>
-          </a:ln>
-        </p:spPr>
-        <p:style>
-          <a:lnRef idx="1">
-            <a:schemeClr val="accent1"/>
-          </a:lnRef>
-          <a:fillRef idx="0">
-            <a:schemeClr val="accent1"/>
-          </a:fillRef>
-          <a:effectRef idx="0">
-            <a:schemeClr val="accent1"/>
-          </a:effectRef>
-          <a:fontRef idx="minor">
-            <a:schemeClr val="tx1"/>
-          </a:fontRef>
-        </p:style>
-      </p:cxnSp>
-      <p:sp>
-        <p:nvSpPr>
-          <p:cNvPr id="52" name="TextBox 51">
-            <a:extLst>
-              <a:ext uri="{FF2B5EF4-FFF2-40B4-BE49-F238E27FC236}">
-                <a16:creationId xmlns:a16="http://schemas.microsoft.com/office/drawing/2014/main" id="{2816A76D-EE3B-3453-0B7A-C2B1CEE0E360}"/>
-              </a:ext>
-            </a:extLst>
-          </p:cNvPr>
-          <p:cNvSpPr txBox="1"/>
-          <p:nvPr/>
-        </p:nvSpPr>
-        <p:spPr>
-          <a:xfrm>
-            <a:off x="4701536" y="720684"/>
-            <a:ext cx="445956" cy="246221"/>
-          </a:xfrm>
-          <a:prstGeom prst="rect">
-            <a:avLst/>
-          </a:prstGeom>
-          <a:noFill/>
-        </p:spPr>
-        <p:txBody>
-          <a:bodyPr wrap="none" rtlCol="0">
-            <a:spAutoFit/>
-          </a:bodyPr>
-          <a:lstStyle/>
-          <a:p>
-            <a:r>
-              <a:rPr lang="en-NL" sz="1000" dirty="0"/>
-              <a:t>Read</a:t>
-            </a:r>
-          </a:p>
-        </p:txBody>
-      </p:sp>
-      <p:cxnSp>
-        <p:nvCxnSpPr>
-          <p:cNvPr id="53" name="Straight Arrow Connector 52">
-            <a:extLst>
-              <a:ext uri="{FF2B5EF4-FFF2-40B4-BE49-F238E27FC236}">
-                <a16:creationId xmlns:a16="http://schemas.microsoft.com/office/drawing/2014/main" id="{C7012669-9FA1-596C-FE14-E74873F8753E}"/>
-              </a:ext>
-            </a:extLst>
-          </p:cNvPr>
-          <p:cNvCxnSpPr>
-            <a:cxnSpLocks/>
-            <a:stCxn id="23" idx="2"/>
-            <a:endCxn id="26" idx="0"/>
-          </p:cNvCxnSpPr>
-          <p:nvPr/>
-        </p:nvCxnSpPr>
-        <p:spPr>
-          <a:xfrm>
-            <a:off x="4300973" y="844065"/>
-            <a:ext cx="1128980" cy="284935"/>
-          </a:xfrm>
-          <a:prstGeom prst="straightConnector1">
-            <a:avLst/>
-          </a:prstGeom>
-          <a:ln>
-            <a:solidFill>
-              <a:schemeClr val="tx1"/>
-            </a:solidFill>
-            <a:tailEnd type="triangle"/>
-          </a:ln>
-        </p:spPr>
-        <p:style>
-          <a:lnRef idx="1">
-            <a:schemeClr val="accent1"/>
-          </a:lnRef>
-          <a:fillRef idx="0">
-            <a:schemeClr val="accent1"/>
-          </a:fillRef>
-          <a:effectRef idx="0">
-            <a:schemeClr val="accent1"/>
-          </a:effectRef>
-          <a:fontRef idx="minor">
-            <a:schemeClr val="tx1"/>
-          </a:fontRef>
-        </p:style>
-      </p:cxnSp>
-      <p:sp>
-        <p:nvSpPr>
-          <p:cNvPr id="57" name="TextBox 56">
-            <a:extLst>
-              <a:ext uri="{FF2B5EF4-FFF2-40B4-BE49-F238E27FC236}">
-                <a16:creationId xmlns:a16="http://schemas.microsoft.com/office/drawing/2014/main" id="{BF18B077-3914-FFB4-4D6C-BA53BE6740FA}"/>
-              </a:ext>
-            </a:extLst>
-          </p:cNvPr>
-          <p:cNvSpPr txBox="1"/>
-          <p:nvPr/>
-        </p:nvSpPr>
-        <p:spPr>
-          <a:xfrm>
-            <a:off x="4663757" y="950140"/>
-            <a:ext cx="445956" cy="246221"/>
-          </a:xfrm>
-          <a:prstGeom prst="rect">
-            <a:avLst/>
-          </a:prstGeom>
-          <a:noFill/>
-        </p:spPr>
-        <p:txBody>
-          <a:bodyPr wrap="none" rtlCol="0">
-            <a:spAutoFit/>
-          </a:bodyPr>
-          <a:lstStyle/>
-          <a:p>
-            <a:r>
-              <a:rPr lang="en-NL" sz="1000" dirty="0"/>
-              <a:t>Read</a:t>
-            </a:r>
-          </a:p>
-        </p:txBody>
-      </p:sp>
       <p:sp>
         <p:nvSpPr>
           <p:cNvPr id="58" name="TextBox 57">
@@ -4694,52 +4087,6 @@
           </a:p>
         </p:txBody>
       </p:sp>
-      <p:cxnSp>
-        <p:nvCxnSpPr>
-          <p:cNvPr id="70" name="Elbow Connector 69">
-            <a:extLst>
-              <a:ext uri="{FF2B5EF4-FFF2-40B4-BE49-F238E27FC236}">
-                <a16:creationId xmlns:a16="http://schemas.microsoft.com/office/drawing/2014/main" id="{BAAEF394-5A69-77C4-488A-E14A8B4BD1BE}"/>
-              </a:ext>
-            </a:extLst>
-          </p:cNvPr>
-          <p:cNvCxnSpPr>
-            <a:cxnSpLocks/>
-          </p:cNvCxnSpPr>
-          <p:nvPr/>
-        </p:nvCxnSpPr>
-        <p:spPr>
-          <a:xfrm flipV="1">
-            <a:off x="3077780" y="879402"/>
-            <a:ext cx="3041683" cy="1557480"/>
-          </a:xfrm>
-          <a:prstGeom prst="bentConnector3">
-            <a:avLst>
-              <a:gd name="adj1" fmla="val 99859"/>
-            </a:avLst>
-          </a:prstGeom>
-          <a:ln>
-            <a:solidFill>
-              <a:srgbClr val="7030A0"/>
-            </a:solidFill>
-            <a:tailEnd type="triangle"/>
-          </a:ln>
-        </p:spPr>
-        <p:style>
-          <a:lnRef idx="1">
-            <a:schemeClr val="accent1"/>
-          </a:lnRef>
-          <a:fillRef idx="0">
-            <a:schemeClr val="accent1"/>
-          </a:fillRef>
-          <a:effectRef idx="0">
-            <a:schemeClr val="accent1"/>
-          </a:effectRef>
-          <a:fontRef idx="minor">
-            <a:schemeClr val="tx1"/>
-          </a:fontRef>
-        </p:style>
-      </p:cxnSp>
       <p:sp>
         <p:nvSpPr>
           <p:cNvPr id="75" name="TextBox 74">
@@ -4754,7 +4101,7 @@
         </p:nvSpPr>
         <p:spPr>
           <a:xfrm>
-            <a:off x="5041121" y="2202319"/>
+            <a:off x="4434835" y="2338066"/>
             <a:ext cx="1107996" cy="246221"/>
           </a:xfrm>
           <a:prstGeom prst="rect">
@@ -6518,144 +5865,12 @@
           </a:fontRef>
         </p:style>
       </p:cxnSp>
-      <p:sp>
-        <p:nvSpPr>
-          <p:cNvPr id="177" name="TextBox 176">
-            <a:extLst>
-              <a:ext uri="{FF2B5EF4-FFF2-40B4-BE49-F238E27FC236}">
-                <a16:creationId xmlns:a16="http://schemas.microsoft.com/office/drawing/2014/main" id="{B878B4DB-A16E-DDD8-418B-7768072F861F}"/>
-              </a:ext>
-            </a:extLst>
-          </p:cNvPr>
-          <p:cNvSpPr txBox="1"/>
-          <p:nvPr/>
-        </p:nvSpPr>
-        <p:spPr>
-          <a:xfrm>
-            <a:off x="7963090" y="2475203"/>
-            <a:ext cx="797013" cy="246221"/>
-          </a:xfrm>
-          <a:prstGeom prst="rect">
-            <a:avLst/>
-          </a:prstGeom>
-          <a:solidFill>
-            <a:schemeClr val="bg1"/>
-          </a:solidFill>
-          <a:ln>
-            <a:solidFill>
-              <a:schemeClr val="accent1"/>
-            </a:solidFill>
-          </a:ln>
-        </p:spPr>
-        <p:txBody>
-          <a:bodyPr wrap="none" rtlCol="0">
-            <a:spAutoFit/>
-          </a:bodyPr>
-          <a:lstStyle/>
-          <a:p>
-            <a:r>
-              <a:rPr lang="en-NL" sz="1000" dirty="0"/>
-              <a:t>filteredYear</a:t>
-            </a:r>
-          </a:p>
-        </p:txBody>
-      </p:sp>
-      <p:sp>
-        <p:nvSpPr>
-          <p:cNvPr id="178" name="TextBox 177">
-            <a:extLst>
-              <a:ext uri="{FF2B5EF4-FFF2-40B4-BE49-F238E27FC236}">
-                <a16:creationId xmlns:a16="http://schemas.microsoft.com/office/drawing/2014/main" id="{667D5F00-94C7-706E-235C-004B75138E21}"/>
-              </a:ext>
-            </a:extLst>
-          </p:cNvPr>
-          <p:cNvSpPr txBox="1"/>
-          <p:nvPr/>
-        </p:nvSpPr>
-        <p:spPr>
-          <a:xfrm>
-            <a:off x="9222649" y="2475203"/>
-            <a:ext cx="1265090" cy="246221"/>
-          </a:xfrm>
-          <a:prstGeom prst="rect">
-            <a:avLst/>
-          </a:prstGeom>
-          <a:solidFill>
-            <a:schemeClr val="accent6">
-              <a:lumMod val="20000"/>
-              <a:lumOff val="80000"/>
-            </a:schemeClr>
-          </a:solidFill>
-          <a:ln cap="sq">
-            <a:solidFill>
-              <a:schemeClr val="accent6"/>
-            </a:solidFill>
-          </a:ln>
-        </p:spPr>
-        <p:txBody>
-          <a:bodyPr wrap="none" rtlCol="0">
-            <a:spAutoFit/>
-          </a:bodyPr>
-          <a:lstStyle/>
-          <a:p>
-            <a:r>
-              <a:rPr lang="en-NL" sz="1000" dirty="0"/>
-              <a:t>filterChangeHandler </a:t>
-            </a:r>
-          </a:p>
-        </p:txBody>
-      </p:sp>
-      <p:sp>
-        <p:nvSpPr>
-          <p:cNvPr id="179" name="TextBox 178">
-            <a:extLst>
-              <a:ext uri="{FF2B5EF4-FFF2-40B4-BE49-F238E27FC236}">
-                <a16:creationId xmlns:a16="http://schemas.microsoft.com/office/drawing/2014/main" id="{D03EC028-9098-08EE-B6A4-BC288412082F}"/>
-              </a:ext>
-            </a:extLst>
-          </p:cNvPr>
-          <p:cNvSpPr txBox="1"/>
-          <p:nvPr/>
-        </p:nvSpPr>
-        <p:spPr>
-          <a:xfrm>
-            <a:off x="9498523" y="3350980"/>
-            <a:ext cx="561372" cy="246221"/>
-          </a:xfrm>
-          <a:prstGeom prst="rect">
-            <a:avLst/>
-          </a:prstGeom>
-          <a:solidFill>
-            <a:schemeClr val="accent5">
-              <a:lumMod val="20000"/>
-              <a:lumOff val="80000"/>
-            </a:schemeClr>
-          </a:solidFill>
-          <a:ln cap="sq">
-            <a:solidFill>
-              <a:schemeClr val="accent6"/>
-            </a:solidFill>
-          </a:ln>
-        </p:spPr>
-        <p:txBody>
-          <a:bodyPr wrap="none" rtlCol="0">
-            <a:spAutoFit/>
-          </a:bodyPr>
-          <a:lstStyle/>
-          <a:p>
-            <a:r>
-              <a:rPr lang="en-NL" sz="1000" dirty="0"/>
-              <a:t>Render</a:t>
-            </a:r>
-          </a:p>
-        </p:txBody>
-      </p:sp>
       <p:cxnSp>
         <p:nvCxnSpPr>
-          <p:cNvPr id="180" name="Straight Arrow Connector 179">
-            <a:extLst>
-              <a:ext uri="{FF2B5EF4-FFF2-40B4-BE49-F238E27FC236}">
-                <a16:creationId xmlns:a16="http://schemas.microsoft.com/office/drawing/2014/main" id="{D05B4028-7723-540D-9BCE-5D719DA4F719}"/>
+          <p:cNvPr id="13" name="Straight Arrow Connector 12">
+            <a:extLst>
+              <a:ext uri="{FF2B5EF4-FFF2-40B4-BE49-F238E27FC236}">
+                <a16:creationId xmlns:a16="http://schemas.microsoft.com/office/drawing/2014/main" id="{9FDBEE74-78F4-F00A-E256-167BCBF584D8}"/>
               </a:ext>
             </a:extLst>
           </p:cNvPr>
@@ -6665,17 +5880,14 @@
           <p:nvPr/>
         </p:nvCxnSpPr>
         <p:spPr>
-          <a:xfrm flipH="1">
-            <a:off x="8712526" y="2529007"/>
-            <a:ext cx="510123" cy="1"/>
+          <a:xfrm>
+            <a:off x="2307464" y="1257278"/>
+            <a:ext cx="6262" cy="1129964"/>
           </a:xfrm>
           <a:prstGeom prst="straightConnector1">
             <a:avLst/>
           </a:prstGeom>
           <a:ln>
-            <a:solidFill>
-              <a:srgbClr val="7030A0"/>
-            </a:solidFill>
             <a:tailEnd type="triangle"/>
           </a:ln>
         </p:spPr>
@@ -6696,10 +5908,10 @@
       </p:cxnSp>
       <p:sp>
         <p:nvSpPr>
-          <p:cNvPr id="181" name="TextBox 180">
-            <a:extLst>
-              <a:ext uri="{FF2B5EF4-FFF2-40B4-BE49-F238E27FC236}">
-                <a16:creationId xmlns:a16="http://schemas.microsoft.com/office/drawing/2014/main" id="{C712A369-FCBE-218B-3B90-11D8F3F32552}"/>
+          <p:cNvPr id="16" name="TextBox 15">
+            <a:extLst>
+              <a:ext uri="{FF2B5EF4-FFF2-40B4-BE49-F238E27FC236}">
+                <a16:creationId xmlns:a16="http://schemas.microsoft.com/office/drawing/2014/main" id="{D3384CF1-7B5F-D47B-3CE8-DFDA7F928E36}"/>
               </a:ext>
             </a:extLst>
           </p:cNvPr>
@@ -6708,540 +5920,8 @@
         </p:nvSpPr>
         <p:spPr>
           <a:xfrm>
-            <a:off x="8751741" y="2332330"/>
-            <a:ext cx="457176" cy="246221"/>
-          </a:xfrm>
-          <a:prstGeom prst="rect">
-            <a:avLst/>
-          </a:prstGeom>
-          <a:noFill/>
-        </p:spPr>
-        <p:txBody>
-          <a:bodyPr wrap="none" rtlCol="0">
-            <a:spAutoFit/>
-          </a:bodyPr>
-          <a:lstStyle/>
-          <a:p>
-            <a:r>
-              <a:rPr lang="en-NL" sz="1000" dirty="0"/>
-              <a:t>write</a:t>
-            </a:r>
-          </a:p>
-        </p:txBody>
-      </p:sp>
-      <p:cxnSp>
-        <p:nvCxnSpPr>
-          <p:cNvPr id="182" name="Straight Arrow Connector 181">
-            <a:extLst>
-              <a:ext uri="{FF2B5EF4-FFF2-40B4-BE49-F238E27FC236}">
-                <a16:creationId xmlns:a16="http://schemas.microsoft.com/office/drawing/2014/main" id="{D0202299-25FF-2AA3-8A8B-8880018D3D94}"/>
-              </a:ext>
-            </a:extLst>
-          </p:cNvPr>
-          <p:cNvCxnSpPr>
-            <a:cxnSpLocks/>
-          </p:cNvCxnSpPr>
-          <p:nvPr/>
-        </p:nvCxnSpPr>
-        <p:spPr>
-          <a:xfrm>
-            <a:off x="8720299" y="2665144"/>
-            <a:ext cx="502350" cy="1"/>
-          </a:xfrm>
-          <a:prstGeom prst="straightConnector1">
-            <a:avLst/>
-          </a:prstGeom>
-          <a:ln>
-            <a:solidFill>
-              <a:schemeClr val="tx1"/>
-            </a:solidFill>
-            <a:tailEnd type="triangle"/>
-          </a:ln>
-        </p:spPr>
-        <p:style>
-          <a:lnRef idx="1">
-            <a:schemeClr val="accent1"/>
-          </a:lnRef>
-          <a:fillRef idx="0">
-            <a:schemeClr val="accent1"/>
-          </a:fillRef>
-          <a:effectRef idx="0">
-            <a:schemeClr val="accent1"/>
-          </a:effectRef>
-          <a:fontRef idx="minor">
-            <a:schemeClr val="tx1"/>
-          </a:fontRef>
-        </p:style>
-      </p:cxnSp>
-      <p:sp>
-        <p:nvSpPr>
-          <p:cNvPr id="183" name="TextBox 182">
-            <a:extLst>
-              <a:ext uri="{FF2B5EF4-FFF2-40B4-BE49-F238E27FC236}">
-                <a16:creationId xmlns:a16="http://schemas.microsoft.com/office/drawing/2014/main" id="{3A2A5250-39CA-750A-71BF-7E0A03104067}"/>
-              </a:ext>
-            </a:extLst>
-          </p:cNvPr>
-          <p:cNvSpPr txBox="1"/>
-          <p:nvPr/>
-        </p:nvSpPr>
-        <p:spPr>
-          <a:xfrm>
-            <a:off x="8751741" y="2598043"/>
-            <a:ext cx="445956" cy="246221"/>
-          </a:xfrm>
-          <a:prstGeom prst="rect">
-            <a:avLst/>
-          </a:prstGeom>
-          <a:noFill/>
-        </p:spPr>
-        <p:txBody>
-          <a:bodyPr wrap="none" rtlCol="0">
-            <a:spAutoFit/>
-          </a:bodyPr>
-          <a:lstStyle/>
-          <a:p>
-            <a:r>
-              <a:rPr lang="en-NL" sz="1000" dirty="0"/>
-              <a:t>Read</a:t>
-            </a:r>
-          </a:p>
-        </p:txBody>
-      </p:sp>
-      <p:cxnSp>
-        <p:nvCxnSpPr>
-          <p:cNvPr id="184" name="Straight Arrow Connector 183">
-            <a:extLst>
-              <a:ext uri="{FF2B5EF4-FFF2-40B4-BE49-F238E27FC236}">
-                <a16:creationId xmlns:a16="http://schemas.microsoft.com/office/drawing/2014/main" id="{35F93B14-9A74-906D-F819-0441AAA00425}"/>
-              </a:ext>
-            </a:extLst>
-          </p:cNvPr>
-          <p:cNvCxnSpPr>
-            <a:cxnSpLocks/>
-            <a:stCxn id="195" idx="3"/>
-            <a:endCxn id="179" idx="1"/>
-          </p:cNvCxnSpPr>
-          <p:nvPr/>
-        </p:nvCxnSpPr>
-        <p:spPr>
-          <a:xfrm>
-            <a:off x="8983516" y="3474091"/>
-            <a:ext cx="515007" cy="0"/>
-          </a:xfrm>
-          <a:prstGeom prst="straightConnector1">
-            <a:avLst/>
-          </a:prstGeom>
-          <a:ln>
-            <a:tailEnd type="triangle"/>
-          </a:ln>
-        </p:spPr>
-        <p:style>
-          <a:lnRef idx="1">
-            <a:schemeClr val="accent1"/>
-          </a:lnRef>
-          <a:fillRef idx="0">
-            <a:schemeClr val="accent1"/>
-          </a:fillRef>
-          <a:effectRef idx="0">
-            <a:schemeClr val="accent1"/>
-          </a:effectRef>
-          <a:fontRef idx="minor">
-            <a:schemeClr val="tx1"/>
-          </a:fontRef>
-        </p:style>
-      </p:cxnSp>
-      <p:sp>
-        <p:nvSpPr>
-          <p:cNvPr id="191" name="TextBox 190">
-            <a:extLst>
-              <a:ext uri="{FF2B5EF4-FFF2-40B4-BE49-F238E27FC236}">
-                <a16:creationId xmlns:a16="http://schemas.microsoft.com/office/drawing/2014/main" id="{716B2930-7FA1-9F6F-7FE9-5BB4D7248E62}"/>
-              </a:ext>
-            </a:extLst>
-          </p:cNvPr>
-          <p:cNvSpPr txBox="1"/>
-          <p:nvPr/>
-        </p:nvSpPr>
-        <p:spPr>
-          <a:xfrm>
-            <a:off x="7959112" y="2047275"/>
-            <a:ext cx="473206" cy="246221"/>
-          </a:xfrm>
-          <a:prstGeom prst="rect">
-            <a:avLst/>
-          </a:prstGeom>
-          <a:solidFill>
-            <a:schemeClr val="bg1"/>
-          </a:solidFill>
-          <a:ln>
-            <a:solidFill>
-              <a:schemeClr val="accent1"/>
-            </a:solidFill>
-          </a:ln>
-        </p:spPr>
-        <p:txBody>
-          <a:bodyPr wrap="none" rtlCol="0">
-            <a:spAutoFit/>
-          </a:bodyPr>
-          <a:lstStyle/>
-          <a:p>
-            <a:r>
-              <a:rPr lang="en-NL" sz="1000" dirty="0"/>
-              <a:t>items</a:t>
-            </a:r>
-          </a:p>
-        </p:txBody>
-      </p:sp>
-      <p:cxnSp>
-        <p:nvCxnSpPr>
-          <p:cNvPr id="193" name="Straight Arrow Connector 192">
-            <a:extLst>
-              <a:ext uri="{FF2B5EF4-FFF2-40B4-BE49-F238E27FC236}">
-                <a16:creationId xmlns:a16="http://schemas.microsoft.com/office/drawing/2014/main" id="{F4DB27C7-94CD-7DC6-59F7-A1F0281C7CEA}"/>
-              </a:ext>
-            </a:extLst>
-          </p:cNvPr>
-          <p:cNvCxnSpPr>
-            <a:cxnSpLocks/>
-            <a:endCxn id="191" idx="0"/>
-          </p:cNvCxnSpPr>
-          <p:nvPr/>
-        </p:nvCxnSpPr>
-        <p:spPr>
-          <a:xfrm>
-            <a:off x="7718968" y="1658142"/>
-            <a:ext cx="476747" cy="389133"/>
-          </a:xfrm>
-          <a:prstGeom prst="straightConnector1">
-            <a:avLst/>
-          </a:prstGeom>
-          <a:ln>
-            <a:tailEnd type="triangle"/>
-          </a:ln>
-        </p:spPr>
-        <p:style>
-          <a:lnRef idx="1">
-            <a:schemeClr val="accent1"/>
-          </a:lnRef>
-          <a:fillRef idx="0">
-            <a:schemeClr val="accent1"/>
-          </a:fillRef>
-          <a:effectRef idx="0">
-            <a:schemeClr val="accent1"/>
-          </a:effectRef>
-          <a:fontRef idx="minor">
-            <a:schemeClr val="tx1"/>
-          </a:fontRef>
-        </p:style>
-      </p:cxnSp>
-      <p:sp>
-        <p:nvSpPr>
-          <p:cNvPr id="195" name="TextBox 194">
-            <a:extLst>
-              <a:ext uri="{FF2B5EF4-FFF2-40B4-BE49-F238E27FC236}">
-                <a16:creationId xmlns:a16="http://schemas.microsoft.com/office/drawing/2014/main" id="{69D441E0-D8A3-1E27-D3C2-D56ED129AFF2}"/>
-              </a:ext>
-            </a:extLst>
-          </p:cNvPr>
-          <p:cNvSpPr txBox="1"/>
-          <p:nvPr/>
-        </p:nvSpPr>
-        <p:spPr>
-          <a:xfrm>
-            <a:off x="7938037" y="3350980"/>
-            <a:ext cx="1045479" cy="246221"/>
-          </a:xfrm>
-          <a:prstGeom prst="rect">
-            <a:avLst/>
-          </a:prstGeom>
-          <a:solidFill>
-            <a:schemeClr val="bg1"/>
-          </a:solidFill>
-          <a:ln>
-            <a:solidFill>
-              <a:schemeClr val="accent1"/>
-            </a:solidFill>
-          </a:ln>
-        </p:spPr>
-        <p:txBody>
-          <a:bodyPr wrap="none" rtlCol="0">
-            <a:spAutoFit/>
-          </a:bodyPr>
-          <a:lstStyle/>
-          <a:p>
-            <a:r>
-              <a:rPr lang="en-NL" sz="1000" dirty="0"/>
-              <a:t>filteredExpenses</a:t>
-            </a:r>
-          </a:p>
-        </p:txBody>
-      </p:sp>
-      <p:sp>
-        <p:nvSpPr>
-          <p:cNvPr id="196" name="TextBox 195">
-            <a:extLst>
-              <a:ext uri="{FF2B5EF4-FFF2-40B4-BE49-F238E27FC236}">
-                <a16:creationId xmlns:a16="http://schemas.microsoft.com/office/drawing/2014/main" id="{23239EC2-D16D-7168-A218-B75CC70A68B7}"/>
-              </a:ext>
-            </a:extLst>
-          </p:cNvPr>
-          <p:cNvSpPr txBox="1"/>
-          <p:nvPr/>
-        </p:nvSpPr>
-        <p:spPr>
-          <a:xfrm>
-            <a:off x="7925995" y="2873866"/>
-            <a:ext cx="1426780" cy="325217"/>
-          </a:xfrm>
-          <a:prstGeom prst="rect">
-            <a:avLst/>
-          </a:prstGeom>
-          <a:solidFill>
-            <a:schemeClr val="accent6">
-              <a:lumMod val="20000"/>
-              <a:lumOff val="80000"/>
-            </a:schemeClr>
-          </a:solidFill>
-          <a:ln cap="sq">
-            <a:solidFill>
-              <a:schemeClr val="accent6"/>
-            </a:solidFill>
-          </a:ln>
-        </p:spPr>
-        <p:txBody>
-          <a:bodyPr wrap="square" rtlCol="0">
-            <a:noAutofit/>
-          </a:bodyPr>
-          <a:lstStyle/>
-          <a:p>
-            <a:endParaRPr lang="en-NL" sz="1000" dirty="0"/>
-          </a:p>
-        </p:txBody>
-      </p:sp>
-      <p:pic>
-        <p:nvPicPr>
-          <p:cNvPr id="197" name="Picture 196">
-            <a:extLst>
-              <a:ext uri="{FF2B5EF4-FFF2-40B4-BE49-F238E27FC236}">
-                <a16:creationId xmlns:a16="http://schemas.microsoft.com/office/drawing/2014/main" id="{CACB0D89-F19B-FF81-94EE-E36E0994E2F0}"/>
-              </a:ext>
-            </a:extLst>
-          </p:cNvPr>
-          <p:cNvPicPr>
-            <a:picLocks noChangeAspect="1"/>
-          </p:cNvPicPr>
-          <p:nvPr/>
-        </p:nvPicPr>
-        <p:blipFill>
-          <a:blip r:embed="rId4"/>
-          <a:stretch>
-            <a:fillRect/>
-          </a:stretch>
-        </p:blipFill>
-        <p:spPr>
-          <a:xfrm>
-            <a:off x="7959112" y="2931258"/>
-            <a:ext cx="1375006" cy="172608"/>
-          </a:xfrm>
-          <a:prstGeom prst="rect">
-            <a:avLst/>
-          </a:prstGeom>
-        </p:spPr>
-      </p:pic>
-      <p:cxnSp>
-        <p:nvCxnSpPr>
-          <p:cNvPr id="200" name="Elbow Connector 199">
-            <a:extLst>
-              <a:ext uri="{FF2B5EF4-FFF2-40B4-BE49-F238E27FC236}">
-                <a16:creationId xmlns:a16="http://schemas.microsoft.com/office/drawing/2014/main" id="{70A8055A-C8C8-BE27-2BBD-541455F5CF46}"/>
-              </a:ext>
-            </a:extLst>
-          </p:cNvPr>
-          <p:cNvCxnSpPr>
-            <a:cxnSpLocks/>
-            <a:stCxn id="177" idx="1"/>
-            <a:endCxn id="197" idx="1"/>
-          </p:cNvCxnSpPr>
-          <p:nvPr/>
-        </p:nvCxnSpPr>
-        <p:spPr>
-          <a:xfrm rot="10800000" flipV="1">
-            <a:off x="7959112" y="2598314"/>
-            <a:ext cx="3978" cy="419248"/>
-          </a:xfrm>
-          <a:prstGeom prst="bentConnector3">
-            <a:avLst>
-              <a:gd name="adj1" fmla="val 8649824"/>
-            </a:avLst>
-          </a:prstGeom>
-          <a:ln>
-            <a:tailEnd type="triangle"/>
-          </a:ln>
-        </p:spPr>
-        <p:style>
-          <a:lnRef idx="1">
-            <a:schemeClr val="accent1"/>
-          </a:lnRef>
-          <a:fillRef idx="0">
-            <a:schemeClr val="accent1"/>
-          </a:fillRef>
-          <a:effectRef idx="0">
-            <a:schemeClr val="accent1"/>
-          </a:effectRef>
-          <a:fontRef idx="minor">
-            <a:schemeClr val="tx1"/>
-          </a:fontRef>
-        </p:style>
-      </p:cxnSp>
-      <p:cxnSp>
-        <p:nvCxnSpPr>
-          <p:cNvPr id="202" name="Elbow Connector 201">
-            <a:extLst>
-              <a:ext uri="{FF2B5EF4-FFF2-40B4-BE49-F238E27FC236}">
-                <a16:creationId xmlns:a16="http://schemas.microsoft.com/office/drawing/2014/main" id="{99A89D17-B1ED-87D0-D9F1-4AB34E266B15}"/>
-              </a:ext>
-            </a:extLst>
-          </p:cNvPr>
-          <p:cNvCxnSpPr>
-            <a:cxnSpLocks/>
-            <a:stCxn id="191" idx="1"/>
-            <a:endCxn id="196" idx="1"/>
-          </p:cNvCxnSpPr>
-          <p:nvPr/>
-        </p:nvCxnSpPr>
-        <p:spPr>
-          <a:xfrm rot="10800000" flipV="1">
-            <a:off x="7925996" y="2170385"/>
-            <a:ext cx="33117" cy="866089"/>
-          </a:xfrm>
-          <a:prstGeom prst="bentConnector3">
-            <a:avLst>
-              <a:gd name="adj1" fmla="val 1329036"/>
-            </a:avLst>
-          </a:prstGeom>
-          <a:ln>
-            <a:tailEnd type="triangle"/>
-          </a:ln>
-        </p:spPr>
-        <p:style>
-          <a:lnRef idx="1">
-            <a:schemeClr val="accent1"/>
-          </a:lnRef>
-          <a:fillRef idx="0">
-            <a:schemeClr val="accent1"/>
-          </a:fillRef>
-          <a:effectRef idx="0">
-            <a:schemeClr val="accent1"/>
-          </a:effectRef>
-          <a:fontRef idx="minor">
-            <a:schemeClr val="tx1"/>
-          </a:fontRef>
-        </p:style>
-      </p:cxnSp>
-      <p:cxnSp>
-        <p:nvCxnSpPr>
-          <p:cNvPr id="220" name="Elbow Connector 219">
-            <a:extLst>
-              <a:ext uri="{FF2B5EF4-FFF2-40B4-BE49-F238E27FC236}">
-                <a16:creationId xmlns:a16="http://schemas.microsoft.com/office/drawing/2014/main" id="{5ED7A6AD-C129-BFEF-3E73-153703FB9EFC}"/>
-              </a:ext>
-            </a:extLst>
-          </p:cNvPr>
-          <p:cNvCxnSpPr>
-            <a:cxnSpLocks/>
-            <a:endCxn id="195" idx="1"/>
-          </p:cNvCxnSpPr>
-          <p:nvPr/>
-        </p:nvCxnSpPr>
-        <p:spPr>
-          <a:xfrm rot="5400000">
-            <a:off x="7767168" y="3299244"/>
-            <a:ext cx="345716" cy="3978"/>
-          </a:xfrm>
-          <a:prstGeom prst="bentConnector4">
-            <a:avLst>
-              <a:gd name="adj1" fmla="val 3165"/>
-              <a:gd name="adj2" fmla="val 10051433"/>
-            </a:avLst>
-          </a:prstGeom>
-          <a:ln>
-            <a:tailEnd type="triangle"/>
-          </a:ln>
-        </p:spPr>
-        <p:style>
-          <a:lnRef idx="1">
-            <a:schemeClr val="accent1"/>
-          </a:lnRef>
-          <a:fillRef idx="0">
-            <a:schemeClr val="accent1"/>
-          </a:fillRef>
-          <a:effectRef idx="0">
-            <a:schemeClr val="accent1"/>
-          </a:effectRef>
-          <a:fontRef idx="minor">
-            <a:schemeClr val="tx1"/>
-          </a:fontRef>
-        </p:style>
-      </p:cxnSp>
-      <p:cxnSp>
-        <p:nvCxnSpPr>
-          <p:cNvPr id="231" name="Straight Arrow Connector 230">
-            <a:extLst>
-              <a:ext uri="{FF2B5EF4-FFF2-40B4-BE49-F238E27FC236}">
-                <a16:creationId xmlns:a16="http://schemas.microsoft.com/office/drawing/2014/main" id="{DE70DD82-75F2-0CB1-D7D8-30116A9BECD2}"/>
-              </a:ext>
-            </a:extLst>
-          </p:cNvPr>
-          <p:cNvCxnSpPr>
-            <a:cxnSpLocks/>
-            <a:endCxn id="5" idx="0"/>
-          </p:cNvCxnSpPr>
-          <p:nvPr/>
-        </p:nvCxnSpPr>
-        <p:spPr>
-          <a:xfrm flipH="1">
-            <a:off x="7948763" y="3578592"/>
-            <a:ext cx="1711507" cy="862888"/>
-          </a:xfrm>
-          <a:prstGeom prst="straightConnector1">
-            <a:avLst/>
-          </a:prstGeom>
-          <a:ln>
-            <a:tailEnd type="triangle"/>
-          </a:ln>
-        </p:spPr>
-        <p:style>
-          <a:lnRef idx="1">
-            <a:schemeClr val="accent1"/>
-          </a:lnRef>
-          <a:fillRef idx="0">
-            <a:schemeClr val="accent1"/>
-          </a:fillRef>
-          <a:effectRef idx="0">
-            <a:schemeClr val="accent1"/>
-          </a:effectRef>
-          <a:fontRef idx="minor">
-            <a:schemeClr val="tx1"/>
-          </a:fontRef>
-        </p:style>
-      </p:cxnSp>
-      <p:sp>
-        <p:nvSpPr>
-          <p:cNvPr id="232" name="TextBox 231">
-            <a:extLst>
-              <a:ext uri="{FF2B5EF4-FFF2-40B4-BE49-F238E27FC236}">
-                <a16:creationId xmlns:a16="http://schemas.microsoft.com/office/drawing/2014/main" id="{A385534F-B818-601E-6FB1-583B9999ECA9}"/>
-              </a:ext>
-            </a:extLst>
-          </p:cNvPr>
-          <p:cNvSpPr txBox="1"/>
-          <p:nvPr/>
-        </p:nvSpPr>
-        <p:spPr>
-          <a:xfrm>
-            <a:off x="7156298" y="3823610"/>
-            <a:ext cx="2173993" cy="400110"/>
+            <a:off x="1232852" y="1649126"/>
+            <a:ext cx="1099981" cy="246221"/>
           </a:xfrm>
           <a:prstGeom prst="rect">
             <a:avLst/>
@@ -7266,74 +5946,18 @@
           </a:lstStyle>
           <a:p>
             <a:r>
-              <a:rPr lang="en-GB" dirty="0"/>
-              <a:t>selected={</a:t>
-            </a:r>
-            <a:r>
-              <a:rPr lang="en-GB" dirty="0" err="1"/>
-              <a:t>filteredYear</a:t>
-            </a:r>
-            <a:r>
-              <a:rPr lang="en-GB" dirty="0"/>
-              <a:t>} </a:t>
-            </a:r>
-          </a:p>
-          <a:p>
-            <a:r>
-              <a:rPr lang="en-GB" dirty="0" err="1"/>
-              <a:t>onChangeFilter</a:t>
-            </a:r>
-            <a:r>
-              <a:rPr lang="en-GB" dirty="0"/>
-              <a:t>={</a:t>
-            </a:r>
-            <a:r>
-              <a:rPr lang="en-GB" dirty="0" err="1"/>
-              <a:t>filterChangeHandler</a:t>
-            </a:r>
-            <a:r>
-              <a:rPr lang="en-GB" dirty="0"/>
-              <a:t>}</a:t>
-            </a:r>
-          </a:p>
-        </p:txBody>
-      </p:sp>
-      <p:pic>
-        <p:nvPicPr>
-          <p:cNvPr id="234" name="Picture 233">
-            <a:extLst>
-              <a:ext uri="{FF2B5EF4-FFF2-40B4-BE49-F238E27FC236}">
-                <a16:creationId xmlns:a16="http://schemas.microsoft.com/office/drawing/2014/main" id="{7A1C36AB-D62B-9504-9CD6-5C2BD5F8DCF7}"/>
-              </a:ext>
-            </a:extLst>
-          </p:cNvPr>
-          <p:cNvPicPr>
-            <a:picLocks noChangeAspect="1"/>
-          </p:cNvPicPr>
-          <p:nvPr/>
-        </p:nvPicPr>
-        <p:blipFill>
-          <a:blip r:embed="rId5"/>
-          <a:stretch>
-            <a:fillRect/>
-          </a:stretch>
-        </p:blipFill>
-        <p:spPr>
-          <a:xfrm>
-            <a:off x="7041203" y="5273865"/>
-            <a:ext cx="1790842" cy="140318"/>
-          </a:xfrm>
-          <a:prstGeom prst="rect">
-            <a:avLst/>
-          </a:prstGeom>
-        </p:spPr>
-      </p:pic>
+              <a:rPr lang="en-NL" dirty="0"/>
+              <a:t>items={expenses}</a:t>
+            </a:r>
+          </a:p>
+        </p:txBody>
+      </p:sp>
       <p:cxnSp>
         <p:nvCxnSpPr>
-          <p:cNvPr id="235" name="Elbow Connector 234">
-            <a:extLst>
-              <a:ext uri="{FF2B5EF4-FFF2-40B4-BE49-F238E27FC236}">
-                <a16:creationId xmlns:a16="http://schemas.microsoft.com/office/drawing/2014/main" id="{C2B96169-16EF-99D3-9E55-AEB99CF497E2}"/>
+          <p:cNvPr id="21" name="Straight Arrow Connector 20">
+            <a:extLst>
+              <a:ext uri="{FF2B5EF4-FFF2-40B4-BE49-F238E27FC236}">
+                <a16:creationId xmlns:a16="http://schemas.microsoft.com/office/drawing/2014/main" id="{1F9FBD45-E3C5-C6B1-84D3-F0642CFCD7C9}"/>
               </a:ext>
             </a:extLst>
           </p:cNvPr>
@@ -7343,19 +5967,14 @@
           <p:nvPr/>
         </p:nvCxnSpPr>
         <p:spPr>
-          <a:xfrm rot="5400000" flipH="1" flipV="1">
-            <a:off x="8725821" y="3415579"/>
-            <a:ext cx="2270383" cy="881532"/>
-          </a:xfrm>
-          <a:prstGeom prst="bentConnector3">
-            <a:avLst>
-              <a:gd name="adj1" fmla="val 50000"/>
-            </a:avLst>
+          <a:xfrm flipH="1">
+            <a:off x="1939868" y="1493747"/>
+            <a:ext cx="6915" cy="451662"/>
+          </a:xfrm>
+          <a:prstGeom prst="straightConnector1">
+            <a:avLst/>
           </a:prstGeom>
           <a:ln>
-            <a:solidFill>
-              <a:srgbClr val="7030A0"/>
-            </a:solidFill>
             <a:tailEnd type="triangle"/>
           </a:ln>
         </p:spPr>
@@ -7374,69 +5993,35 @@
           </a:fontRef>
         </p:style>
       </p:cxnSp>
-      <p:sp>
-        <p:nvSpPr>
-          <p:cNvPr id="238" name="TextBox 237">
-            <a:extLst>
-              <a:ext uri="{FF2B5EF4-FFF2-40B4-BE49-F238E27FC236}">
-                <a16:creationId xmlns:a16="http://schemas.microsoft.com/office/drawing/2014/main" id="{2D275EBC-3D28-6BA7-951C-521F9584FB35}"/>
-              </a:ext>
-            </a:extLst>
-          </p:cNvPr>
-          <p:cNvSpPr txBox="1"/>
-          <p:nvPr/>
-        </p:nvSpPr>
-        <p:spPr>
-          <a:xfrm>
-            <a:off x="9257864" y="3842551"/>
-            <a:ext cx="930063" cy="246221"/>
-          </a:xfrm>
-          <a:prstGeom prst="rect">
-            <a:avLst/>
-          </a:prstGeom>
-          <a:noFill/>
-        </p:spPr>
-        <p:txBody>
-          <a:bodyPr wrap="none" rtlCol="0">
-            <a:spAutoFit/>
-          </a:bodyPr>
-          <a:lstStyle/>
-          <a:p>
-            <a:r>
-              <a:rPr lang="en-NL" sz="1000" dirty="0">
-                <a:solidFill>
-                  <a:srgbClr val="7030A0"/>
-                </a:solidFill>
-              </a:rPr>
-              <a:t>(selectedYear)</a:t>
-            </a:r>
-          </a:p>
-        </p:txBody>
-      </p:sp>
       <p:cxnSp>
         <p:nvCxnSpPr>
-          <p:cNvPr id="239" name="Straight Arrow Connector 238">
-            <a:extLst>
-              <a:ext uri="{FF2B5EF4-FFF2-40B4-BE49-F238E27FC236}">
-                <a16:creationId xmlns:a16="http://schemas.microsoft.com/office/drawing/2014/main" id="{040C8018-2062-1C9A-08DC-E63A7819EA9A}"/>
+          <p:cNvPr id="70" name="Elbow Connector 69">
+            <a:extLst>
+              <a:ext uri="{FF2B5EF4-FFF2-40B4-BE49-F238E27FC236}">
+                <a16:creationId xmlns:a16="http://schemas.microsoft.com/office/drawing/2014/main" id="{BAAEF394-5A69-77C4-488A-E14A8B4BD1BE}"/>
               </a:ext>
             </a:extLst>
           </p:cNvPr>
           <p:cNvCxnSpPr>
             <a:cxnSpLocks/>
-            <a:endCxn id="9" idx="0"/>
           </p:cNvCxnSpPr>
           <p:nvPr/>
         </p:nvCxnSpPr>
         <p:spPr>
-          <a:xfrm>
-            <a:off x="9850205" y="3601441"/>
-            <a:ext cx="950128" cy="667020"/>
-          </a:xfrm>
-          <a:prstGeom prst="straightConnector1">
-            <a:avLst/>
+          <a:xfrm rot="5400000" flipH="1" flipV="1">
+            <a:off x="2239081" y="1643155"/>
+            <a:ext cx="1718158" cy="39196"/>
+          </a:xfrm>
+          <a:prstGeom prst="bentConnector4">
+            <a:avLst>
+              <a:gd name="adj1" fmla="val 4820"/>
+              <a:gd name="adj2" fmla="val 2238484"/>
+            </a:avLst>
           </a:prstGeom>
           <a:ln>
+            <a:solidFill>
+              <a:srgbClr val="7030A0"/>
+            </a:solidFill>
             <a:tailEnd type="triangle"/>
           </a:ln>
         </p:spPr>
@@ -7455,12 +6040,53 @@
           </a:fontRef>
         </p:style>
       </p:cxnSp>
-      <p:sp>
-        <p:nvSpPr>
-          <p:cNvPr id="240" name="TextBox 239">
-            <a:extLst>
-              <a:ext uri="{FF2B5EF4-FFF2-40B4-BE49-F238E27FC236}">
-                <a16:creationId xmlns:a16="http://schemas.microsoft.com/office/drawing/2014/main" id="{086419BD-2279-3665-F34E-B6C0E5AD576F}"/>
+      <p:cxnSp>
+        <p:nvCxnSpPr>
+          <p:cNvPr id="30" name="Straight Arrow Connector 29">
+            <a:extLst>
+              <a:ext uri="{FF2B5EF4-FFF2-40B4-BE49-F238E27FC236}">
+                <a16:creationId xmlns:a16="http://schemas.microsoft.com/office/drawing/2014/main" id="{2D249288-63F5-2487-1CCC-F769F2FF5788}"/>
+              </a:ext>
+            </a:extLst>
+          </p:cNvPr>
+          <p:cNvCxnSpPr>
+            <a:cxnSpLocks/>
+          </p:cNvCxnSpPr>
+          <p:nvPr/>
+        </p:nvCxnSpPr>
+        <p:spPr>
+          <a:xfrm>
+            <a:off x="2401302" y="1249881"/>
+            <a:ext cx="5754726" cy="695528"/>
+          </a:xfrm>
+          <a:prstGeom prst="straightConnector1">
+            <a:avLst/>
+          </a:prstGeom>
+          <a:ln>
+            <a:tailEnd type="triangle"/>
+          </a:ln>
+        </p:spPr>
+        <p:style>
+          <a:lnRef idx="1">
+            <a:schemeClr val="accent1"/>
+          </a:lnRef>
+          <a:fillRef idx="0">
+            <a:schemeClr val="accent1"/>
+          </a:fillRef>
+          <a:effectRef idx="0">
+            <a:schemeClr val="accent1"/>
+          </a:effectRef>
+          <a:fontRef idx="minor">
+            <a:schemeClr val="tx1"/>
+          </a:fontRef>
+        </p:style>
+      </p:cxnSp>
+      <p:sp>
+        <p:nvSpPr>
+          <p:cNvPr id="51" name="TextBox 50">
+            <a:extLst>
+              <a:ext uri="{FF2B5EF4-FFF2-40B4-BE49-F238E27FC236}">
+                <a16:creationId xmlns:a16="http://schemas.microsoft.com/office/drawing/2014/main" id="{6D4C69CF-3AD2-0A18-DAF7-65F26BA736EA}"/>
               </a:ext>
             </a:extLst>
           </p:cNvPr>
@@ -7469,8 +6095,8 @@
         </p:nvSpPr>
         <p:spPr>
           <a:xfrm>
-            <a:off x="10306663" y="3932830"/>
-            <a:ext cx="1478290" cy="246221"/>
+            <a:off x="5451553" y="180675"/>
+            <a:ext cx="1441870" cy="369332"/>
           </a:xfrm>
           <a:prstGeom prst="rect">
             <a:avLst/>
@@ -7481,32 +6107,21 @@
           <a:bodyPr wrap="none" rtlCol="0">
             <a:spAutoFit/>
           </a:bodyPr>
-          <a:lstStyle>
-            <a:defPPr>
-              <a:defRPr lang="en-NL"/>
-            </a:defPPr>
-            <a:lvl1pPr>
-              <a:defRPr sz="1000">
-                <a:solidFill>
-                  <a:schemeClr val="accent5"/>
-                </a:solidFill>
-              </a:defRPr>
-            </a:lvl1pPr>
-          </a:lstStyle>
+          <a:lstStyle/>
           <a:p>
             <a:r>
               <a:rPr lang="en-NL" dirty="0"/>
-              <a:t>items={filteredExpenses}</a:t>
-            </a:r>
-          </a:p>
-        </p:txBody>
-      </p:sp>
-      <p:sp>
-        <p:nvSpPr>
-          <p:cNvPr id="244" name="TextBox 243">
-            <a:extLst>
-              <a:ext uri="{FF2B5EF4-FFF2-40B4-BE49-F238E27FC236}">
-                <a16:creationId xmlns:a16="http://schemas.microsoft.com/office/drawing/2014/main" id="{907A09B7-FC45-9EB8-C172-D8583F1161EC}"/>
+              <a:t>New Expense</a:t>
+            </a:r>
+          </a:p>
+        </p:txBody>
+      </p:sp>
+      <p:sp>
+        <p:nvSpPr>
+          <p:cNvPr id="55" name="TextBox 54">
+            <a:extLst>
+              <a:ext uri="{FF2B5EF4-FFF2-40B4-BE49-F238E27FC236}">
+                <a16:creationId xmlns:a16="http://schemas.microsoft.com/office/drawing/2014/main" id="{98B87B87-DAE7-B216-677E-DCE6DD2BB841}"/>
               </a:ext>
             </a:extLst>
           </p:cNvPr>
@@ -7515,8 +6130,50 @@
         </p:nvSpPr>
         <p:spPr>
           <a:xfrm>
-            <a:off x="7135170" y="4883944"/>
-            <a:ext cx="1556836" cy="246221"/>
+            <a:off x="600529" y="697984"/>
+            <a:ext cx="776175" cy="246221"/>
+          </a:xfrm>
+          <a:prstGeom prst="rect">
+            <a:avLst/>
+          </a:prstGeom>
+          <a:solidFill>
+            <a:schemeClr val="bg1"/>
+          </a:solidFill>
+          <a:ln>
+            <a:solidFill>
+              <a:schemeClr val="accent1"/>
+            </a:solidFill>
+          </a:ln>
+        </p:spPr>
+        <p:txBody>
+          <a:bodyPr wrap="none" rtlCol="0">
+            <a:spAutoFit/>
+          </a:bodyPr>
+          <a:lstStyle/>
+          <a:p>
+            <a:r>
+              <a:rPr lang="en-NL" sz="1000" dirty="0"/>
+              <a:t>expenses[]</a:t>
+            </a:r>
+          </a:p>
+        </p:txBody>
+      </p:sp>
+      <p:sp>
+        <p:nvSpPr>
+          <p:cNvPr id="56" name="TextBox 55">
+            <a:extLst>
+              <a:ext uri="{FF2B5EF4-FFF2-40B4-BE49-F238E27FC236}">
+                <a16:creationId xmlns:a16="http://schemas.microsoft.com/office/drawing/2014/main" id="{8E52659A-744B-0399-E486-FE460ADFF6F4}"/>
+              </a:ext>
+            </a:extLst>
+          </p:cNvPr>
+          <p:cNvSpPr txBox="1"/>
+          <p:nvPr/>
+        </p:nvSpPr>
+        <p:spPr>
+          <a:xfrm>
+            <a:off x="1860088" y="697984"/>
+            <a:ext cx="1268296" cy="246221"/>
           </a:xfrm>
           <a:prstGeom prst="rect">
             <a:avLst/>
@@ -7541,103 +6198,17 @@
           <a:p>
             <a:r>
               <a:rPr lang="en-NL" sz="1000" dirty="0"/>
-              <a:t>dropdownChangeHandler </a:t>
-            </a:r>
-          </a:p>
-        </p:txBody>
-      </p:sp>
-      <p:cxnSp>
-        <p:nvCxnSpPr>
-          <p:cNvPr id="249" name="Straight Connector 248">
-            <a:extLst>
-              <a:ext uri="{FF2B5EF4-FFF2-40B4-BE49-F238E27FC236}">
-                <a16:creationId xmlns:a16="http://schemas.microsoft.com/office/drawing/2014/main" id="{8B7B68A9-C103-C5D7-18F3-7F5EC1550261}"/>
-              </a:ext>
-            </a:extLst>
-          </p:cNvPr>
-          <p:cNvCxnSpPr>
-            <a:cxnSpLocks/>
-            <a:stCxn id="244" idx="3"/>
-          </p:cNvCxnSpPr>
-          <p:nvPr/>
-        </p:nvCxnSpPr>
-        <p:spPr>
-          <a:xfrm flipV="1">
-            <a:off x="8692006" y="5000834"/>
-            <a:ext cx="722188" cy="6221"/>
-          </a:xfrm>
-          <a:prstGeom prst="line">
-            <a:avLst/>
-          </a:prstGeom>
-          <a:ln>
-            <a:solidFill>
-              <a:srgbClr val="7030A0"/>
-            </a:solidFill>
-          </a:ln>
-        </p:spPr>
-        <p:style>
-          <a:lnRef idx="1">
-            <a:schemeClr val="accent1"/>
-          </a:lnRef>
-          <a:fillRef idx="0">
-            <a:schemeClr val="accent1"/>
-          </a:fillRef>
-          <a:effectRef idx="0">
-            <a:schemeClr val="accent1"/>
-          </a:effectRef>
-          <a:fontRef idx="minor">
-            <a:schemeClr val="tx1"/>
-          </a:fontRef>
-        </p:style>
-      </p:cxnSp>
-      <p:cxnSp>
-        <p:nvCxnSpPr>
-          <p:cNvPr id="254" name="Straight Arrow Connector 253">
-            <a:extLst>
-              <a:ext uri="{FF2B5EF4-FFF2-40B4-BE49-F238E27FC236}">
-                <a16:creationId xmlns:a16="http://schemas.microsoft.com/office/drawing/2014/main" id="{347962CC-0D46-7920-42BE-1EFA10D4D955}"/>
-              </a:ext>
-            </a:extLst>
-          </p:cNvPr>
-          <p:cNvCxnSpPr/>
-          <p:nvPr/>
-        </p:nvCxnSpPr>
-        <p:spPr>
-          <a:xfrm flipV="1">
-            <a:off x="8614677" y="5094939"/>
-            <a:ext cx="0" cy="193098"/>
-          </a:xfrm>
-          <a:prstGeom prst="straightConnector1">
-            <a:avLst/>
-          </a:prstGeom>
-          <a:ln>
-            <a:solidFill>
-              <a:srgbClr val="7030A0"/>
-            </a:solidFill>
-            <a:tailEnd type="triangle"/>
-          </a:ln>
-        </p:spPr>
-        <p:style>
-          <a:lnRef idx="1">
-            <a:schemeClr val="accent1"/>
-          </a:lnRef>
-          <a:fillRef idx="0">
-            <a:schemeClr val="accent1"/>
-          </a:fillRef>
-          <a:effectRef idx="0">
-            <a:schemeClr val="accent1"/>
-          </a:effectRef>
-          <a:fontRef idx="minor">
-            <a:schemeClr val="tx1"/>
-          </a:fontRef>
-        </p:style>
-      </p:cxnSp>
-      <p:sp>
-        <p:nvSpPr>
-          <p:cNvPr id="256" name="TextBox 255">
-            <a:extLst>
-              <a:ext uri="{FF2B5EF4-FFF2-40B4-BE49-F238E27FC236}">
-                <a16:creationId xmlns:a16="http://schemas.microsoft.com/office/drawing/2014/main" id="{E92C6BEA-42BA-103E-5A5A-22D6AFA30443}"/>
+              <a:t>expenseAddHandler </a:t>
+            </a:r>
+          </a:p>
+        </p:txBody>
+      </p:sp>
+      <p:sp>
+        <p:nvSpPr>
+          <p:cNvPr id="60" name="TextBox 59">
+            <a:extLst>
+              <a:ext uri="{FF2B5EF4-FFF2-40B4-BE49-F238E27FC236}">
+                <a16:creationId xmlns:a16="http://schemas.microsoft.com/office/drawing/2014/main" id="{587D5DAC-373A-6D5A-0AA3-7E599A707B94}"/>
               </a:ext>
             </a:extLst>
           </p:cNvPr>
@@ -7646,55 +6217,8 @@
         </p:nvSpPr>
         <p:spPr>
           <a:xfrm>
-            <a:off x="8690454" y="4963076"/>
-            <a:ext cx="978153" cy="246221"/>
-          </a:xfrm>
-          <a:prstGeom prst="rect">
-            <a:avLst/>
-          </a:prstGeom>
-          <a:noFill/>
-        </p:spPr>
-        <p:txBody>
-          <a:bodyPr wrap="none" rtlCol="0">
-            <a:spAutoFit/>
-          </a:bodyPr>
-          <a:lstStyle>
-            <a:defPPr>
-              <a:defRPr lang="en-NL"/>
-            </a:defPPr>
-            <a:lvl1pPr>
-              <a:defRPr sz="1000">
-                <a:solidFill>
-                  <a:srgbClr val="7030A0"/>
-                </a:solidFill>
-              </a:defRPr>
-            </a:lvl1pPr>
-          </a:lstStyle>
-          <a:p>
-            <a:r>
-              <a:rPr lang="en-GB" dirty="0" err="1"/>
-              <a:t>onChangeFilter</a:t>
-            </a:r>
-            <a:endParaRPr lang="en-NL" dirty="0"/>
-          </a:p>
-        </p:txBody>
-      </p:sp>
-      <p:sp>
-        <p:nvSpPr>
-          <p:cNvPr id="260" name="TextBox 259">
-            <a:extLst>
-              <a:ext uri="{FF2B5EF4-FFF2-40B4-BE49-F238E27FC236}">
-                <a16:creationId xmlns:a16="http://schemas.microsoft.com/office/drawing/2014/main" id="{6B56179F-3812-4CCA-5363-B6BCFBD769F1}"/>
-              </a:ext>
-            </a:extLst>
-          </p:cNvPr>
-          <p:cNvSpPr txBox="1"/>
-          <p:nvPr/>
-        </p:nvSpPr>
-        <p:spPr>
-          <a:xfrm>
-            <a:off x="10392927" y="4781989"/>
-            <a:ext cx="1250560" cy="400110"/>
+            <a:off x="1836911" y="1229140"/>
+            <a:ext cx="561372" cy="246221"/>
           </a:xfrm>
           <a:prstGeom prst="rect">
             <a:avLst/>
@@ -7712,49 +6236,44 @@
           </a:ln>
         </p:spPr>
         <p:txBody>
-          <a:bodyPr wrap="square" rtlCol="0">
+          <a:bodyPr wrap="none" rtlCol="0">
             <a:spAutoFit/>
           </a:bodyPr>
           <a:lstStyle/>
           <a:p>
             <a:r>
               <a:rPr lang="en-NL" sz="1000" dirty="0"/>
-              <a:t>Render </a:t>
-            </a:r>
-          </a:p>
-          <a:p>
-            <a:r>
-              <a:rPr lang="en-NL" sz="1000" dirty="0"/>
-              <a:t>(items.map (item))</a:t>
+              <a:t>Render</a:t>
             </a:r>
           </a:p>
         </p:txBody>
       </p:sp>
       <p:cxnSp>
         <p:nvCxnSpPr>
-          <p:cNvPr id="261" name="Straight Arrow Connector 260">
-            <a:extLst>
-              <a:ext uri="{FF2B5EF4-FFF2-40B4-BE49-F238E27FC236}">
-                <a16:creationId xmlns:a16="http://schemas.microsoft.com/office/drawing/2014/main" id="{9F0D2BCF-5299-8F93-183A-E4E4B8221694}"/>
+          <p:cNvPr id="61" name="Straight Arrow Connector 60">
+            <a:extLst>
+              <a:ext uri="{FF2B5EF4-FFF2-40B4-BE49-F238E27FC236}">
+                <a16:creationId xmlns:a16="http://schemas.microsoft.com/office/drawing/2014/main" id="{78490A06-AA78-0B1B-5FB5-2E79A2113B35}"/>
               </a:ext>
             </a:extLst>
           </p:cNvPr>
           <p:cNvCxnSpPr>
             <a:cxnSpLocks/>
-            <a:stCxn id="262" idx="3"/>
-            <a:endCxn id="260" idx="1"/>
           </p:cNvCxnSpPr>
           <p:nvPr/>
         </p:nvCxnSpPr>
         <p:spPr>
-          <a:xfrm>
-            <a:off x="10252245" y="4733798"/>
-            <a:ext cx="140682" cy="248246"/>
+          <a:xfrm flipH="1">
+            <a:off x="1349965" y="751788"/>
+            <a:ext cx="510123" cy="1"/>
           </a:xfrm>
           <a:prstGeom prst="straightConnector1">
             <a:avLst/>
           </a:prstGeom>
           <a:ln>
+            <a:solidFill>
+              <a:srgbClr val="7030A0"/>
+            </a:solidFill>
             <a:tailEnd type="triangle"/>
           </a:ln>
         </p:spPr>
@@ -7775,10 +6294,10 @@
       </p:cxnSp>
       <p:sp>
         <p:nvSpPr>
-          <p:cNvPr id="262" name="TextBox 261">
-            <a:extLst>
-              <a:ext uri="{FF2B5EF4-FFF2-40B4-BE49-F238E27FC236}">
-                <a16:creationId xmlns:a16="http://schemas.microsoft.com/office/drawing/2014/main" id="{6FE68AA2-4933-3E6B-ED60-52547A184A67}"/>
+          <p:cNvPr id="62" name="TextBox 61">
+            <a:extLst>
+              <a:ext uri="{FF2B5EF4-FFF2-40B4-BE49-F238E27FC236}">
+                <a16:creationId xmlns:a16="http://schemas.microsoft.com/office/drawing/2014/main" id="{20080327-9709-B94D-2A46-BDB5217A207C}"/>
               </a:ext>
             </a:extLst>
           </p:cNvPr>
@@ -7787,20 +6306,13 @@
         </p:nvSpPr>
         <p:spPr>
           <a:xfrm>
-            <a:off x="9779039" y="4610687"/>
-            <a:ext cx="473206" cy="246221"/>
+            <a:off x="1389180" y="555111"/>
+            <a:ext cx="393056" cy="246221"/>
           </a:xfrm>
           <a:prstGeom prst="rect">
             <a:avLst/>
           </a:prstGeom>
-          <a:solidFill>
-            <a:schemeClr val="bg1"/>
-          </a:solidFill>
-          <a:ln>
-            <a:solidFill>
-              <a:schemeClr val="accent1"/>
-            </a:solidFill>
-          </a:ln>
+          <a:noFill/>
         </p:spPr>
         <p:txBody>
           <a:bodyPr wrap="none" rtlCol="0">
@@ -7810,36 +6322,37 @@
           <a:p>
             <a:r>
               <a:rPr lang="en-NL" sz="1000" dirty="0"/>
-              <a:t>items</a:t>
+              <a:t>Add</a:t>
             </a:r>
           </a:p>
         </p:txBody>
       </p:sp>
       <p:cxnSp>
         <p:nvCxnSpPr>
-          <p:cNvPr id="266" name="Straight Arrow Connector 265">
-            <a:extLst>
-              <a:ext uri="{FF2B5EF4-FFF2-40B4-BE49-F238E27FC236}">
-                <a16:creationId xmlns:a16="http://schemas.microsoft.com/office/drawing/2014/main" id="{5CFFDF3C-7F3D-966E-F96F-0B5C32AFB72A}"/>
+          <p:cNvPr id="63" name="Straight Arrow Connector 62">
+            <a:extLst>
+              <a:ext uri="{FF2B5EF4-FFF2-40B4-BE49-F238E27FC236}">
+                <a16:creationId xmlns:a16="http://schemas.microsoft.com/office/drawing/2014/main" id="{B4060D6A-E74A-7B34-C8A7-487ACA05DF07}"/>
               </a:ext>
             </a:extLst>
           </p:cNvPr>
           <p:cNvCxnSpPr>
             <a:cxnSpLocks/>
-            <a:stCxn id="260" idx="2"/>
-            <a:endCxn id="12" idx="0"/>
           </p:cNvCxnSpPr>
           <p:nvPr/>
         </p:nvCxnSpPr>
         <p:spPr>
-          <a:xfrm flipH="1">
-            <a:off x="10722693" y="5182099"/>
-            <a:ext cx="295514" cy="514403"/>
+          <a:xfrm>
+            <a:off x="1357738" y="887925"/>
+            <a:ext cx="502350" cy="1"/>
           </a:xfrm>
           <a:prstGeom prst="straightConnector1">
             <a:avLst/>
           </a:prstGeom>
           <a:ln>
+            <a:solidFill>
+              <a:schemeClr val="tx1"/>
+            </a:solidFill>
             <a:tailEnd type="triangle"/>
           </a:ln>
         </p:spPr>
@@ -7860,10 +6373,10 @@
       </p:cxnSp>
       <p:sp>
         <p:nvSpPr>
-          <p:cNvPr id="272" name="TextBox 271">
-            <a:extLst>
-              <a:ext uri="{FF2B5EF4-FFF2-40B4-BE49-F238E27FC236}">
-                <a16:creationId xmlns:a16="http://schemas.microsoft.com/office/drawing/2014/main" id="{242430CF-BB88-3CB7-0605-6CD2F9111DE5}"/>
+          <p:cNvPr id="67" name="TextBox 66">
+            <a:extLst>
+              <a:ext uri="{FF2B5EF4-FFF2-40B4-BE49-F238E27FC236}">
+                <a16:creationId xmlns:a16="http://schemas.microsoft.com/office/drawing/2014/main" id="{F4281848-78EB-B782-0923-A82E524C03FB}"/>
               </a:ext>
             </a:extLst>
           </p:cNvPr>
@@ -7872,8 +6385,8 @@
         </p:nvSpPr>
         <p:spPr>
           <a:xfrm>
-            <a:off x="10364335" y="5285525"/>
-            <a:ext cx="914033" cy="400110"/>
+            <a:off x="1389180" y="820824"/>
+            <a:ext cx="445956" cy="246221"/>
           </a:xfrm>
           <a:prstGeom prst="rect">
             <a:avLst/>
@@ -7884,176 +6397,43 @@
           <a:bodyPr wrap="none" rtlCol="0">
             <a:spAutoFit/>
           </a:bodyPr>
-          <a:lstStyle>
-            <a:defPPr>
-              <a:defRPr lang="en-NL"/>
-            </a:defPPr>
-            <a:lvl1pPr>
-              <a:defRPr sz="1000">
-                <a:solidFill>
-                  <a:schemeClr val="accent5"/>
-                </a:solidFill>
-              </a:defRPr>
-            </a:lvl1pPr>
-          </a:lstStyle>
-          <a:p>
-            <a:r>
-              <a:rPr lang="en-GB" dirty="0"/>
-              <a:t>Key={</a:t>
-            </a:r>
-            <a:r>
-              <a:rPr lang="en-GB" dirty="0" err="1"/>
-              <a:t>item.id</a:t>
-            </a:r>
-            <a:r>
-              <a:rPr lang="en-GB" dirty="0"/>
-              <a:t>} </a:t>
-            </a:r>
-          </a:p>
-          <a:p>
-            <a:r>
-              <a:rPr lang="en-GB" dirty="0"/>
-              <a:t>I</a:t>
-            </a:r>
-            <a:r>
-              <a:rPr lang="en-NL" dirty="0"/>
-              <a:t>tem={item}</a:t>
-            </a:r>
-          </a:p>
-        </p:txBody>
-      </p:sp>
-      <p:sp>
-        <p:nvSpPr>
-          <p:cNvPr id="284" name="TextBox 283">
-            <a:extLst>
-              <a:ext uri="{FF2B5EF4-FFF2-40B4-BE49-F238E27FC236}">
-                <a16:creationId xmlns:a16="http://schemas.microsoft.com/office/drawing/2014/main" id="{F7F129EB-F4D3-B3F6-061C-D29C64F955A5}"/>
-              </a:ext>
-            </a:extLst>
-          </p:cNvPr>
-          <p:cNvSpPr txBox="1"/>
-          <p:nvPr/>
-        </p:nvSpPr>
-        <p:spPr>
-          <a:xfrm>
-            <a:off x="9299857" y="6376490"/>
-            <a:ext cx="879943" cy="245909"/>
-          </a:xfrm>
-          <a:prstGeom prst="rect">
-            <a:avLst/>
-          </a:prstGeom>
-          <a:solidFill>
-            <a:schemeClr val="bg1">
-              <a:lumMod val="85000"/>
-            </a:schemeClr>
-          </a:solidFill>
+          <a:lstStyle/>
+          <a:p>
+            <a:r>
+              <a:rPr lang="en-NL" sz="1000" dirty="0"/>
+              <a:t>Read</a:t>
+            </a:r>
+          </a:p>
+        </p:txBody>
+      </p:sp>
+      <p:cxnSp>
+        <p:nvCxnSpPr>
+          <p:cNvPr id="68" name="Straight Arrow Connector 67">
+            <a:extLst>
+              <a:ext uri="{FF2B5EF4-FFF2-40B4-BE49-F238E27FC236}">
+                <a16:creationId xmlns:a16="http://schemas.microsoft.com/office/drawing/2014/main" id="{A1B96A55-7346-346C-E60B-5B248485EAC4}"/>
+              </a:ext>
+            </a:extLst>
+          </p:cNvPr>
+          <p:cNvCxnSpPr>
+            <a:cxnSpLocks/>
+            <a:stCxn id="55" idx="2"/>
+            <a:endCxn id="60" idx="0"/>
+          </p:cNvCxnSpPr>
+          <p:nvPr/>
+        </p:nvCxnSpPr>
+        <p:spPr>
+          <a:xfrm>
+            <a:off x="988617" y="944205"/>
+            <a:ext cx="1128980" cy="284935"/>
+          </a:xfrm>
+          <a:prstGeom prst="straightConnector1">
+            <a:avLst/>
+          </a:prstGeom>
           <a:ln>
             <a:solidFill>
               <a:schemeClr val="tx1"/>
             </a:solidFill>
-          </a:ln>
-          <a:effectLst>
-            <a:outerShdw blurRad="50800" dist="38100" dir="2700000" algn="tl" rotWithShape="0">
-              <a:prstClr val="black">
-                <a:alpha val="40000"/>
-              </a:prstClr>
-            </a:outerShdw>
-          </a:effectLst>
-        </p:spPr>
-        <p:txBody>
-          <a:bodyPr wrap="none" rtlCol="0" anchor="t" anchorCtr="1">
-            <a:noAutofit/>
-          </a:bodyPr>
-          <a:lstStyle>
-            <a:defPPr>
-              <a:defRPr lang="en-NL"/>
-            </a:defPPr>
-          </a:lstStyle>
-          <a:p>
-            <a:r>
-              <a:rPr lang="en-NL" sz="1200" dirty="0"/>
-              <a:t>ExpenseDate</a:t>
-            </a:r>
-          </a:p>
-        </p:txBody>
-      </p:sp>
-      <p:sp>
-        <p:nvSpPr>
-          <p:cNvPr id="285" name="TextBox 284">
-            <a:extLst>
-              <a:ext uri="{FF2B5EF4-FFF2-40B4-BE49-F238E27FC236}">
-                <a16:creationId xmlns:a16="http://schemas.microsoft.com/office/drawing/2014/main" id="{6D31A69D-BB73-EF99-4C09-FE8631F3CBE2}"/>
-              </a:ext>
-            </a:extLst>
-          </p:cNvPr>
-          <p:cNvSpPr txBox="1"/>
-          <p:nvPr/>
-        </p:nvSpPr>
-        <p:spPr>
-          <a:xfrm>
-            <a:off x="9299857" y="6082156"/>
-            <a:ext cx="1099981" cy="246221"/>
-          </a:xfrm>
-          <a:prstGeom prst="rect">
-            <a:avLst/>
-          </a:prstGeom>
-          <a:noFill/>
-        </p:spPr>
-        <p:txBody>
-          <a:bodyPr wrap="none" rtlCol="0">
-            <a:spAutoFit/>
-          </a:bodyPr>
-          <a:lstStyle>
-            <a:defPPr>
-              <a:defRPr lang="en-NL"/>
-            </a:defPPr>
-            <a:lvl1pPr>
-              <a:defRPr sz="1000">
-                <a:solidFill>
-                  <a:schemeClr val="accent5"/>
-                </a:solidFill>
-              </a:defRPr>
-            </a:lvl1pPr>
-          </a:lstStyle>
-          <a:p>
-            <a:r>
-              <a:rPr lang="en-GB" dirty="0"/>
-              <a:t>date={</a:t>
-            </a:r>
-            <a:r>
-              <a:rPr lang="en-GB" dirty="0" err="1"/>
-              <a:t>item.date</a:t>
-            </a:r>
-            <a:r>
-              <a:rPr lang="en-GB" dirty="0"/>
-              <a:t>}</a:t>
-            </a:r>
-          </a:p>
-        </p:txBody>
-      </p:sp>
-      <p:cxnSp>
-        <p:nvCxnSpPr>
-          <p:cNvPr id="286" name="Straight Arrow Connector 285">
-            <a:extLst>
-              <a:ext uri="{FF2B5EF4-FFF2-40B4-BE49-F238E27FC236}">
-                <a16:creationId xmlns:a16="http://schemas.microsoft.com/office/drawing/2014/main" id="{ACEFA1C4-E474-3DFC-3EAF-73F385BBAF75}"/>
-              </a:ext>
-            </a:extLst>
-          </p:cNvPr>
-          <p:cNvCxnSpPr>
-            <a:cxnSpLocks/>
-          </p:cNvCxnSpPr>
-          <p:nvPr/>
-        </p:nvCxnSpPr>
-        <p:spPr>
-          <a:xfrm flipH="1">
-            <a:off x="9861012" y="6092807"/>
-            <a:ext cx="429604" cy="283683"/>
-          </a:xfrm>
-          <a:prstGeom prst="straightConnector1">
-            <a:avLst/>
-          </a:prstGeom>
-          <a:ln>
             <a:tailEnd type="triangle"/>
           </a:ln>
         </p:spPr>
@@ -8072,36 +6452,80 @@
           </a:fontRef>
         </p:style>
       </p:cxnSp>
-      <p:pic>
-        <p:nvPicPr>
-          <p:cNvPr id="288" name="Picture 287">
-            <a:extLst>
-              <a:ext uri="{FF2B5EF4-FFF2-40B4-BE49-F238E27FC236}">
-                <a16:creationId xmlns:a16="http://schemas.microsoft.com/office/drawing/2014/main" id="{D81E750A-B92D-F85E-ED11-0F68E7C7F5C5}"/>
-              </a:ext>
-            </a:extLst>
-          </p:cNvPr>
-          <p:cNvPicPr>
-            <a:picLocks noChangeAspect="1"/>
-          </p:cNvPicPr>
-          <p:nvPr/>
-        </p:nvPicPr>
-        <p:blipFill>
-          <a:blip r:embed="rId6"/>
-          <a:stretch>
-            <a:fillRect/>
-          </a:stretch>
-        </p:blipFill>
-        <p:spPr>
-          <a:xfrm>
-            <a:off x="10376044" y="6083546"/>
-            <a:ext cx="1532245" cy="207114"/>
+      <p:sp>
+        <p:nvSpPr>
+          <p:cNvPr id="69" name="TextBox 68">
+            <a:extLst>
+              <a:ext uri="{FF2B5EF4-FFF2-40B4-BE49-F238E27FC236}">
+                <a16:creationId xmlns:a16="http://schemas.microsoft.com/office/drawing/2014/main" id="{2EF2E5F2-93E0-011E-7F9C-6493518B5232}"/>
+              </a:ext>
+            </a:extLst>
+          </p:cNvPr>
+          <p:cNvSpPr txBox="1"/>
+          <p:nvPr/>
+        </p:nvSpPr>
+        <p:spPr>
+          <a:xfrm>
+            <a:off x="1351401" y="1050280"/>
+            <a:ext cx="445956" cy="246221"/>
           </a:xfrm>
           <a:prstGeom prst="rect">
             <a:avLst/>
           </a:prstGeom>
-        </p:spPr>
-      </p:pic>
+          <a:noFill/>
+        </p:spPr>
+        <p:txBody>
+          <a:bodyPr wrap="none" rtlCol="0">
+            <a:spAutoFit/>
+          </a:bodyPr>
+          <a:lstStyle/>
+          <a:p>
+            <a:r>
+              <a:rPr lang="en-NL" sz="1000" dirty="0"/>
+              <a:t>Read</a:t>
+            </a:r>
+          </a:p>
+        </p:txBody>
+      </p:sp>
+      <p:sp>
+        <p:nvSpPr>
+          <p:cNvPr id="72" name="TextBox 71">
+            <a:extLst>
+              <a:ext uri="{FF2B5EF4-FFF2-40B4-BE49-F238E27FC236}">
+                <a16:creationId xmlns:a16="http://schemas.microsoft.com/office/drawing/2014/main" id="{CB01C246-422B-FBEA-1BC2-D01D420222A2}"/>
+              </a:ext>
+            </a:extLst>
+          </p:cNvPr>
+          <p:cNvSpPr txBox="1"/>
+          <p:nvPr/>
+        </p:nvSpPr>
+        <p:spPr>
+          <a:xfrm>
+            <a:off x="3504493" y="598204"/>
+            <a:ext cx="694421" cy="246221"/>
+          </a:xfrm>
+          <a:prstGeom prst="rect">
+            <a:avLst/>
+          </a:prstGeom>
+          <a:noFill/>
+        </p:spPr>
+        <p:txBody>
+          <a:bodyPr wrap="none" rtlCol="0">
+            <a:spAutoFit/>
+          </a:bodyPr>
+          <a:lstStyle/>
+          <a:p>
+            <a:r>
+              <a:rPr lang="en-NL" sz="1000" dirty="0">
+                <a:solidFill>
+                  <a:srgbClr val="7030A0"/>
+                </a:solidFill>
+              </a:rPr>
+              <a:t>(expense)</a:t>
+            </a:r>
+          </a:p>
+        </p:txBody>
+      </p:sp>
     </p:spTree>
     <p:extLst>
       <p:ext uri="{BB962C8B-B14F-4D97-AF65-F5344CB8AC3E}">
@@ -8172,10 +6596,10 @@
       </p:sp>
       <p:sp>
         <p:nvSpPr>
-          <p:cNvPr id="4" name="TextBox 3">
-            <a:extLst>
-              <a:ext uri="{FF2B5EF4-FFF2-40B4-BE49-F238E27FC236}">
-                <a16:creationId xmlns:a16="http://schemas.microsoft.com/office/drawing/2014/main" id="{CD3888E2-D390-1F9E-064A-709DAF1DE241}"/>
+          <p:cNvPr id="32" name="TextBox 31">
+            <a:extLst>
+              <a:ext uri="{FF2B5EF4-FFF2-40B4-BE49-F238E27FC236}">
+                <a16:creationId xmlns:a16="http://schemas.microsoft.com/office/drawing/2014/main" id="{B2D0C2DA-CA9D-7B58-C267-CFA0A0424184}"/>
               </a:ext>
             </a:extLst>
           </p:cNvPr>
@@ -8184,290 +6608,13 @@
         </p:nvSpPr>
         <p:spPr>
           <a:xfrm>
-            <a:off x="401000" y="188974"/>
-            <a:ext cx="3077737" cy="1397902"/>
+            <a:off x="10476518" y="180675"/>
+            <a:ext cx="835485" cy="246221"/>
           </a:xfrm>
           <a:prstGeom prst="rect">
             <a:avLst/>
           </a:prstGeom>
-          <a:solidFill>
-            <a:schemeClr val="bg1">
-              <a:lumMod val="85000"/>
-            </a:schemeClr>
-          </a:solidFill>
-          <a:ln>
-            <a:solidFill>
-              <a:schemeClr val="tx1"/>
-            </a:solidFill>
-          </a:ln>
-          <a:effectLst>
-            <a:outerShdw blurRad="50800" dist="38100" dir="2700000" algn="tl" rotWithShape="0">
-              <a:prstClr val="black">
-                <a:alpha val="40000"/>
-              </a:prstClr>
-            </a:outerShdw>
-          </a:effectLst>
-        </p:spPr>
-        <p:txBody>
-          <a:bodyPr wrap="none" rtlCol="0" anchor="t" anchorCtr="1">
-            <a:noAutofit/>
-          </a:bodyPr>
-          <a:lstStyle>
-            <a:defPPr>
-              <a:defRPr lang="en-NL"/>
-            </a:defPPr>
-          </a:lstStyle>
-          <a:p>
-            <a:r>
-              <a:rPr lang="en-NL" dirty="0"/>
-              <a:t>App</a:t>
-            </a:r>
-          </a:p>
-        </p:txBody>
-      </p:sp>
-      <p:sp>
-        <p:nvSpPr>
-          <p:cNvPr id="5" name="TextBox 4">
-            <a:extLst>
-              <a:ext uri="{FF2B5EF4-FFF2-40B4-BE49-F238E27FC236}">
-                <a16:creationId xmlns:a16="http://schemas.microsoft.com/office/drawing/2014/main" id="{1597EC4C-FCC6-710A-1BF8-C5B701EE7F90}"/>
-              </a:ext>
-            </a:extLst>
-          </p:cNvPr>
-          <p:cNvSpPr txBox="1"/>
-          <p:nvPr/>
-        </p:nvSpPr>
-        <p:spPr>
-          <a:xfrm>
-            <a:off x="1860088" y="4488107"/>
-            <a:ext cx="2246393" cy="1021637"/>
-          </a:xfrm>
-          <a:prstGeom prst="rect">
-            <a:avLst/>
-          </a:prstGeom>
-          <a:solidFill>
-            <a:schemeClr val="bg1">
-              <a:lumMod val="85000"/>
-            </a:schemeClr>
-          </a:solidFill>
-          <a:ln>
-            <a:solidFill>
-              <a:schemeClr val="tx1"/>
-            </a:solidFill>
-          </a:ln>
-          <a:effectLst>
-            <a:outerShdw blurRad="50800" dist="38100" dir="2700000" algn="tl" rotWithShape="0">
-              <a:prstClr val="black">
-                <a:alpha val="40000"/>
-              </a:prstClr>
-            </a:outerShdw>
-          </a:effectLst>
-        </p:spPr>
-        <p:txBody>
-          <a:bodyPr wrap="none" rtlCol="0" anchor="t" anchorCtr="1">
-            <a:noAutofit/>
-          </a:bodyPr>
-          <a:lstStyle>
-            <a:defPPr>
-              <a:defRPr lang="en-NL"/>
-            </a:defPPr>
-          </a:lstStyle>
-          <a:p>
-            <a:r>
-              <a:rPr lang="en-NL" dirty="0"/>
-              <a:t>ExpensesFilter</a:t>
-            </a:r>
-          </a:p>
-        </p:txBody>
-      </p:sp>
-      <p:sp>
-        <p:nvSpPr>
-          <p:cNvPr id="3" name="TextBox 2">
-            <a:extLst>
-              <a:ext uri="{FF2B5EF4-FFF2-40B4-BE49-F238E27FC236}">
-                <a16:creationId xmlns:a16="http://schemas.microsoft.com/office/drawing/2014/main" id="{27B20252-8D33-C91D-5BEC-E937009A05F1}"/>
-              </a:ext>
-            </a:extLst>
-          </p:cNvPr>
-          <p:cNvSpPr txBox="1"/>
-          <p:nvPr/>
-        </p:nvSpPr>
-        <p:spPr>
-          <a:xfrm>
-            <a:off x="2753490" y="1992036"/>
-            <a:ext cx="3161779" cy="1793257"/>
-          </a:xfrm>
-          <a:prstGeom prst="rect">
-            <a:avLst/>
-          </a:prstGeom>
-          <a:solidFill>
-            <a:schemeClr val="bg1">
-              <a:lumMod val="85000"/>
-            </a:schemeClr>
-          </a:solidFill>
-          <a:ln>
-            <a:solidFill>
-              <a:schemeClr val="tx1"/>
-            </a:solidFill>
-          </a:ln>
-          <a:effectLst>
-            <a:outerShdw blurRad="50800" dist="38100" dir="2700000" algn="tl" rotWithShape="0">
-              <a:prstClr val="black">
-                <a:alpha val="40000"/>
-              </a:prstClr>
-            </a:outerShdw>
-          </a:effectLst>
-        </p:spPr>
-        <p:txBody>
-          <a:bodyPr wrap="none" rtlCol="0" anchor="t" anchorCtr="1">
-            <a:noAutofit/>
-          </a:bodyPr>
-          <a:lstStyle>
-            <a:defPPr>
-              <a:defRPr lang="en-NL"/>
-            </a:defPPr>
-          </a:lstStyle>
-          <a:p>
-            <a:r>
-              <a:rPr lang="en-NL" dirty="0"/>
-              <a:t>Expenses</a:t>
-            </a:r>
-          </a:p>
-        </p:txBody>
-      </p:sp>
-      <p:sp>
-        <p:nvSpPr>
-          <p:cNvPr id="9" name="TextBox 8">
-            <a:extLst>
-              <a:ext uri="{FF2B5EF4-FFF2-40B4-BE49-F238E27FC236}">
-                <a16:creationId xmlns:a16="http://schemas.microsoft.com/office/drawing/2014/main" id="{193184D0-2F59-39A6-907F-6BEFE4A9C3D5}"/>
-              </a:ext>
-            </a:extLst>
-          </p:cNvPr>
-          <p:cNvSpPr txBox="1"/>
-          <p:nvPr/>
-        </p:nvSpPr>
-        <p:spPr>
-          <a:xfrm>
-            <a:off x="4747987" y="4315088"/>
-            <a:ext cx="2173736" cy="1017064"/>
-          </a:xfrm>
-          <a:prstGeom prst="rect">
-            <a:avLst/>
-          </a:prstGeom>
-          <a:solidFill>
-            <a:schemeClr val="bg1">
-              <a:lumMod val="85000"/>
-            </a:schemeClr>
-          </a:solidFill>
-          <a:ln>
-            <a:solidFill>
-              <a:schemeClr val="tx1"/>
-            </a:solidFill>
-          </a:ln>
-          <a:effectLst>
-            <a:outerShdw blurRad="50800" dist="38100" dir="2700000" algn="tl" rotWithShape="0">
-              <a:prstClr val="black">
-                <a:alpha val="40000"/>
-              </a:prstClr>
-            </a:outerShdw>
-          </a:effectLst>
-        </p:spPr>
-        <p:txBody>
-          <a:bodyPr wrap="none" rtlCol="0" anchor="t" anchorCtr="1">
-            <a:noAutofit/>
-          </a:bodyPr>
-          <a:lstStyle>
-            <a:defPPr>
-              <a:defRPr lang="en-NL"/>
-            </a:defPPr>
-          </a:lstStyle>
-          <a:p>
-            <a:r>
-              <a:rPr lang="en-NL" dirty="0"/>
-              <a:t>ExpensesList</a:t>
-            </a:r>
-          </a:p>
-        </p:txBody>
-      </p:sp>
-      <p:sp>
-        <p:nvSpPr>
-          <p:cNvPr id="12" name="TextBox 11">
-            <a:extLst>
-              <a:ext uri="{FF2B5EF4-FFF2-40B4-BE49-F238E27FC236}">
-                <a16:creationId xmlns:a16="http://schemas.microsoft.com/office/drawing/2014/main" id="{C761542B-4855-9ECA-B2CE-F2F5EF056D40}"/>
-              </a:ext>
-            </a:extLst>
-          </p:cNvPr>
-          <p:cNvSpPr txBox="1"/>
-          <p:nvPr/>
-        </p:nvSpPr>
-        <p:spPr>
-          <a:xfrm>
-            <a:off x="4991092" y="5743129"/>
-            <a:ext cx="1532245" cy="351385"/>
-          </a:xfrm>
-          <a:prstGeom prst="rect">
-            <a:avLst/>
-          </a:prstGeom>
-          <a:solidFill>
-            <a:schemeClr val="bg1">
-              <a:lumMod val="85000"/>
-            </a:schemeClr>
-          </a:solidFill>
-          <a:ln>
-            <a:solidFill>
-              <a:schemeClr val="tx1"/>
-            </a:solidFill>
-          </a:ln>
-          <a:effectLst>
-            <a:outerShdw blurRad="50800" dist="38100" dir="2700000" algn="tl" rotWithShape="0">
-              <a:prstClr val="black">
-                <a:alpha val="40000"/>
-              </a:prstClr>
-            </a:outerShdw>
-          </a:effectLst>
-        </p:spPr>
-        <p:txBody>
-          <a:bodyPr wrap="none" rtlCol="0" anchor="t" anchorCtr="1">
-            <a:noAutofit/>
-          </a:bodyPr>
-          <a:lstStyle>
-            <a:defPPr>
-              <a:defRPr lang="en-NL"/>
-            </a:defPPr>
-          </a:lstStyle>
-          <a:p>
-            <a:r>
-              <a:rPr lang="en-NL" dirty="0"/>
-              <a:t>ExpenseItem</a:t>
-            </a:r>
-          </a:p>
-        </p:txBody>
-      </p:sp>
-      <p:sp>
-        <p:nvSpPr>
-          <p:cNvPr id="23" name="TextBox 22">
-            <a:extLst>
-              <a:ext uri="{FF2B5EF4-FFF2-40B4-BE49-F238E27FC236}">
-                <a16:creationId xmlns:a16="http://schemas.microsoft.com/office/drawing/2014/main" id="{939A0BDF-2D68-CD17-5695-901B04DC10FC}"/>
-              </a:ext>
-            </a:extLst>
-          </p:cNvPr>
-          <p:cNvSpPr txBox="1"/>
-          <p:nvPr/>
-        </p:nvSpPr>
-        <p:spPr>
-          <a:xfrm>
-            <a:off x="600529" y="697984"/>
-            <a:ext cx="776175" cy="246221"/>
-          </a:xfrm>
-          <a:prstGeom prst="rect">
-            <a:avLst/>
-          </a:prstGeom>
-          <a:solidFill>
-            <a:schemeClr val="bg1"/>
-          </a:solidFill>
+          <a:noFill/>
           <a:ln>
             <a:solidFill>
               <a:schemeClr val="accent1"/>
@@ -8482,17 +6629,17 @@
           <a:p>
             <a:r>
               <a:rPr lang="en-NL" sz="1000" dirty="0"/>
-              <a:t>expenses[]</a:t>
-            </a:r>
-          </a:p>
-        </p:txBody>
-      </p:sp>
-      <p:sp>
-        <p:nvSpPr>
-          <p:cNvPr id="25" name="TextBox 24">
-            <a:extLst>
-              <a:ext uri="{FF2B5EF4-FFF2-40B4-BE49-F238E27FC236}">
-                <a16:creationId xmlns:a16="http://schemas.microsoft.com/office/drawing/2014/main" id="{C424838C-EF9E-E2AD-4797-78EB33A78798}"/>
+              <a:t>Data / State </a:t>
+            </a:r>
+          </a:p>
+        </p:txBody>
+      </p:sp>
+      <p:sp>
+        <p:nvSpPr>
+          <p:cNvPr id="33" name="TextBox 32">
+            <a:extLst>
+              <a:ext uri="{FF2B5EF4-FFF2-40B4-BE49-F238E27FC236}">
+                <a16:creationId xmlns:a16="http://schemas.microsoft.com/office/drawing/2014/main" id="{BCD249CF-2CEC-FD28-55B8-0DD949D1A386}"/>
               </a:ext>
             </a:extLst>
           </p:cNvPr>
@@ -8501,8 +6648,8 @@
         </p:nvSpPr>
         <p:spPr>
           <a:xfrm>
-            <a:off x="1860088" y="697984"/>
-            <a:ext cx="1253869" cy="246221"/>
+            <a:off x="11410764" y="180675"/>
+            <a:ext cx="598241" cy="246221"/>
           </a:xfrm>
           <a:prstGeom prst="rect">
             <a:avLst/>
@@ -8527,17 +6674,17 @@
           <a:p>
             <a:r>
               <a:rPr lang="en-NL" sz="1000" dirty="0"/>
-              <a:t>addExpenseHandler </a:t>
-            </a:r>
-          </a:p>
-        </p:txBody>
-      </p:sp>
-      <p:sp>
-        <p:nvSpPr>
-          <p:cNvPr id="26" name="TextBox 25">
-            <a:extLst>
-              <a:ext uri="{FF2B5EF4-FFF2-40B4-BE49-F238E27FC236}">
-                <a16:creationId xmlns:a16="http://schemas.microsoft.com/office/drawing/2014/main" id="{E76A445B-AAF9-628E-C6CA-4186841E71EA}"/>
+              <a:t>Handler</a:t>
+            </a:r>
+          </a:p>
+        </p:txBody>
+      </p:sp>
+      <p:sp>
+        <p:nvSpPr>
+          <p:cNvPr id="34" name="TextBox 33">
+            <a:extLst>
+              <a:ext uri="{FF2B5EF4-FFF2-40B4-BE49-F238E27FC236}">
+                <a16:creationId xmlns:a16="http://schemas.microsoft.com/office/drawing/2014/main" id="{15DE2C8E-ADB4-11D5-03F3-CF6EC7AECE54}"/>
               </a:ext>
             </a:extLst>
           </p:cNvPr>
@@ -8546,7 +6693,7 @@
         </p:nvSpPr>
         <p:spPr>
           <a:xfrm>
-            <a:off x="1836911" y="1229140"/>
+            <a:off x="11450614" y="503657"/>
             <a:ext cx="561372" cy="246221"/>
           </a:xfrm>
           <a:prstGeom prst="rect">
@@ -8577,55 +6724,67 @@
           </a:p>
         </p:txBody>
       </p:sp>
-      <p:cxnSp>
-        <p:nvCxnSpPr>
-          <p:cNvPr id="30" name="Straight Arrow Connector 29">
-            <a:extLst>
-              <a:ext uri="{FF2B5EF4-FFF2-40B4-BE49-F238E27FC236}">
-                <a16:creationId xmlns:a16="http://schemas.microsoft.com/office/drawing/2014/main" id="{2D249288-63F5-2487-1CCC-F769F2FF5788}"/>
-              </a:ext>
-            </a:extLst>
-          </p:cNvPr>
-          <p:cNvCxnSpPr>
-            <a:cxnSpLocks/>
-            <a:stCxn id="26" idx="3"/>
-            <a:endCxn id="3" idx="0"/>
-          </p:cNvCxnSpPr>
-          <p:nvPr/>
-        </p:nvCxnSpPr>
-        <p:spPr>
-          <a:xfrm>
-            <a:off x="2398283" y="1352251"/>
-            <a:ext cx="1936097" cy="639785"/>
-          </a:xfrm>
-          <a:prstGeom prst="straightConnector1">
-            <a:avLst/>
-          </a:prstGeom>
+      <p:sp>
+        <p:nvSpPr>
+          <p:cNvPr id="59" name="TextBox 58">
+            <a:extLst>
+              <a:ext uri="{FF2B5EF4-FFF2-40B4-BE49-F238E27FC236}">
+                <a16:creationId xmlns:a16="http://schemas.microsoft.com/office/drawing/2014/main" id="{32A656F0-89C3-85D3-5395-72802D7EC5D6}"/>
+              </a:ext>
+            </a:extLst>
+          </p:cNvPr>
+          <p:cNvSpPr txBox="1"/>
+          <p:nvPr/>
+        </p:nvSpPr>
+        <p:spPr>
+          <a:xfrm>
+            <a:off x="9059498" y="180675"/>
+            <a:ext cx="1257364" cy="472014"/>
+          </a:xfrm>
+          <a:prstGeom prst="rect">
+            <a:avLst/>
+          </a:prstGeom>
+          <a:solidFill>
+            <a:schemeClr val="bg1">
+              <a:lumMod val="85000"/>
+            </a:schemeClr>
+          </a:solidFill>
           <a:ln>
-            <a:tailEnd type="triangle"/>
-          </a:ln>
-        </p:spPr>
-        <p:style>
-          <a:lnRef idx="1">
-            <a:schemeClr val="accent1"/>
-          </a:lnRef>
-          <a:fillRef idx="0">
-            <a:schemeClr val="accent1"/>
-          </a:fillRef>
-          <a:effectRef idx="0">
-            <a:schemeClr val="accent1"/>
-          </a:effectRef>
-          <a:fontRef idx="minor">
-            <a:schemeClr val="tx1"/>
-          </a:fontRef>
-        </p:style>
-      </p:cxnSp>
-      <p:sp>
-        <p:nvSpPr>
-          <p:cNvPr id="32" name="TextBox 31">
-            <a:extLst>
-              <a:ext uri="{FF2B5EF4-FFF2-40B4-BE49-F238E27FC236}">
-                <a16:creationId xmlns:a16="http://schemas.microsoft.com/office/drawing/2014/main" id="{B2D0C2DA-CA9D-7B58-C267-CFA0A0424184}"/>
+            <a:solidFill>
+              <a:schemeClr val="tx1"/>
+            </a:solidFill>
+          </a:ln>
+          <a:effectLst>
+            <a:outerShdw blurRad="50800" dist="38100" dir="2700000" algn="tl" rotWithShape="0">
+              <a:prstClr val="black">
+                <a:alpha val="40000"/>
+              </a:prstClr>
+            </a:outerShdw>
+          </a:effectLst>
+        </p:spPr>
+        <p:txBody>
+          <a:bodyPr wrap="none" rtlCol="0" anchor="t" anchorCtr="1">
+            <a:noAutofit/>
+          </a:bodyPr>
+          <a:lstStyle>
+            <a:defPPr>
+              <a:defRPr lang="en-NL"/>
+            </a:defPPr>
+          </a:lstStyle>
+          <a:p>
+            <a:r>
+              <a:rPr lang="en-NL" dirty="0"/>
+              <a:t>Component</a:t>
+            </a:r>
+          </a:p>
+        </p:txBody>
+      </p:sp>
+      <p:sp>
+        <p:nvSpPr>
+          <p:cNvPr id="2" name="TextBox 1">
+            <a:extLst>
+              <a:ext uri="{FF2B5EF4-FFF2-40B4-BE49-F238E27FC236}">
+                <a16:creationId xmlns:a16="http://schemas.microsoft.com/office/drawing/2014/main" id="{DD742870-03AB-6FEF-8849-C805033CE6AA}"/>
               </a:ext>
             </a:extLst>
           </p:cNvPr>
@@ -8634,13 +6793,380 @@
         </p:nvSpPr>
         <p:spPr>
           <a:xfrm>
-            <a:off x="10476518" y="180675"/>
-            <a:ext cx="835485" cy="246221"/>
+            <a:off x="5451553" y="180675"/>
+            <a:ext cx="1050288" cy="369332"/>
           </a:xfrm>
           <a:prstGeom prst="rect">
             <a:avLst/>
           </a:prstGeom>
           <a:noFill/>
+        </p:spPr>
+        <p:txBody>
+          <a:bodyPr wrap="none" rtlCol="0">
+            <a:spAutoFit/>
+          </a:bodyPr>
+          <a:lstStyle/>
+          <a:p>
+            <a:r>
+              <a:rPr lang="en-NL" dirty="0"/>
+              <a:t>Expenses</a:t>
+            </a:r>
+          </a:p>
+        </p:txBody>
+      </p:sp>
+      <p:sp>
+        <p:nvSpPr>
+          <p:cNvPr id="6" name="TextBox 5">
+            <a:extLst>
+              <a:ext uri="{FF2B5EF4-FFF2-40B4-BE49-F238E27FC236}">
+                <a16:creationId xmlns:a16="http://schemas.microsoft.com/office/drawing/2014/main" id="{E49971C1-BFDF-7980-0DA5-707265838203}"/>
+              </a:ext>
+            </a:extLst>
+          </p:cNvPr>
+          <p:cNvSpPr txBox="1"/>
+          <p:nvPr/>
+        </p:nvSpPr>
+        <p:spPr>
+          <a:xfrm>
+            <a:off x="8603936" y="1792492"/>
+            <a:ext cx="2547804" cy="1358647"/>
+          </a:xfrm>
+          <a:prstGeom prst="rect">
+            <a:avLst/>
+          </a:prstGeom>
+          <a:solidFill>
+            <a:schemeClr val="bg1">
+              <a:lumMod val="85000"/>
+            </a:schemeClr>
+          </a:solidFill>
+          <a:ln>
+            <a:solidFill>
+              <a:schemeClr val="tx1"/>
+            </a:solidFill>
+          </a:ln>
+          <a:effectLst>
+            <a:outerShdw blurRad="50800" dist="38100" dir="2700000" algn="tl" rotWithShape="0">
+              <a:prstClr val="black">
+                <a:alpha val="40000"/>
+              </a:prstClr>
+            </a:outerShdw>
+          </a:effectLst>
+        </p:spPr>
+        <p:txBody>
+          <a:bodyPr wrap="none" rtlCol="0" anchor="t" anchorCtr="1">
+            <a:noAutofit/>
+          </a:bodyPr>
+          <a:lstStyle>
+            <a:defPPr>
+              <a:defRPr lang="en-NL"/>
+            </a:defPPr>
+          </a:lstStyle>
+          <a:p>
+            <a:r>
+              <a:rPr lang="en-NL" dirty="0"/>
+              <a:t>View/Edit Expense</a:t>
+            </a:r>
+          </a:p>
+        </p:txBody>
+      </p:sp>
+      <p:sp>
+        <p:nvSpPr>
+          <p:cNvPr id="7" name="TextBox 6">
+            <a:extLst>
+              <a:ext uri="{FF2B5EF4-FFF2-40B4-BE49-F238E27FC236}">
+                <a16:creationId xmlns:a16="http://schemas.microsoft.com/office/drawing/2014/main" id="{D3D7CB17-6CBC-8788-D62B-0AFA7ED94EC1}"/>
+              </a:ext>
+            </a:extLst>
+          </p:cNvPr>
+          <p:cNvSpPr txBox="1"/>
+          <p:nvPr/>
+        </p:nvSpPr>
+        <p:spPr>
+          <a:xfrm>
+            <a:off x="401000" y="188974"/>
+            <a:ext cx="3077737" cy="1397902"/>
+          </a:xfrm>
+          <a:prstGeom prst="rect">
+            <a:avLst/>
+          </a:prstGeom>
+          <a:solidFill>
+            <a:schemeClr val="bg1">
+              <a:lumMod val="85000"/>
+            </a:schemeClr>
+          </a:solidFill>
+          <a:ln>
+            <a:solidFill>
+              <a:schemeClr val="tx1"/>
+            </a:solidFill>
+          </a:ln>
+          <a:effectLst>
+            <a:outerShdw blurRad="50800" dist="38100" dir="2700000" algn="tl" rotWithShape="0">
+              <a:prstClr val="black">
+                <a:alpha val="40000"/>
+              </a:prstClr>
+            </a:outerShdw>
+          </a:effectLst>
+        </p:spPr>
+        <p:txBody>
+          <a:bodyPr wrap="none" rtlCol="0" anchor="t" anchorCtr="1">
+            <a:noAutofit/>
+          </a:bodyPr>
+          <a:lstStyle>
+            <a:defPPr>
+              <a:defRPr lang="en-NL"/>
+            </a:defPPr>
+          </a:lstStyle>
+          <a:p>
+            <a:r>
+              <a:rPr lang="en-NL" dirty="0"/>
+              <a:t>ExpensesMain</a:t>
+            </a:r>
+          </a:p>
+        </p:txBody>
+      </p:sp>
+      <p:sp>
+        <p:nvSpPr>
+          <p:cNvPr id="10" name="TextBox 9">
+            <a:extLst>
+              <a:ext uri="{FF2B5EF4-FFF2-40B4-BE49-F238E27FC236}">
+                <a16:creationId xmlns:a16="http://schemas.microsoft.com/office/drawing/2014/main" id="{71A7B640-9B42-A5A7-97C5-91918DF44A18}"/>
+              </a:ext>
+            </a:extLst>
+          </p:cNvPr>
+          <p:cNvSpPr txBox="1"/>
+          <p:nvPr/>
+        </p:nvSpPr>
+        <p:spPr>
+          <a:xfrm>
+            <a:off x="3302935" y="4466283"/>
+            <a:ext cx="2246393" cy="1021637"/>
+          </a:xfrm>
+          <a:prstGeom prst="rect">
+            <a:avLst/>
+          </a:prstGeom>
+          <a:solidFill>
+            <a:schemeClr val="bg1">
+              <a:lumMod val="85000"/>
+            </a:schemeClr>
+          </a:solidFill>
+          <a:ln>
+            <a:solidFill>
+              <a:schemeClr val="tx1"/>
+            </a:solidFill>
+          </a:ln>
+          <a:effectLst>
+            <a:outerShdw blurRad="50800" dist="38100" dir="2700000" algn="tl" rotWithShape="0">
+              <a:prstClr val="black">
+                <a:alpha val="40000"/>
+              </a:prstClr>
+            </a:outerShdw>
+          </a:effectLst>
+        </p:spPr>
+        <p:txBody>
+          <a:bodyPr wrap="none" rtlCol="0" anchor="t" anchorCtr="1">
+            <a:noAutofit/>
+          </a:bodyPr>
+          <a:lstStyle>
+            <a:defPPr>
+              <a:defRPr lang="en-NL"/>
+            </a:defPPr>
+          </a:lstStyle>
+          <a:p>
+            <a:r>
+              <a:rPr lang="en-NL" dirty="0"/>
+              <a:t>ExpensesFilter</a:t>
+            </a:r>
+          </a:p>
+        </p:txBody>
+      </p:sp>
+      <p:sp>
+        <p:nvSpPr>
+          <p:cNvPr id="11" name="TextBox 10">
+            <a:extLst>
+              <a:ext uri="{FF2B5EF4-FFF2-40B4-BE49-F238E27FC236}">
+                <a16:creationId xmlns:a16="http://schemas.microsoft.com/office/drawing/2014/main" id="{989B3D47-6DF6-BB68-7ABB-9DA0756C7DB7}"/>
+              </a:ext>
+            </a:extLst>
+          </p:cNvPr>
+          <p:cNvSpPr txBox="1"/>
+          <p:nvPr/>
+        </p:nvSpPr>
+        <p:spPr>
+          <a:xfrm>
+            <a:off x="2753490" y="1992036"/>
+            <a:ext cx="3161779" cy="1793257"/>
+          </a:xfrm>
+          <a:prstGeom prst="rect">
+            <a:avLst/>
+          </a:prstGeom>
+          <a:solidFill>
+            <a:schemeClr val="bg1">
+              <a:lumMod val="85000"/>
+            </a:schemeClr>
+          </a:solidFill>
+          <a:ln>
+            <a:solidFill>
+              <a:schemeClr val="tx1"/>
+            </a:solidFill>
+          </a:ln>
+          <a:effectLst>
+            <a:outerShdw blurRad="50800" dist="38100" dir="2700000" algn="tl" rotWithShape="0">
+              <a:prstClr val="black">
+                <a:alpha val="40000"/>
+              </a:prstClr>
+            </a:outerShdw>
+          </a:effectLst>
+        </p:spPr>
+        <p:txBody>
+          <a:bodyPr wrap="none" rtlCol="0" anchor="t" anchorCtr="1">
+            <a:noAutofit/>
+          </a:bodyPr>
+          <a:lstStyle>
+            <a:defPPr>
+              <a:defRPr lang="en-NL"/>
+            </a:defPPr>
+          </a:lstStyle>
+          <a:p>
+            <a:r>
+              <a:rPr lang="en-NL" dirty="0"/>
+              <a:t>Expenses</a:t>
+            </a:r>
+          </a:p>
+        </p:txBody>
+      </p:sp>
+      <p:sp>
+        <p:nvSpPr>
+          <p:cNvPr id="13" name="TextBox 12">
+            <a:extLst>
+              <a:ext uri="{FF2B5EF4-FFF2-40B4-BE49-F238E27FC236}">
+                <a16:creationId xmlns:a16="http://schemas.microsoft.com/office/drawing/2014/main" id="{8D3FC8A5-2B2F-100E-C0DC-665725732C76}"/>
+              </a:ext>
+            </a:extLst>
+          </p:cNvPr>
+          <p:cNvSpPr txBox="1"/>
+          <p:nvPr/>
+        </p:nvSpPr>
+        <p:spPr>
+          <a:xfrm>
+            <a:off x="6244850" y="4050807"/>
+            <a:ext cx="2008809" cy="1110726"/>
+          </a:xfrm>
+          <a:prstGeom prst="rect">
+            <a:avLst/>
+          </a:prstGeom>
+          <a:solidFill>
+            <a:schemeClr val="bg1">
+              <a:lumMod val="85000"/>
+            </a:schemeClr>
+          </a:solidFill>
+          <a:ln>
+            <a:solidFill>
+              <a:schemeClr val="tx1"/>
+            </a:solidFill>
+          </a:ln>
+          <a:effectLst>
+            <a:outerShdw blurRad="50800" dist="38100" dir="2700000" algn="tl" rotWithShape="0">
+              <a:prstClr val="black">
+                <a:alpha val="40000"/>
+              </a:prstClr>
+            </a:outerShdw>
+          </a:effectLst>
+        </p:spPr>
+        <p:txBody>
+          <a:bodyPr wrap="none" rtlCol="0" anchor="t" anchorCtr="1">
+            <a:noAutofit/>
+          </a:bodyPr>
+          <a:lstStyle>
+            <a:defPPr>
+              <a:defRPr lang="en-NL"/>
+            </a:defPPr>
+          </a:lstStyle>
+          <a:p>
+            <a:r>
+              <a:rPr lang="en-NL" dirty="0"/>
+              <a:t>ExpensesList</a:t>
+            </a:r>
+          </a:p>
+        </p:txBody>
+      </p:sp>
+      <p:sp>
+        <p:nvSpPr>
+          <p:cNvPr id="14" name="TextBox 13">
+            <a:extLst>
+              <a:ext uri="{FF2B5EF4-FFF2-40B4-BE49-F238E27FC236}">
+                <a16:creationId xmlns:a16="http://schemas.microsoft.com/office/drawing/2014/main" id="{0451E83E-B08E-7BE5-C58F-A2932BB6063C}"/>
+              </a:ext>
+            </a:extLst>
+          </p:cNvPr>
+          <p:cNvSpPr txBox="1"/>
+          <p:nvPr/>
+        </p:nvSpPr>
+        <p:spPr>
+          <a:xfrm>
+            <a:off x="6487955" y="5572510"/>
+            <a:ext cx="1532245" cy="351385"/>
+          </a:xfrm>
+          <a:prstGeom prst="rect">
+            <a:avLst/>
+          </a:prstGeom>
+          <a:solidFill>
+            <a:schemeClr val="bg1">
+              <a:lumMod val="85000"/>
+            </a:schemeClr>
+          </a:solidFill>
+          <a:ln>
+            <a:solidFill>
+              <a:schemeClr val="tx1"/>
+            </a:solidFill>
+          </a:ln>
+          <a:effectLst>
+            <a:outerShdw blurRad="50800" dist="38100" dir="2700000" algn="tl" rotWithShape="0">
+              <a:prstClr val="black">
+                <a:alpha val="40000"/>
+              </a:prstClr>
+            </a:outerShdw>
+          </a:effectLst>
+        </p:spPr>
+        <p:txBody>
+          <a:bodyPr wrap="none" rtlCol="0" anchor="t" anchorCtr="1">
+            <a:noAutofit/>
+          </a:bodyPr>
+          <a:lstStyle>
+            <a:defPPr>
+              <a:defRPr lang="en-NL"/>
+            </a:defPPr>
+          </a:lstStyle>
+          <a:p>
+            <a:r>
+              <a:rPr lang="en-NL" dirty="0"/>
+              <a:t>ExpenseItem</a:t>
+            </a:r>
+          </a:p>
+        </p:txBody>
+      </p:sp>
+      <p:sp>
+        <p:nvSpPr>
+          <p:cNvPr id="15" name="TextBox 14">
+            <a:extLst>
+              <a:ext uri="{FF2B5EF4-FFF2-40B4-BE49-F238E27FC236}">
+                <a16:creationId xmlns:a16="http://schemas.microsoft.com/office/drawing/2014/main" id="{67F882DB-A5EF-C26C-A7C0-7BF1E796F22D}"/>
+              </a:ext>
+            </a:extLst>
+          </p:cNvPr>
+          <p:cNvSpPr txBox="1"/>
+          <p:nvPr/>
+        </p:nvSpPr>
+        <p:spPr>
+          <a:xfrm>
+            <a:off x="600529" y="697984"/>
+            <a:ext cx="776175" cy="246221"/>
+          </a:xfrm>
+          <a:prstGeom prst="rect">
+            <a:avLst/>
+          </a:prstGeom>
+          <a:solidFill>
+            <a:schemeClr val="bg1"/>
+          </a:solidFill>
           <a:ln>
             <a:solidFill>
               <a:schemeClr val="accent1"/>
@@ -8655,17 +7181,17 @@
           <a:p>
             <a:r>
               <a:rPr lang="en-NL" sz="1000" dirty="0"/>
-              <a:t>Data / State </a:t>
-            </a:r>
-          </a:p>
-        </p:txBody>
-      </p:sp>
-      <p:sp>
-        <p:nvSpPr>
-          <p:cNvPr id="33" name="TextBox 32">
-            <a:extLst>
-              <a:ext uri="{FF2B5EF4-FFF2-40B4-BE49-F238E27FC236}">
-                <a16:creationId xmlns:a16="http://schemas.microsoft.com/office/drawing/2014/main" id="{BCD249CF-2CEC-FD28-55B8-0DD949D1A386}"/>
+              <a:t>expenses[]</a:t>
+            </a:r>
+          </a:p>
+        </p:txBody>
+      </p:sp>
+      <p:sp>
+        <p:nvSpPr>
+          <p:cNvPr id="17" name="TextBox 16">
+            <a:extLst>
+              <a:ext uri="{FF2B5EF4-FFF2-40B4-BE49-F238E27FC236}">
+                <a16:creationId xmlns:a16="http://schemas.microsoft.com/office/drawing/2014/main" id="{C4AB40F3-295B-0998-6CF9-0443134253FA}"/>
               </a:ext>
             </a:extLst>
           </p:cNvPr>
@@ -8674,52 +7200,7 @@
         </p:nvSpPr>
         <p:spPr>
           <a:xfrm>
-            <a:off x="11410764" y="180675"/>
-            <a:ext cx="598241" cy="246221"/>
-          </a:xfrm>
-          <a:prstGeom prst="rect">
-            <a:avLst/>
-          </a:prstGeom>
-          <a:solidFill>
-            <a:schemeClr val="accent6">
-              <a:lumMod val="20000"/>
-              <a:lumOff val="80000"/>
-            </a:schemeClr>
-          </a:solidFill>
-          <a:ln cap="sq">
-            <a:solidFill>
-              <a:schemeClr val="accent6"/>
-            </a:solidFill>
-          </a:ln>
-        </p:spPr>
-        <p:txBody>
-          <a:bodyPr wrap="none" rtlCol="0">
-            <a:spAutoFit/>
-          </a:bodyPr>
-          <a:lstStyle/>
-          <a:p>
-            <a:r>
-              <a:rPr lang="en-NL" sz="1000" dirty="0"/>
-              <a:t>Handler</a:t>
-            </a:r>
-          </a:p>
-        </p:txBody>
-      </p:sp>
-      <p:sp>
-        <p:nvSpPr>
-          <p:cNvPr id="34" name="TextBox 33">
-            <a:extLst>
-              <a:ext uri="{FF2B5EF4-FFF2-40B4-BE49-F238E27FC236}">
-                <a16:creationId xmlns:a16="http://schemas.microsoft.com/office/drawing/2014/main" id="{15DE2C8E-ADB4-11D5-03F3-CF6EC7AECE54}"/>
-              </a:ext>
-            </a:extLst>
-          </p:cNvPr>
-          <p:cNvSpPr txBox="1"/>
-          <p:nvPr/>
-        </p:nvSpPr>
-        <p:spPr>
-          <a:xfrm>
-            <a:off x="11450614" y="503657"/>
+            <a:off x="1836911" y="1229140"/>
             <a:ext cx="561372" cy="246221"/>
           </a:xfrm>
           <a:prstGeom prst="rect">
@@ -8752,30 +7233,29 @@
       </p:sp>
       <p:cxnSp>
         <p:nvCxnSpPr>
-          <p:cNvPr id="36" name="Straight Arrow Connector 35">
-            <a:extLst>
-              <a:ext uri="{FF2B5EF4-FFF2-40B4-BE49-F238E27FC236}">
-                <a16:creationId xmlns:a16="http://schemas.microsoft.com/office/drawing/2014/main" id="{AB6E7593-B494-17EC-F646-B9907B7BE28D}"/>
+          <p:cNvPr id="18" name="Straight Arrow Connector 17">
+            <a:extLst>
+              <a:ext uri="{FF2B5EF4-FFF2-40B4-BE49-F238E27FC236}">
+                <a16:creationId xmlns:a16="http://schemas.microsoft.com/office/drawing/2014/main" id="{7853F6E3-F380-B242-00D2-C200713738DD}"/>
               </a:ext>
             </a:extLst>
           </p:cNvPr>
           <p:cNvCxnSpPr>
             <a:cxnSpLocks/>
+            <a:stCxn id="17" idx="3"/>
+            <a:endCxn id="11" idx="0"/>
           </p:cNvCxnSpPr>
           <p:nvPr/>
         </p:nvCxnSpPr>
         <p:spPr>
-          <a:xfrm flipH="1">
-            <a:off x="1349965" y="751788"/>
-            <a:ext cx="510123" cy="1"/>
+          <a:xfrm>
+            <a:off x="2398283" y="1352251"/>
+            <a:ext cx="1936097" cy="639785"/>
           </a:xfrm>
           <a:prstGeom prst="straightConnector1">
             <a:avLst/>
           </a:prstGeom>
           <a:ln>
-            <a:solidFill>
-              <a:srgbClr val="7030A0"/>
-            </a:solidFill>
             <a:tailEnd type="triangle"/>
           </a:ln>
         </p:spPr>
@@ -8794,12 +7274,56 @@
           </a:fontRef>
         </p:style>
       </p:cxnSp>
-      <p:sp>
-        <p:nvSpPr>
-          <p:cNvPr id="38" name="TextBox 37">
-            <a:extLst>
-              <a:ext uri="{FF2B5EF4-FFF2-40B4-BE49-F238E27FC236}">
-                <a16:creationId xmlns:a16="http://schemas.microsoft.com/office/drawing/2014/main" id="{F7EF3EA8-FA03-DB39-02EC-09C179EE93A3}"/>
+      <p:cxnSp>
+        <p:nvCxnSpPr>
+          <p:cNvPr id="19" name="Straight Arrow Connector 18">
+            <a:extLst>
+              <a:ext uri="{FF2B5EF4-FFF2-40B4-BE49-F238E27FC236}">
+                <a16:creationId xmlns:a16="http://schemas.microsoft.com/office/drawing/2014/main" id="{F6DB7761-7356-5049-B0A6-186C60FCD115}"/>
+              </a:ext>
+            </a:extLst>
+          </p:cNvPr>
+          <p:cNvCxnSpPr>
+            <a:cxnSpLocks/>
+          </p:cNvCxnSpPr>
+          <p:nvPr/>
+        </p:nvCxnSpPr>
+        <p:spPr>
+          <a:xfrm flipH="1">
+            <a:off x="1349965" y="751788"/>
+            <a:ext cx="510123" cy="1"/>
+          </a:xfrm>
+          <a:prstGeom prst="straightConnector1">
+            <a:avLst/>
+          </a:prstGeom>
+          <a:ln>
+            <a:solidFill>
+              <a:srgbClr val="7030A0"/>
+            </a:solidFill>
+            <a:tailEnd type="triangle"/>
+          </a:ln>
+        </p:spPr>
+        <p:style>
+          <a:lnRef idx="1">
+            <a:schemeClr val="accent1"/>
+          </a:lnRef>
+          <a:fillRef idx="0">
+            <a:schemeClr val="accent1"/>
+          </a:fillRef>
+          <a:effectRef idx="0">
+            <a:schemeClr val="accent1"/>
+          </a:effectRef>
+          <a:fontRef idx="minor">
+            <a:schemeClr val="tx1"/>
+          </a:fontRef>
+        </p:style>
+      </p:cxnSp>
+      <p:sp>
+        <p:nvSpPr>
+          <p:cNvPr id="20" name="TextBox 19">
+            <a:extLst>
+              <a:ext uri="{FF2B5EF4-FFF2-40B4-BE49-F238E27FC236}">
+                <a16:creationId xmlns:a16="http://schemas.microsoft.com/office/drawing/2014/main" id="{CD62E2E8-FC75-C817-0E2B-1922AB730674}"/>
               </a:ext>
             </a:extLst>
           </p:cNvPr>
@@ -8831,10 +7355,10 @@
       </p:sp>
       <p:sp>
         <p:nvSpPr>
-          <p:cNvPr id="41" name="TextBox 40">
-            <a:extLst>
-              <a:ext uri="{FF2B5EF4-FFF2-40B4-BE49-F238E27FC236}">
-                <a16:creationId xmlns:a16="http://schemas.microsoft.com/office/drawing/2014/main" id="{C4F3F189-71D0-0E55-4090-9BBFC8D44FE2}"/>
+          <p:cNvPr id="21" name="TextBox 20">
+            <a:extLst>
+              <a:ext uri="{FF2B5EF4-FFF2-40B4-BE49-F238E27FC236}">
+                <a16:creationId xmlns:a16="http://schemas.microsoft.com/office/drawing/2014/main" id="{11815D07-F4B2-65AF-B8DE-D5E6023A5ACB}"/>
               </a:ext>
             </a:extLst>
           </p:cNvPr>
@@ -8877,10 +7401,10 @@
       </p:sp>
       <p:cxnSp>
         <p:nvCxnSpPr>
-          <p:cNvPr id="45" name="Straight Arrow Connector 44">
-            <a:extLst>
-              <a:ext uri="{FF2B5EF4-FFF2-40B4-BE49-F238E27FC236}">
-                <a16:creationId xmlns:a16="http://schemas.microsoft.com/office/drawing/2014/main" id="{9959AA33-0CEE-99F0-63D5-736C2BE0654C}"/>
+          <p:cNvPr id="24" name="Straight Arrow Connector 23">
+            <a:extLst>
+              <a:ext uri="{FF2B5EF4-FFF2-40B4-BE49-F238E27FC236}">
+                <a16:creationId xmlns:a16="http://schemas.microsoft.com/office/drawing/2014/main" id="{EB84AD23-752C-5048-4F68-35AC00F4942D}"/>
               </a:ext>
             </a:extLst>
           </p:cNvPr>
@@ -8921,10 +7445,10 @@
       </p:cxnSp>
       <p:sp>
         <p:nvSpPr>
-          <p:cNvPr id="52" name="TextBox 51">
-            <a:extLst>
-              <a:ext uri="{FF2B5EF4-FFF2-40B4-BE49-F238E27FC236}">
-                <a16:creationId xmlns:a16="http://schemas.microsoft.com/office/drawing/2014/main" id="{2816A76D-EE3B-3453-0B7A-C2B1CEE0E360}"/>
+          <p:cNvPr id="27" name="TextBox 26">
+            <a:extLst>
+              <a:ext uri="{FF2B5EF4-FFF2-40B4-BE49-F238E27FC236}">
+                <a16:creationId xmlns:a16="http://schemas.microsoft.com/office/drawing/2014/main" id="{D47F46C2-9B19-8EE0-BD35-2CC15AFBACAF}"/>
               </a:ext>
             </a:extLst>
           </p:cNvPr>
@@ -8956,17 +7480,17 @@
       </p:sp>
       <p:cxnSp>
         <p:nvCxnSpPr>
-          <p:cNvPr id="53" name="Straight Arrow Connector 52">
-            <a:extLst>
-              <a:ext uri="{FF2B5EF4-FFF2-40B4-BE49-F238E27FC236}">
-                <a16:creationId xmlns:a16="http://schemas.microsoft.com/office/drawing/2014/main" id="{C7012669-9FA1-596C-FE14-E74873F8753E}"/>
+          <p:cNvPr id="28" name="Straight Arrow Connector 27">
+            <a:extLst>
+              <a:ext uri="{FF2B5EF4-FFF2-40B4-BE49-F238E27FC236}">
+                <a16:creationId xmlns:a16="http://schemas.microsoft.com/office/drawing/2014/main" id="{676A8B77-0E5E-B85F-CABE-4361612BA80E}"/>
               </a:ext>
             </a:extLst>
           </p:cNvPr>
           <p:cNvCxnSpPr>
             <a:cxnSpLocks/>
-            <a:stCxn id="23" idx="2"/>
-            <a:endCxn id="26" idx="0"/>
+            <a:stCxn id="15" idx="2"/>
+            <a:endCxn id="17" idx="0"/>
           </p:cNvCxnSpPr>
           <p:nvPr/>
         </p:nvCxnSpPr>
@@ -9002,10 +7526,10 @@
       </p:cxnSp>
       <p:sp>
         <p:nvSpPr>
-          <p:cNvPr id="57" name="TextBox 56">
-            <a:extLst>
-              <a:ext uri="{FF2B5EF4-FFF2-40B4-BE49-F238E27FC236}">
-                <a16:creationId xmlns:a16="http://schemas.microsoft.com/office/drawing/2014/main" id="{BF18B077-3914-FFB4-4D6C-BA53BE6740FA}"/>
+          <p:cNvPr id="29" name="TextBox 28">
+            <a:extLst>
+              <a:ext uri="{FF2B5EF4-FFF2-40B4-BE49-F238E27FC236}">
+                <a16:creationId xmlns:a16="http://schemas.microsoft.com/office/drawing/2014/main" id="{0FF44B21-E2A4-5FFB-E33B-1AAD071A0F33}"/>
               </a:ext>
             </a:extLst>
           </p:cNvPr>
@@ -9037,65 +7561,10 @@
       </p:sp>
       <p:sp>
         <p:nvSpPr>
-          <p:cNvPr id="59" name="TextBox 58">
-            <a:extLst>
-              <a:ext uri="{FF2B5EF4-FFF2-40B4-BE49-F238E27FC236}">
-                <a16:creationId xmlns:a16="http://schemas.microsoft.com/office/drawing/2014/main" id="{32A656F0-89C3-85D3-5395-72802D7EC5D6}"/>
-              </a:ext>
-            </a:extLst>
-          </p:cNvPr>
-          <p:cNvSpPr txBox="1"/>
-          <p:nvPr/>
-        </p:nvSpPr>
-        <p:spPr>
-          <a:xfrm>
-            <a:off x="9059498" y="180675"/>
-            <a:ext cx="1257364" cy="472014"/>
-          </a:xfrm>
-          <a:prstGeom prst="rect">
-            <a:avLst/>
-          </a:prstGeom>
-          <a:solidFill>
-            <a:schemeClr val="bg1">
-              <a:lumMod val="85000"/>
-            </a:schemeClr>
-          </a:solidFill>
-          <a:ln>
-            <a:solidFill>
-              <a:schemeClr val="tx1"/>
-            </a:solidFill>
-          </a:ln>
-          <a:effectLst>
-            <a:outerShdw blurRad="50800" dist="38100" dir="2700000" algn="tl" rotWithShape="0">
-              <a:prstClr val="black">
-                <a:alpha val="40000"/>
-              </a:prstClr>
-            </a:outerShdw>
-          </a:effectLst>
-        </p:spPr>
-        <p:txBody>
-          <a:bodyPr wrap="none" rtlCol="0" anchor="t" anchorCtr="1">
-            <a:noAutofit/>
-          </a:bodyPr>
-          <a:lstStyle>
-            <a:defPPr>
-              <a:defRPr lang="en-NL"/>
-            </a:defPPr>
-          </a:lstStyle>
-          <a:p>
-            <a:r>
-              <a:rPr lang="en-NL" dirty="0"/>
-              <a:t>Component</a:t>
-            </a:r>
-          </a:p>
-        </p:txBody>
-      </p:sp>
-      <p:sp>
-        <p:nvSpPr>
-          <p:cNvPr id="177" name="TextBox 176">
-            <a:extLst>
-              <a:ext uri="{FF2B5EF4-FFF2-40B4-BE49-F238E27FC236}">
-                <a16:creationId xmlns:a16="http://schemas.microsoft.com/office/drawing/2014/main" id="{B878B4DB-A16E-DDD8-418B-7768072F861F}"/>
+          <p:cNvPr id="31" name="TextBox 30">
+            <a:extLst>
+              <a:ext uri="{FF2B5EF4-FFF2-40B4-BE49-F238E27FC236}">
+                <a16:creationId xmlns:a16="http://schemas.microsoft.com/office/drawing/2014/main" id="{C5FF6317-CE0D-5FE1-5F9F-C0753F12E9B4}"/>
               </a:ext>
             </a:extLst>
           </p:cNvPr>
@@ -9134,10 +7603,10 @@
       </p:sp>
       <p:sp>
         <p:nvSpPr>
-          <p:cNvPr id="178" name="TextBox 177">
-            <a:extLst>
-              <a:ext uri="{FF2B5EF4-FFF2-40B4-BE49-F238E27FC236}">
-                <a16:creationId xmlns:a16="http://schemas.microsoft.com/office/drawing/2014/main" id="{667D5F00-94C7-706E-235C-004B75138E21}"/>
+          <p:cNvPr id="35" name="TextBox 34">
+            <a:extLst>
+              <a:ext uri="{FF2B5EF4-FFF2-40B4-BE49-F238E27FC236}">
+                <a16:creationId xmlns:a16="http://schemas.microsoft.com/office/drawing/2014/main" id="{3B794333-A619-E651-78AA-4EF72A6BC7CC}"/>
               </a:ext>
             </a:extLst>
           </p:cNvPr>
@@ -9179,10 +7648,10 @@
       </p:sp>
       <p:sp>
         <p:nvSpPr>
-          <p:cNvPr id="179" name="TextBox 178">
-            <a:extLst>
-              <a:ext uri="{FF2B5EF4-FFF2-40B4-BE49-F238E27FC236}">
-                <a16:creationId xmlns:a16="http://schemas.microsoft.com/office/drawing/2014/main" id="{D03EC028-9098-08EE-B6A4-BC288412082F}"/>
+          <p:cNvPr id="37" name="TextBox 36">
+            <a:extLst>
+              <a:ext uri="{FF2B5EF4-FFF2-40B4-BE49-F238E27FC236}">
+                <a16:creationId xmlns:a16="http://schemas.microsoft.com/office/drawing/2014/main" id="{D08BBB60-EE27-84C3-C382-2ABF48D8A259}"/>
               </a:ext>
             </a:extLst>
           </p:cNvPr>
@@ -9191,8 +7660,8 @@
         </p:nvSpPr>
         <p:spPr>
           <a:xfrm>
-            <a:off x="4533045" y="3397607"/>
-            <a:ext cx="561372" cy="246221"/>
+            <a:off x="4533045" y="3382351"/>
+            <a:ext cx="786178" cy="246221"/>
           </a:xfrm>
           <a:prstGeom prst="rect">
             <a:avLst/>
@@ -9210,7 +7679,7 @@
           </a:ln>
         </p:spPr>
         <p:txBody>
-          <a:bodyPr wrap="none" rtlCol="0">
+          <a:bodyPr wrap="square" rtlCol="0">
             <a:spAutoFit/>
           </a:bodyPr>
           <a:lstStyle/>
@@ -9224,10 +7693,10 @@
       </p:sp>
       <p:cxnSp>
         <p:nvCxnSpPr>
-          <p:cNvPr id="180" name="Straight Arrow Connector 179">
-            <a:extLst>
-              <a:ext uri="{FF2B5EF4-FFF2-40B4-BE49-F238E27FC236}">
-                <a16:creationId xmlns:a16="http://schemas.microsoft.com/office/drawing/2014/main" id="{D05B4028-7723-540D-9BCE-5D719DA4F719}"/>
+          <p:cNvPr id="39" name="Straight Arrow Connector 38">
+            <a:extLst>
+              <a:ext uri="{FF2B5EF4-FFF2-40B4-BE49-F238E27FC236}">
+                <a16:creationId xmlns:a16="http://schemas.microsoft.com/office/drawing/2014/main" id="{0575E5EE-1F4A-06A8-F98A-B57C4620C5BC}"/>
               </a:ext>
             </a:extLst>
           </p:cNvPr>
@@ -9268,10 +7737,10 @@
       </p:cxnSp>
       <p:sp>
         <p:nvSpPr>
-          <p:cNvPr id="181" name="TextBox 180">
-            <a:extLst>
-              <a:ext uri="{FF2B5EF4-FFF2-40B4-BE49-F238E27FC236}">
-                <a16:creationId xmlns:a16="http://schemas.microsoft.com/office/drawing/2014/main" id="{C712A369-FCBE-218B-3B90-11D8F3F32552}"/>
+          <p:cNvPr id="40" name="TextBox 39">
+            <a:extLst>
+              <a:ext uri="{FF2B5EF4-FFF2-40B4-BE49-F238E27FC236}">
+                <a16:creationId xmlns:a16="http://schemas.microsoft.com/office/drawing/2014/main" id="{81D002E6-65E6-89CE-2B12-F3EC44CCB06D}"/>
               </a:ext>
             </a:extLst>
           </p:cNvPr>
@@ -9303,10 +7772,10 @@
       </p:sp>
       <p:cxnSp>
         <p:nvCxnSpPr>
-          <p:cNvPr id="182" name="Straight Arrow Connector 181">
-            <a:extLst>
-              <a:ext uri="{FF2B5EF4-FFF2-40B4-BE49-F238E27FC236}">
-                <a16:creationId xmlns:a16="http://schemas.microsoft.com/office/drawing/2014/main" id="{D0202299-25FF-2AA3-8A8B-8880018D3D94}"/>
+          <p:cNvPr id="42" name="Straight Arrow Connector 41">
+            <a:extLst>
+              <a:ext uri="{FF2B5EF4-FFF2-40B4-BE49-F238E27FC236}">
+                <a16:creationId xmlns:a16="http://schemas.microsoft.com/office/drawing/2014/main" id="{DFF933FF-832E-C722-C12E-8C1F21D9C328}"/>
               </a:ext>
             </a:extLst>
           </p:cNvPr>
@@ -9347,10 +7816,10 @@
       </p:cxnSp>
       <p:sp>
         <p:nvSpPr>
-          <p:cNvPr id="183" name="TextBox 182">
-            <a:extLst>
-              <a:ext uri="{FF2B5EF4-FFF2-40B4-BE49-F238E27FC236}">
-                <a16:creationId xmlns:a16="http://schemas.microsoft.com/office/drawing/2014/main" id="{3A2A5250-39CA-750A-71BF-7E0A03104067}"/>
+          <p:cNvPr id="43" name="TextBox 42">
+            <a:extLst>
+              <a:ext uri="{FF2B5EF4-FFF2-40B4-BE49-F238E27FC236}">
+                <a16:creationId xmlns:a16="http://schemas.microsoft.com/office/drawing/2014/main" id="{8DE9A7F6-7712-27AF-21E6-47882A93A41A}"/>
               </a:ext>
             </a:extLst>
           </p:cNvPr>
@@ -9382,24 +7851,24 @@
       </p:sp>
       <p:cxnSp>
         <p:nvCxnSpPr>
-          <p:cNvPr id="184" name="Straight Arrow Connector 183">
-            <a:extLst>
-              <a:ext uri="{FF2B5EF4-FFF2-40B4-BE49-F238E27FC236}">
-                <a16:creationId xmlns:a16="http://schemas.microsoft.com/office/drawing/2014/main" id="{35F93B14-9A74-906D-F819-0441AAA00425}"/>
+          <p:cNvPr id="44" name="Straight Arrow Connector 43">
+            <a:extLst>
+              <a:ext uri="{FF2B5EF4-FFF2-40B4-BE49-F238E27FC236}">
+                <a16:creationId xmlns:a16="http://schemas.microsoft.com/office/drawing/2014/main" id="{E3D43457-5269-E4E8-3741-37165272595B}"/>
               </a:ext>
             </a:extLst>
           </p:cNvPr>
           <p:cNvCxnSpPr>
             <a:cxnSpLocks/>
-            <a:stCxn id="195" idx="3"/>
-            <a:endCxn id="179" idx="1"/>
+            <a:stCxn id="48" idx="3"/>
+            <a:endCxn id="37" idx="1"/>
           </p:cNvCxnSpPr>
           <p:nvPr/>
         </p:nvCxnSpPr>
         <p:spPr>
-          <a:xfrm>
-            <a:off x="4018038" y="3520718"/>
-            <a:ext cx="515007" cy="0"/>
+          <a:xfrm flipV="1">
+            <a:off x="4018038" y="3505462"/>
+            <a:ext cx="515007" cy="15256"/>
           </a:xfrm>
           <a:prstGeom prst="straightConnector1">
             <a:avLst/>
@@ -9425,10 +7894,10 @@
       </p:cxnSp>
       <p:sp>
         <p:nvSpPr>
-          <p:cNvPr id="191" name="TextBox 190">
-            <a:extLst>
-              <a:ext uri="{FF2B5EF4-FFF2-40B4-BE49-F238E27FC236}">
-                <a16:creationId xmlns:a16="http://schemas.microsoft.com/office/drawing/2014/main" id="{716B2930-7FA1-9F6F-7FE9-5BB4D7248E62}"/>
+          <p:cNvPr id="46" name="TextBox 45">
+            <a:extLst>
+              <a:ext uri="{FF2B5EF4-FFF2-40B4-BE49-F238E27FC236}">
+                <a16:creationId xmlns:a16="http://schemas.microsoft.com/office/drawing/2014/main" id="{27D1FA97-00A5-A44F-4A72-019525E0385A}"/>
               </a:ext>
             </a:extLst>
           </p:cNvPr>
@@ -9467,23 +7936,23 @@
       </p:sp>
       <p:cxnSp>
         <p:nvCxnSpPr>
-          <p:cNvPr id="193" name="Straight Arrow Connector 192">
-            <a:extLst>
-              <a:ext uri="{FF2B5EF4-FFF2-40B4-BE49-F238E27FC236}">
-                <a16:creationId xmlns:a16="http://schemas.microsoft.com/office/drawing/2014/main" id="{F4DB27C7-94CD-7DC6-59F7-A1F0281C7CEA}"/>
+          <p:cNvPr id="47" name="Straight Arrow Connector 46">
+            <a:extLst>
+              <a:ext uri="{FF2B5EF4-FFF2-40B4-BE49-F238E27FC236}">
+                <a16:creationId xmlns:a16="http://schemas.microsoft.com/office/drawing/2014/main" id="{6106E08D-5110-90E7-E144-F95993F68653}"/>
               </a:ext>
             </a:extLst>
           </p:cNvPr>
           <p:cNvCxnSpPr>
             <a:cxnSpLocks/>
-            <a:endCxn id="191" idx="0"/>
+            <a:endCxn id="46" idx="0"/>
           </p:cNvCxnSpPr>
           <p:nvPr/>
         </p:nvCxnSpPr>
         <p:spPr>
           <a:xfrm>
-            <a:off x="2753490" y="1704769"/>
-            <a:ext cx="476747" cy="389133"/>
+            <a:off x="2314162" y="1491082"/>
+            <a:ext cx="916075" cy="602820"/>
           </a:xfrm>
           <a:prstGeom prst="straightConnector1">
             <a:avLst/>
@@ -9509,10 +7978,10 @@
       </p:cxnSp>
       <p:sp>
         <p:nvSpPr>
-          <p:cNvPr id="195" name="TextBox 194">
-            <a:extLst>
-              <a:ext uri="{FF2B5EF4-FFF2-40B4-BE49-F238E27FC236}">
-                <a16:creationId xmlns:a16="http://schemas.microsoft.com/office/drawing/2014/main" id="{69D441E0-D8A3-1E27-D3C2-D56ED129AFF2}"/>
+          <p:cNvPr id="48" name="TextBox 47">
+            <a:extLst>
+              <a:ext uri="{FF2B5EF4-FFF2-40B4-BE49-F238E27FC236}">
+                <a16:creationId xmlns:a16="http://schemas.microsoft.com/office/drawing/2014/main" id="{55E67433-D5A1-3636-3326-70D2F5F7C225}"/>
               </a:ext>
             </a:extLst>
           </p:cNvPr>
@@ -9551,10 +8020,10 @@
       </p:sp>
       <p:sp>
         <p:nvSpPr>
-          <p:cNvPr id="196" name="TextBox 195">
-            <a:extLst>
-              <a:ext uri="{FF2B5EF4-FFF2-40B4-BE49-F238E27FC236}">
-                <a16:creationId xmlns:a16="http://schemas.microsoft.com/office/drawing/2014/main" id="{23239EC2-D16D-7168-A218-B75CC70A68B7}"/>
+          <p:cNvPr id="49" name="TextBox 48">
+            <a:extLst>
+              <a:ext uri="{FF2B5EF4-FFF2-40B4-BE49-F238E27FC236}">
+                <a16:creationId xmlns:a16="http://schemas.microsoft.com/office/drawing/2014/main" id="{39366BDE-A263-5F32-3CC5-F22869A39050}"/>
               </a:ext>
             </a:extLst>
           </p:cNvPr>
@@ -9593,10 +8062,10 @@
       </p:sp>
       <p:pic>
         <p:nvPicPr>
-          <p:cNvPr id="197" name="Picture 196">
-            <a:extLst>
-              <a:ext uri="{FF2B5EF4-FFF2-40B4-BE49-F238E27FC236}">
-                <a16:creationId xmlns:a16="http://schemas.microsoft.com/office/drawing/2014/main" id="{CACB0D89-F19B-FF81-94EE-E36E0994E2F0}"/>
+          <p:cNvPr id="50" name="Picture 49">
+            <a:extLst>
+              <a:ext uri="{FF2B5EF4-FFF2-40B4-BE49-F238E27FC236}">
+                <a16:creationId xmlns:a16="http://schemas.microsoft.com/office/drawing/2014/main" id="{C80DCDCD-3E05-DB29-CA8C-0E23704FE447}"/>
               </a:ext>
             </a:extLst>
           </p:cNvPr>
@@ -9623,17 +8092,17 @@
       </p:pic>
       <p:cxnSp>
         <p:nvCxnSpPr>
-          <p:cNvPr id="200" name="Elbow Connector 199">
-            <a:extLst>
-              <a:ext uri="{FF2B5EF4-FFF2-40B4-BE49-F238E27FC236}">
-                <a16:creationId xmlns:a16="http://schemas.microsoft.com/office/drawing/2014/main" id="{70A8055A-C8C8-BE27-2BBD-541455F5CF46}"/>
+          <p:cNvPr id="51" name="Elbow Connector 50">
+            <a:extLst>
+              <a:ext uri="{FF2B5EF4-FFF2-40B4-BE49-F238E27FC236}">
+                <a16:creationId xmlns:a16="http://schemas.microsoft.com/office/drawing/2014/main" id="{80837708-3C33-AFB1-DF45-2E9A5C1A8C08}"/>
               </a:ext>
             </a:extLst>
           </p:cNvPr>
           <p:cNvCxnSpPr>
             <a:cxnSpLocks/>
-            <a:stCxn id="177" idx="1"/>
-            <a:endCxn id="197" idx="1"/>
+            <a:stCxn id="31" idx="1"/>
+            <a:endCxn id="50" idx="1"/>
           </p:cNvCxnSpPr>
           <p:nvPr/>
         </p:nvCxnSpPr>
@@ -9668,17 +8137,17 @@
       </p:cxnSp>
       <p:cxnSp>
         <p:nvCxnSpPr>
-          <p:cNvPr id="202" name="Elbow Connector 201">
-            <a:extLst>
-              <a:ext uri="{FF2B5EF4-FFF2-40B4-BE49-F238E27FC236}">
-                <a16:creationId xmlns:a16="http://schemas.microsoft.com/office/drawing/2014/main" id="{99A89D17-B1ED-87D0-D9F1-4AB34E266B15}"/>
+          <p:cNvPr id="54" name="Elbow Connector 53">
+            <a:extLst>
+              <a:ext uri="{FF2B5EF4-FFF2-40B4-BE49-F238E27FC236}">
+                <a16:creationId xmlns:a16="http://schemas.microsoft.com/office/drawing/2014/main" id="{33B44882-1983-5A33-FB40-A786A8C9D0E5}"/>
               </a:ext>
             </a:extLst>
           </p:cNvPr>
           <p:cNvCxnSpPr>
             <a:cxnSpLocks/>
-            <a:stCxn id="191" idx="1"/>
-            <a:endCxn id="196" idx="1"/>
+            <a:stCxn id="46" idx="1"/>
+            <a:endCxn id="49" idx="1"/>
           </p:cNvCxnSpPr>
           <p:nvPr/>
         </p:nvCxnSpPr>
@@ -9713,16 +8182,16 @@
       </p:cxnSp>
       <p:cxnSp>
         <p:nvCxnSpPr>
-          <p:cNvPr id="220" name="Elbow Connector 219">
-            <a:extLst>
-              <a:ext uri="{FF2B5EF4-FFF2-40B4-BE49-F238E27FC236}">
-                <a16:creationId xmlns:a16="http://schemas.microsoft.com/office/drawing/2014/main" id="{5ED7A6AD-C129-BFEF-3E73-153703FB9EFC}"/>
+          <p:cNvPr id="55" name="Elbow Connector 54">
+            <a:extLst>
+              <a:ext uri="{FF2B5EF4-FFF2-40B4-BE49-F238E27FC236}">
+                <a16:creationId xmlns:a16="http://schemas.microsoft.com/office/drawing/2014/main" id="{8807626F-D680-696A-0D75-DD6B5C5A8F47}"/>
               </a:ext>
             </a:extLst>
           </p:cNvPr>
           <p:cNvCxnSpPr>
             <a:cxnSpLocks/>
-            <a:endCxn id="195" idx="1"/>
+            <a:endCxn id="48" idx="1"/>
           </p:cNvCxnSpPr>
           <p:nvPr/>
         </p:nvCxnSpPr>
@@ -9758,23 +8227,23 @@
       </p:cxnSp>
       <p:cxnSp>
         <p:nvCxnSpPr>
-          <p:cNvPr id="231" name="Straight Arrow Connector 230">
-            <a:extLst>
-              <a:ext uri="{FF2B5EF4-FFF2-40B4-BE49-F238E27FC236}">
-                <a16:creationId xmlns:a16="http://schemas.microsoft.com/office/drawing/2014/main" id="{DE70DD82-75F2-0CB1-D7D8-30116A9BECD2}"/>
+          <p:cNvPr id="56" name="Straight Arrow Connector 55">
+            <a:extLst>
+              <a:ext uri="{FF2B5EF4-FFF2-40B4-BE49-F238E27FC236}">
+                <a16:creationId xmlns:a16="http://schemas.microsoft.com/office/drawing/2014/main" id="{B05361E0-1934-9920-996C-B21622DE7F9C}"/>
               </a:ext>
             </a:extLst>
           </p:cNvPr>
           <p:cNvCxnSpPr>
             <a:cxnSpLocks/>
-            <a:endCxn id="5" idx="0"/>
+            <a:endCxn id="10" idx="0"/>
           </p:cNvCxnSpPr>
           <p:nvPr/>
         </p:nvCxnSpPr>
         <p:spPr>
           <a:xfrm flipH="1">
-            <a:off x="2983285" y="3625219"/>
-            <a:ext cx="1711507" cy="862888"/>
+            <a:off x="4426132" y="3635651"/>
+            <a:ext cx="453330" cy="830632"/>
           </a:xfrm>
           <a:prstGeom prst="straightConnector1">
             <a:avLst/>
@@ -9800,10 +8269,10 @@
       </p:cxnSp>
       <p:sp>
         <p:nvSpPr>
-          <p:cNvPr id="232" name="TextBox 231">
-            <a:extLst>
-              <a:ext uri="{FF2B5EF4-FFF2-40B4-BE49-F238E27FC236}">
-                <a16:creationId xmlns:a16="http://schemas.microsoft.com/office/drawing/2014/main" id="{A385534F-B818-601E-6FB1-583B9999ECA9}"/>
+          <p:cNvPr id="58" name="TextBox 57">
+            <a:extLst>
+              <a:ext uri="{FF2B5EF4-FFF2-40B4-BE49-F238E27FC236}">
+                <a16:creationId xmlns:a16="http://schemas.microsoft.com/office/drawing/2014/main" id="{DF189F41-4921-3A72-E5C6-BD93DD76F9F6}"/>
               </a:ext>
             </a:extLst>
           </p:cNvPr>
@@ -9812,7 +8281,7 @@
         </p:nvSpPr>
         <p:spPr>
           <a:xfrm>
-            <a:off x="2190820" y="3870237"/>
+            <a:off x="3633667" y="3848413"/>
             <a:ext cx="2173993" cy="400110"/>
           </a:xfrm>
           <a:prstGeom prst="rect">
@@ -9872,10 +8341,10 @@
       </p:sp>
       <p:pic>
         <p:nvPicPr>
-          <p:cNvPr id="234" name="Picture 233">
-            <a:extLst>
-              <a:ext uri="{FF2B5EF4-FFF2-40B4-BE49-F238E27FC236}">
-                <a16:creationId xmlns:a16="http://schemas.microsoft.com/office/drawing/2014/main" id="{7A1C36AB-D62B-9504-9CD6-5C2BD5F8DCF7}"/>
+          <p:cNvPr id="60" name="Picture 59">
+            <a:extLst>
+              <a:ext uri="{FF2B5EF4-FFF2-40B4-BE49-F238E27FC236}">
+                <a16:creationId xmlns:a16="http://schemas.microsoft.com/office/drawing/2014/main" id="{82FEAEA7-2905-EC7D-F37A-498302DD4655}"/>
               </a:ext>
             </a:extLst>
           </p:cNvPr>
@@ -9892,7 +8361,7 @@
         </p:blipFill>
         <p:spPr>
           <a:xfrm>
-            <a:off x="2075725" y="5320492"/>
+            <a:off x="3518572" y="5298668"/>
             <a:ext cx="1790842" cy="140318"/>
           </a:xfrm>
           <a:prstGeom prst="rect">
@@ -9902,27 +8371,26 @@
       </p:pic>
       <p:cxnSp>
         <p:nvCxnSpPr>
-          <p:cNvPr id="235" name="Elbow Connector 234">
-            <a:extLst>
-              <a:ext uri="{FF2B5EF4-FFF2-40B4-BE49-F238E27FC236}">
-                <a16:creationId xmlns:a16="http://schemas.microsoft.com/office/drawing/2014/main" id="{C2B96169-16EF-99D3-9E55-AEB99CF497E2}"/>
+          <p:cNvPr id="61" name="Elbow Connector 60">
+            <a:extLst>
+              <a:ext uri="{FF2B5EF4-FFF2-40B4-BE49-F238E27FC236}">
+                <a16:creationId xmlns:a16="http://schemas.microsoft.com/office/drawing/2014/main" id="{638CDBF4-8FBC-EAF5-8241-1AC4EC1D658A}"/>
               </a:ext>
             </a:extLst>
           </p:cNvPr>
           <p:cNvCxnSpPr>
             <a:cxnSpLocks/>
+            <a:endCxn id="35" idx="3"/>
           </p:cNvCxnSpPr>
           <p:nvPr/>
         </p:nvCxnSpPr>
         <p:spPr>
-          <a:xfrm rot="5400000" flipH="1" flipV="1">
-            <a:off x="3760343" y="3462206"/>
-            <a:ext cx="2270383" cy="881532"/>
-          </a:xfrm>
-          <a:prstGeom prst="bentConnector3">
-            <a:avLst>
-              <a:gd name="adj1" fmla="val 50000"/>
-            </a:avLst>
+          <a:xfrm rot="16200000" flipV="1">
+            <a:off x="4454852" y="3712350"/>
+            <a:ext cx="2390940" cy="256121"/>
+          </a:xfrm>
+          <a:prstGeom prst="bentConnector2">
+            <a:avLst/>
           </a:prstGeom>
           <a:ln>
             <a:solidFill>
@@ -9948,10 +8416,10 @@
       </p:cxnSp>
       <p:sp>
         <p:nvSpPr>
-          <p:cNvPr id="238" name="TextBox 237">
-            <a:extLst>
-              <a:ext uri="{FF2B5EF4-FFF2-40B4-BE49-F238E27FC236}">
-                <a16:creationId xmlns:a16="http://schemas.microsoft.com/office/drawing/2014/main" id="{2D275EBC-3D28-6BA7-951C-521F9584FB35}"/>
+          <p:cNvPr id="62" name="TextBox 61">
+            <a:extLst>
+              <a:ext uri="{FF2B5EF4-FFF2-40B4-BE49-F238E27FC236}">
+                <a16:creationId xmlns:a16="http://schemas.microsoft.com/office/drawing/2014/main" id="{F43116DB-029D-12BE-6C11-C5897386CC22}"/>
               </a:ext>
             </a:extLst>
           </p:cNvPr>
@@ -9960,7 +8428,7 @@
         </p:nvSpPr>
         <p:spPr>
           <a:xfrm>
-            <a:off x="4292386" y="3889178"/>
+            <a:off x="5383082" y="2790417"/>
             <a:ext cx="930063" cy="246221"/>
           </a:xfrm>
           <a:prstGeom prst="rect">
@@ -9987,23 +8455,23 @@
       </p:sp>
       <p:cxnSp>
         <p:nvCxnSpPr>
-          <p:cNvPr id="239" name="Straight Arrow Connector 238">
-            <a:extLst>
-              <a:ext uri="{FF2B5EF4-FFF2-40B4-BE49-F238E27FC236}">
-                <a16:creationId xmlns:a16="http://schemas.microsoft.com/office/drawing/2014/main" id="{040C8018-2062-1C9A-08DC-E63A7819EA9A}"/>
+          <p:cNvPr id="63" name="Straight Arrow Connector 62">
+            <a:extLst>
+              <a:ext uri="{FF2B5EF4-FFF2-40B4-BE49-F238E27FC236}">
+                <a16:creationId xmlns:a16="http://schemas.microsoft.com/office/drawing/2014/main" id="{8D7CAEC8-6903-FFE6-6CF7-8170D09566B0}"/>
               </a:ext>
             </a:extLst>
           </p:cNvPr>
           <p:cNvCxnSpPr>
             <a:cxnSpLocks/>
-            <a:endCxn id="9" idx="0"/>
+            <a:endCxn id="13" idx="0"/>
           </p:cNvCxnSpPr>
           <p:nvPr/>
         </p:nvCxnSpPr>
         <p:spPr>
           <a:xfrm>
-            <a:off x="4884727" y="3648068"/>
-            <a:ext cx="950128" cy="667020"/>
+            <a:off x="5205162" y="3643828"/>
+            <a:ext cx="2044093" cy="406979"/>
           </a:xfrm>
           <a:prstGeom prst="straightConnector1">
             <a:avLst/>
@@ -10029,10 +8497,10 @@
       </p:cxnSp>
       <p:sp>
         <p:nvSpPr>
-          <p:cNvPr id="240" name="TextBox 239">
-            <a:extLst>
-              <a:ext uri="{FF2B5EF4-FFF2-40B4-BE49-F238E27FC236}">
-                <a16:creationId xmlns:a16="http://schemas.microsoft.com/office/drawing/2014/main" id="{086419BD-2279-3665-F34E-B6C0E5AD576F}"/>
+          <p:cNvPr id="128" name="TextBox 127">
+            <a:extLst>
+              <a:ext uri="{FF2B5EF4-FFF2-40B4-BE49-F238E27FC236}">
+                <a16:creationId xmlns:a16="http://schemas.microsoft.com/office/drawing/2014/main" id="{5E92B088-5225-6138-7E9D-46A582317B8C}"/>
               </a:ext>
             </a:extLst>
           </p:cNvPr>
@@ -10041,7 +8509,7 @@
         </p:nvSpPr>
         <p:spPr>
           <a:xfrm>
-            <a:off x="5341185" y="3979457"/>
+            <a:off x="6032497" y="3732627"/>
             <a:ext cx="1478290" cy="246221"/>
           </a:xfrm>
           <a:prstGeom prst="rect">
@@ -10075,10 +8543,10 @@
       </p:sp>
       <p:sp>
         <p:nvSpPr>
-          <p:cNvPr id="244" name="TextBox 243">
-            <a:extLst>
-              <a:ext uri="{FF2B5EF4-FFF2-40B4-BE49-F238E27FC236}">
-                <a16:creationId xmlns:a16="http://schemas.microsoft.com/office/drawing/2014/main" id="{907A09B7-FC45-9EB8-C172-D8583F1161EC}"/>
+          <p:cNvPr id="129" name="TextBox 128">
+            <a:extLst>
+              <a:ext uri="{FF2B5EF4-FFF2-40B4-BE49-F238E27FC236}">
+                <a16:creationId xmlns:a16="http://schemas.microsoft.com/office/drawing/2014/main" id="{48694AC9-4C77-AB72-807A-BAEC212ADB66}"/>
               </a:ext>
             </a:extLst>
           </p:cNvPr>
@@ -10087,7 +8555,7 @@
         </p:nvSpPr>
         <p:spPr>
           <a:xfrm>
-            <a:off x="2169692" y="4930571"/>
+            <a:off x="3612539" y="4908747"/>
             <a:ext cx="1556836" cy="246221"/>
           </a:xfrm>
           <a:prstGeom prst="rect">
@@ -10120,23 +8588,23 @@
       </p:sp>
       <p:cxnSp>
         <p:nvCxnSpPr>
-          <p:cNvPr id="249" name="Straight Connector 248">
-            <a:extLst>
-              <a:ext uri="{FF2B5EF4-FFF2-40B4-BE49-F238E27FC236}">
-                <a16:creationId xmlns:a16="http://schemas.microsoft.com/office/drawing/2014/main" id="{8B7B68A9-C103-C5D7-18F3-7F5EC1550261}"/>
+          <p:cNvPr id="130" name="Straight Connector 129">
+            <a:extLst>
+              <a:ext uri="{FF2B5EF4-FFF2-40B4-BE49-F238E27FC236}">
+                <a16:creationId xmlns:a16="http://schemas.microsoft.com/office/drawing/2014/main" id="{B3BB4587-EAEA-C4EB-25DF-287ABB8EA0B0}"/>
               </a:ext>
             </a:extLst>
           </p:cNvPr>
           <p:cNvCxnSpPr>
             <a:cxnSpLocks/>
-            <a:stCxn id="244" idx="3"/>
+            <a:stCxn id="129" idx="3"/>
           </p:cNvCxnSpPr>
           <p:nvPr/>
         </p:nvCxnSpPr>
         <p:spPr>
-          <a:xfrm flipV="1">
-            <a:off x="3726528" y="5047461"/>
-            <a:ext cx="722188" cy="6221"/>
+          <a:xfrm>
+            <a:off x="5169375" y="5031858"/>
+            <a:ext cx="604430" cy="11352"/>
           </a:xfrm>
           <a:prstGeom prst="line">
             <a:avLst/>
@@ -10164,10 +8632,10 @@
       </p:cxnSp>
       <p:cxnSp>
         <p:nvCxnSpPr>
-          <p:cNvPr id="254" name="Straight Arrow Connector 253">
-            <a:extLst>
-              <a:ext uri="{FF2B5EF4-FFF2-40B4-BE49-F238E27FC236}">
-                <a16:creationId xmlns:a16="http://schemas.microsoft.com/office/drawing/2014/main" id="{347962CC-0D46-7920-42BE-1EFA10D4D955}"/>
+          <p:cNvPr id="131" name="Straight Arrow Connector 130">
+            <a:extLst>
+              <a:ext uri="{FF2B5EF4-FFF2-40B4-BE49-F238E27FC236}">
+                <a16:creationId xmlns:a16="http://schemas.microsoft.com/office/drawing/2014/main" id="{BC7293E8-CD75-0F5E-6673-DA4836AEC4D9}"/>
               </a:ext>
             </a:extLst>
           </p:cNvPr>
@@ -10176,7 +8644,7 @@
         </p:nvCxnSpPr>
         <p:spPr>
           <a:xfrm flipV="1">
-            <a:off x="3649199" y="5141566"/>
+            <a:off x="5092046" y="5119742"/>
             <a:ext cx="0" cy="193098"/>
           </a:xfrm>
           <a:prstGeom prst="straightConnector1">
@@ -10206,10 +8674,10 @@
       </p:cxnSp>
       <p:sp>
         <p:nvSpPr>
-          <p:cNvPr id="256" name="TextBox 255">
-            <a:extLst>
-              <a:ext uri="{FF2B5EF4-FFF2-40B4-BE49-F238E27FC236}">
-                <a16:creationId xmlns:a16="http://schemas.microsoft.com/office/drawing/2014/main" id="{E92C6BEA-42BA-103E-5A5A-22D6AFA30443}"/>
+          <p:cNvPr id="132" name="TextBox 131">
+            <a:extLst>
+              <a:ext uri="{FF2B5EF4-FFF2-40B4-BE49-F238E27FC236}">
+                <a16:creationId xmlns:a16="http://schemas.microsoft.com/office/drawing/2014/main" id="{18CFE863-990A-2536-EE23-00183C46F7B7}"/>
               </a:ext>
             </a:extLst>
           </p:cNvPr>
@@ -10218,7 +8686,7 @@
         </p:nvSpPr>
         <p:spPr>
           <a:xfrm>
-            <a:off x="3724976" y="5009703"/>
+            <a:off x="5117352" y="4789660"/>
             <a:ext cx="978153" cy="246221"/>
           </a:xfrm>
           <a:prstGeom prst="rect">
@@ -10253,10 +8721,10 @@
       </p:sp>
       <p:sp>
         <p:nvSpPr>
-          <p:cNvPr id="260" name="TextBox 259">
-            <a:extLst>
-              <a:ext uri="{FF2B5EF4-FFF2-40B4-BE49-F238E27FC236}">
-                <a16:creationId xmlns:a16="http://schemas.microsoft.com/office/drawing/2014/main" id="{6B56179F-3812-4CCA-5363-B6BCFBD769F1}"/>
+          <p:cNvPr id="133" name="TextBox 132">
+            <a:extLst>
+              <a:ext uri="{FF2B5EF4-FFF2-40B4-BE49-F238E27FC236}">
+                <a16:creationId xmlns:a16="http://schemas.microsoft.com/office/drawing/2014/main" id="{656FC172-8F70-6DD3-6F43-2F327E3577B3}"/>
               </a:ext>
             </a:extLst>
           </p:cNvPr>
@@ -10265,7 +8733,7 @@
         </p:nvSpPr>
         <p:spPr>
           <a:xfrm>
-            <a:off x="5427449" y="4828616"/>
+            <a:off x="6924312" y="4657997"/>
             <a:ext cx="1250560" cy="400110"/>
           </a:xfrm>
           <a:prstGeom prst="rect">
@@ -10304,23 +8772,23 @@
       </p:sp>
       <p:cxnSp>
         <p:nvCxnSpPr>
-          <p:cNvPr id="261" name="Straight Arrow Connector 260">
-            <a:extLst>
-              <a:ext uri="{FF2B5EF4-FFF2-40B4-BE49-F238E27FC236}">
-                <a16:creationId xmlns:a16="http://schemas.microsoft.com/office/drawing/2014/main" id="{9F0D2BCF-5299-8F93-183A-E4E4B8221694}"/>
+          <p:cNvPr id="134" name="Straight Arrow Connector 133">
+            <a:extLst>
+              <a:ext uri="{FF2B5EF4-FFF2-40B4-BE49-F238E27FC236}">
+                <a16:creationId xmlns:a16="http://schemas.microsoft.com/office/drawing/2014/main" id="{720A382A-8632-DA16-1277-CE31E85D8D2C}"/>
               </a:ext>
             </a:extLst>
           </p:cNvPr>
           <p:cNvCxnSpPr>
             <a:cxnSpLocks/>
-            <a:stCxn id="262" idx="3"/>
-            <a:endCxn id="260" idx="1"/>
+            <a:stCxn id="135" idx="3"/>
+            <a:endCxn id="133" idx="1"/>
           </p:cNvCxnSpPr>
           <p:nvPr/>
         </p:nvCxnSpPr>
         <p:spPr>
           <a:xfrm>
-            <a:off x="5286767" y="4780425"/>
+            <a:off x="6783630" y="4609806"/>
             <a:ext cx="140682" cy="248246"/>
           </a:xfrm>
           <a:prstGeom prst="straightConnector1">
@@ -10347,10 +8815,10 @@
       </p:cxnSp>
       <p:sp>
         <p:nvSpPr>
-          <p:cNvPr id="262" name="TextBox 261">
-            <a:extLst>
-              <a:ext uri="{FF2B5EF4-FFF2-40B4-BE49-F238E27FC236}">
-                <a16:creationId xmlns:a16="http://schemas.microsoft.com/office/drawing/2014/main" id="{6FE68AA2-4933-3E6B-ED60-52547A184A67}"/>
+          <p:cNvPr id="135" name="TextBox 134">
+            <a:extLst>
+              <a:ext uri="{FF2B5EF4-FFF2-40B4-BE49-F238E27FC236}">
+                <a16:creationId xmlns:a16="http://schemas.microsoft.com/office/drawing/2014/main" id="{EFE178D4-7019-FA72-2C7A-3C8BE894125A}"/>
               </a:ext>
             </a:extLst>
           </p:cNvPr>
@@ -10359,7 +8827,7 @@
         </p:nvSpPr>
         <p:spPr>
           <a:xfrm>
-            <a:off x="4813561" y="4657314"/>
+            <a:off x="6310424" y="4486695"/>
             <a:ext cx="473206" cy="246221"/>
           </a:xfrm>
           <a:prstGeom prst="rect">
@@ -10389,23 +8857,23 @@
       </p:sp>
       <p:cxnSp>
         <p:nvCxnSpPr>
-          <p:cNvPr id="266" name="Straight Arrow Connector 265">
-            <a:extLst>
-              <a:ext uri="{FF2B5EF4-FFF2-40B4-BE49-F238E27FC236}">
-                <a16:creationId xmlns:a16="http://schemas.microsoft.com/office/drawing/2014/main" id="{5CFFDF3C-7F3D-966E-F96F-0B5C32AFB72A}"/>
+          <p:cNvPr id="136" name="Straight Arrow Connector 135">
+            <a:extLst>
+              <a:ext uri="{FF2B5EF4-FFF2-40B4-BE49-F238E27FC236}">
+                <a16:creationId xmlns:a16="http://schemas.microsoft.com/office/drawing/2014/main" id="{AD90429E-D9B0-6EE8-B4C3-C3098E839D1F}"/>
               </a:ext>
             </a:extLst>
           </p:cNvPr>
           <p:cNvCxnSpPr>
             <a:cxnSpLocks/>
-            <a:stCxn id="260" idx="2"/>
-            <a:endCxn id="12" idx="0"/>
+            <a:stCxn id="133" idx="2"/>
+            <a:endCxn id="14" idx="0"/>
           </p:cNvCxnSpPr>
           <p:nvPr/>
         </p:nvCxnSpPr>
         <p:spPr>
           <a:xfrm flipH="1">
-            <a:off x="5757215" y="5228726"/>
+            <a:off x="7254078" y="5058107"/>
             <a:ext cx="295514" cy="514403"/>
           </a:xfrm>
           <a:prstGeom prst="straightConnector1">
@@ -10432,10 +8900,10 @@
       </p:cxnSp>
       <p:sp>
         <p:nvSpPr>
-          <p:cNvPr id="272" name="TextBox 271">
-            <a:extLst>
-              <a:ext uri="{FF2B5EF4-FFF2-40B4-BE49-F238E27FC236}">
-                <a16:creationId xmlns:a16="http://schemas.microsoft.com/office/drawing/2014/main" id="{242430CF-BB88-3CB7-0605-6CD2F9111DE5}"/>
+          <p:cNvPr id="137" name="TextBox 136">
+            <a:extLst>
+              <a:ext uri="{FF2B5EF4-FFF2-40B4-BE49-F238E27FC236}">
+                <a16:creationId xmlns:a16="http://schemas.microsoft.com/office/drawing/2014/main" id="{B78E01A9-F978-672E-F753-1E1DF6E5C404}"/>
               </a:ext>
             </a:extLst>
           </p:cNvPr>
@@ -10444,7 +8912,7 @@
         </p:nvSpPr>
         <p:spPr>
           <a:xfrm>
-            <a:off x="5398857" y="5332152"/>
+            <a:off x="6895720" y="5161533"/>
             <a:ext cx="914033" cy="400110"/>
           </a:xfrm>
           <a:prstGeom prst="rect">
@@ -10496,10 +8964,10 @@
       </p:sp>
       <p:sp>
         <p:nvSpPr>
-          <p:cNvPr id="284" name="TextBox 283">
-            <a:extLst>
-              <a:ext uri="{FF2B5EF4-FFF2-40B4-BE49-F238E27FC236}">
-                <a16:creationId xmlns:a16="http://schemas.microsoft.com/office/drawing/2014/main" id="{F7F129EB-F4D3-B3F6-061C-D29C64F955A5}"/>
+          <p:cNvPr id="138" name="TextBox 137">
+            <a:extLst>
+              <a:ext uri="{FF2B5EF4-FFF2-40B4-BE49-F238E27FC236}">
+                <a16:creationId xmlns:a16="http://schemas.microsoft.com/office/drawing/2014/main" id="{E84CF937-A88E-1695-779D-2BE24A22CD3B}"/>
               </a:ext>
             </a:extLst>
           </p:cNvPr>
@@ -10508,7 +8976,7 @@
         </p:nvSpPr>
         <p:spPr>
           <a:xfrm>
-            <a:off x="4334379" y="6423117"/>
+            <a:off x="5827180" y="6330826"/>
             <a:ext cx="879943" cy="245909"/>
           </a:xfrm>
           <a:prstGeom prst="rect">
@@ -10551,10 +9019,10 @@
       </p:sp>
       <p:sp>
         <p:nvSpPr>
-          <p:cNvPr id="285" name="TextBox 284">
-            <a:extLst>
-              <a:ext uri="{FF2B5EF4-FFF2-40B4-BE49-F238E27FC236}">
-                <a16:creationId xmlns:a16="http://schemas.microsoft.com/office/drawing/2014/main" id="{6D31A69D-BB73-EF99-4C09-FE8631F3CBE2}"/>
+          <p:cNvPr id="139" name="TextBox 138">
+            <a:extLst>
+              <a:ext uri="{FF2B5EF4-FFF2-40B4-BE49-F238E27FC236}">
+                <a16:creationId xmlns:a16="http://schemas.microsoft.com/office/drawing/2014/main" id="{978E7906-9A95-E86B-A4F9-26B58FF0DBAC}"/>
               </a:ext>
             </a:extLst>
           </p:cNvPr>
@@ -10563,7 +9031,7 @@
         </p:nvSpPr>
         <p:spPr>
           <a:xfrm>
-            <a:off x="4334379" y="6128783"/>
+            <a:off x="5760433" y="5973165"/>
             <a:ext cx="1099981" cy="246221"/>
           </a:xfrm>
           <a:prstGeom prst="rect">
@@ -10605,22 +9073,23 @@
       </p:sp>
       <p:cxnSp>
         <p:nvCxnSpPr>
-          <p:cNvPr id="286" name="Straight Arrow Connector 285">
-            <a:extLst>
-              <a:ext uri="{FF2B5EF4-FFF2-40B4-BE49-F238E27FC236}">
-                <a16:creationId xmlns:a16="http://schemas.microsoft.com/office/drawing/2014/main" id="{ACEFA1C4-E474-3DFC-3EAF-73F385BBAF75}"/>
+          <p:cNvPr id="140" name="Straight Arrow Connector 139">
+            <a:extLst>
+              <a:ext uri="{FF2B5EF4-FFF2-40B4-BE49-F238E27FC236}">
+                <a16:creationId xmlns:a16="http://schemas.microsoft.com/office/drawing/2014/main" id="{B2CDB0ED-1C1C-B6E6-B76E-704DBA3D63BE}"/>
               </a:ext>
             </a:extLst>
           </p:cNvPr>
           <p:cNvCxnSpPr>
             <a:cxnSpLocks/>
+            <a:endCxn id="138" idx="0"/>
           </p:cNvCxnSpPr>
           <p:nvPr/>
         </p:nvCxnSpPr>
         <p:spPr>
           <a:xfrm flipH="1">
-            <a:off x="4895534" y="6139434"/>
-            <a:ext cx="429604" cy="283683"/>
+            <a:off x="6267152" y="5968815"/>
+            <a:ext cx="554849" cy="362011"/>
           </a:xfrm>
           <a:prstGeom prst="straightConnector1">
             <a:avLst/>
@@ -10646,10 +9115,10 @@
       </p:cxnSp>
       <p:pic>
         <p:nvPicPr>
-          <p:cNvPr id="288" name="Picture 287">
-            <a:extLst>
-              <a:ext uri="{FF2B5EF4-FFF2-40B4-BE49-F238E27FC236}">
-                <a16:creationId xmlns:a16="http://schemas.microsoft.com/office/drawing/2014/main" id="{D81E750A-B92D-F85E-ED11-0F68E7C7F5C5}"/>
+          <p:cNvPr id="141" name="Picture 140">
+            <a:extLst>
+              <a:ext uri="{FF2B5EF4-FFF2-40B4-BE49-F238E27FC236}">
+                <a16:creationId xmlns:a16="http://schemas.microsoft.com/office/drawing/2014/main" id="{3B03F410-506A-3929-4B81-52CA02BA4BAF}"/>
               </a:ext>
             </a:extLst>
           </p:cNvPr>
@@ -10666,7 +9135,7 @@
         </p:blipFill>
         <p:spPr>
           <a:xfrm>
-            <a:off x="5410566" y="6130173"/>
+            <a:off x="6855215" y="6033152"/>
             <a:ext cx="1532245" cy="207114"/>
           </a:xfrm>
           <a:prstGeom prst="rect">
@@ -10676,10 +9145,10 @@
       </p:pic>
       <p:sp>
         <p:nvSpPr>
-          <p:cNvPr id="8" name="TextBox 7">
-            <a:extLst>
-              <a:ext uri="{FF2B5EF4-FFF2-40B4-BE49-F238E27FC236}">
-                <a16:creationId xmlns:a16="http://schemas.microsoft.com/office/drawing/2014/main" id="{BE15EB66-28C2-9A81-08EF-725A3806450C}"/>
+          <p:cNvPr id="142" name="TextBox 141">
+            <a:extLst>
+              <a:ext uri="{FF2B5EF4-FFF2-40B4-BE49-F238E27FC236}">
+                <a16:creationId xmlns:a16="http://schemas.microsoft.com/office/drawing/2014/main" id="{2D959C25-C7B5-862B-7A90-D1121360D8EE}"/>
               </a:ext>
             </a:extLst>
           </p:cNvPr>
@@ -10688,8 +9157,8 @@
         </p:nvSpPr>
         <p:spPr>
           <a:xfrm>
-            <a:off x="7750997" y="4303428"/>
-            <a:ext cx="2915436" cy="1017064"/>
+            <a:off x="228075" y="4291801"/>
+            <a:ext cx="2570376" cy="1017064"/>
           </a:xfrm>
           <a:prstGeom prst="rect">
             <a:avLst/>
@@ -10731,10 +9200,10 @@
       </p:sp>
       <p:sp>
         <p:nvSpPr>
-          <p:cNvPr id="10" name="TextBox 9">
-            <a:extLst>
-              <a:ext uri="{FF2B5EF4-FFF2-40B4-BE49-F238E27FC236}">
-                <a16:creationId xmlns:a16="http://schemas.microsoft.com/office/drawing/2014/main" id="{17244296-13FF-E55F-B97B-A843013D6EE2}"/>
+          <p:cNvPr id="143" name="TextBox 142">
+            <a:extLst>
+              <a:ext uri="{FF2B5EF4-FFF2-40B4-BE49-F238E27FC236}">
+                <a16:creationId xmlns:a16="http://schemas.microsoft.com/office/drawing/2014/main" id="{788FC03D-0172-A91D-C4F2-D7FA8AB2F2C8}"/>
               </a:ext>
             </a:extLst>
           </p:cNvPr>
@@ -10743,7 +9212,7 @@
         </p:nvSpPr>
         <p:spPr>
           <a:xfrm>
-            <a:off x="8672042" y="5743129"/>
+            <a:off x="993975" y="5731502"/>
             <a:ext cx="1532245" cy="351385"/>
           </a:xfrm>
           <a:prstGeom prst="rect">
@@ -10786,10 +9255,10 @@
       </p:sp>
       <p:sp>
         <p:nvSpPr>
-          <p:cNvPr id="11" name="TextBox 10">
-            <a:extLst>
-              <a:ext uri="{FF2B5EF4-FFF2-40B4-BE49-F238E27FC236}">
-                <a16:creationId xmlns:a16="http://schemas.microsoft.com/office/drawing/2014/main" id="{A406F8F9-ECF1-87E6-F3B5-076009E7F380}"/>
+          <p:cNvPr id="144" name="TextBox 143">
+            <a:extLst>
+              <a:ext uri="{FF2B5EF4-FFF2-40B4-BE49-F238E27FC236}">
+                <a16:creationId xmlns:a16="http://schemas.microsoft.com/office/drawing/2014/main" id="{FE403718-FE84-8349-9BF4-BD451F294DF1}"/>
               </a:ext>
             </a:extLst>
           </p:cNvPr>
@@ -10798,7 +9267,7 @@
         </p:nvSpPr>
         <p:spPr>
           <a:xfrm>
-            <a:off x="8379348" y="3979457"/>
+            <a:off x="701281" y="3967830"/>
             <a:ext cx="1478290" cy="246221"/>
           </a:xfrm>
           <a:prstGeom prst="rect">
@@ -10832,10 +9301,10 @@
       </p:sp>
       <p:sp>
         <p:nvSpPr>
-          <p:cNvPr id="13" name="TextBox 12">
-            <a:extLst>
-              <a:ext uri="{FF2B5EF4-FFF2-40B4-BE49-F238E27FC236}">
-                <a16:creationId xmlns:a16="http://schemas.microsoft.com/office/drawing/2014/main" id="{534103C7-C6AE-C0BF-D060-B3837A70CED0}"/>
+          <p:cNvPr id="145" name="TextBox 144">
+            <a:extLst>
+              <a:ext uri="{FF2B5EF4-FFF2-40B4-BE49-F238E27FC236}">
+                <a16:creationId xmlns:a16="http://schemas.microsoft.com/office/drawing/2014/main" id="{A887C40D-996E-7D7C-311C-789630EA6BA7}"/>
               </a:ext>
             </a:extLst>
           </p:cNvPr>
@@ -10844,8 +9313,8 @@
         </p:nvSpPr>
         <p:spPr>
           <a:xfrm>
-            <a:off x="9108399" y="4828616"/>
-            <a:ext cx="1250560" cy="400110"/>
+            <a:off x="1430332" y="4816989"/>
+            <a:ext cx="1208463" cy="400110"/>
           </a:xfrm>
           <a:prstGeom prst="rect">
             <a:avLst/>
@@ -10883,24 +9352,24 @@
       </p:sp>
       <p:cxnSp>
         <p:nvCxnSpPr>
-          <p:cNvPr id="14" name="Straight Arrow Connector 13">
-            <a:extLst>
-              <a:ext uri="{FF2B5EF4-FFF2-40B4-BE49-F238E27FC236}">
-                <a16:creationId xmlns:a16="http://schemas.microsoft.com/office/drawing/2014/main" id="{F5A7FB24-7E17-813F-CE57-ACA4666F8DF7}"/>
+          <p:cNvPr id="146" name="Straight Arrow Connector 145">
+            <a:extLst>
+              <a:ext uri="{FF2B5EF4-FFF2-40B4-BE49-F238E27FC236}">
+                <a16:creationId xmlns:a16="http://schemas.microsoft.com/office/drawing/2014/main" id="{168A5C81-5E06-82DE-9B5A-050657D74365}"/>
               </a:ext>
             </a:extLst>
           </p:cNvPr>
           <p:cNvCxnSpPr>
             <a:cxnSpLocks/>
-            <a:stCxn id="15" idx="3"/>
-            <a:endCxn id="13" idx="1"/>
+            <a:stCxn id="147" idx="3"/>
+            <a:endCxn id="145" idx="1"/>
           </p:cNvCxnSpPr>
           <p:nvPr/>
         </p:nvCxnSpPr>
         <p:spPr>
           <a:xfrm>
-            <a:off x="8927575" y="4786402"/>
-            <a:ext cx="180824" cy="242269"/>
+            <a:off x="1358280" y="4776112"/>
+            <a:ext cx="72052" cy="240932"/>
           </a:xfrm>
           <a:prstGeom prst="straightConnector1">
             <a:avLst/>
@@ -10926,10 +9395,10 @@
       </p:cxnSp>
       <p:sp>
         <p:nvSpPr>
-          <p:cNvPr id="15" name="TextBox 14">
-            <a:extLst>
-              <a:ext uri="{FF2B5EF4-FFF2-40B4-BE49-F238E27FC236}">
-                <a16:creationId xmlns:a16="http://schemas.microsoft.com/office/drawing/2014/main" id="{B965992D-EEE8-D0F4-167F-693C2DC9980A}"/>
+          <p:cNvPr id="147" name="TextBox 146">
+            <a:extLst>
+              <a:ext uri="{FF2B5EF4-FFF2-40B4-BE49-F238E27FC236}">
+                <a16:creationId xmlns:a16="http://schemas.microsoft.com/office/drawing/2014/main" id="{155CF050-82D4-40BD-8DC9-402C518BD4F8}"/>
               </a:ext>
             </a:extLst>
           </p:cNvPr>
@@ -10938,8 +9407,8 @@
         </p:nvSpPr>
         <p:spPr>
           <a:xfrm>
-            <a:off x="7906142" y="4663291"/>
-            <a:ext cx="1021433" cy="246221"/>
+            <a:off x="300128" y="4653001"/>
+            <a:ext cx="1058152" cy="246221"/>
           </a:xfrm>
           <a:prstGeom prst="rect">
             <a:avLst/>
@@ -10954,7 +9423,7 @@
           </a:ln>
         </p:spPr>
         <p:txBody>
-          <a:bodyPr wrap="none" rtlCol="0">
+          <a:bodyPr wrap="square" rtlCol="0">
             <a:spAutoFit/>
           </a:bodyPr>
           <a:lstStyle/>
@@ -10968,24 +9437,24 @@
       </p:sp>
       <p:cxnSp>
         <p:nvCxnSpPr>
-          <p:cNvPr id="16" name="Straight Arrow Connector 15">
-            <a:extLst>
-              <a:ext uri="{FF2B5EF4-FFF2-40B4-BE49-F238E27FC236}">
-                <a16:creationId xmlns:a16="http://schemas.microsoft.com/office/drawing/2014/main" id="{E8C38CC6-92F0-4998-2362-3B0E2FB3A0C7}"/>
+          <p:cNvPr id="148" name="Straight Arrow Connector 147">
+            <a:extLst>
+              <a:ext uri="{FF2B5EF4-FFF2-40B4-BE49-F238E27FC236}">
+                <a16:creationId xmlns:a16="http://schemas.microsoft.com/office/drawing/2014/main" id="{4A629DAD-E3E6-8806-38D9-4945EC7CC351}"/>
               </a:ext>
             </a:extLst>
           </p:cNvPr>
           <p:cNvCxnSpPr>
             <a:cxnSpLocks/>
-            <a:stCxn id="13" idx="2"/>
-            <a:endCxn id="10" idx="0"/>
+            <a:stCxn id="145" idx="2"/>
+            <a:endCxn id="143" idx="0"/>
           </p:cNvCxnSpPr>
           <p:nvPr/>
         </p:nvCxnSpPr>
         <p:spPr>
           <a:xfrm flipH="1">
-            <a:off x="9438165" y="5228726"/>
-            <a:ext cx="295514" cy="514403"/>
+            <a:off x="1760098" y="5217099"/>
+            <a:ext cx="274466" cy="514403"/>
           </a:xfrm>
           <a:prstGeom prst="straightConnector1">
             <a:avLst/>
@@ -11011,10 +9480,10 @@
       </p:cxnSp>
       <p:sp>
         <p:nvSpPr>
-          <p:cNvPr id="17" name="TextBox 16">
-            <a:extLst>
-              <a:ext uri="{FF2B5EF4-FFF2-40B4-BE49-F238E27FC236}">
-                <a16:creationId xmlns:a16="http://schemas.microsoft.com/office/drawing/2014/main" id="{57483D92-5E2F-53E3-7AF8-B4E1D91A9ABF}"/>
+          <p:cNvPr id="149" name="TextBox 148">
+            <a:extLst>
+              <a:ext uri="{FF2B5EF4-FFF2-40B4-BE49-F238E27FC236}">
+                <a16:creationId xmlns:a16="http://schemas.microsoft.com/office/drawing/2014/main" id="{7F66B35E-1591-F8D0-8316-707715CCCBB9}"/>
               </a:ext>
             </a:extLst>
           </p:cNvPr>
@@ -11023,7 +9492,7 @@
         </p:nvSpPr>
         <p:spPr>
           <a:xfrm>
-            <a:off x="9079807" y="5332152"/>
+            <a:off x="1401740" y="5320525"/>
             <a:ext cx="1720343" cy="246221"/>
           </a:xfrm>
           <a:prstGeom prst="rect">
@@ -11070,10 +9539,10 @@
       </p:sp>
       <p:sp>
         <p:nvSpPr>
-          <p:cNvPr id="18" name="TextBox 17">
-            <a:extLst>
-              <a:ext uri="{FF2B5EF4-FFF2-40B4-BE49-F238E27FC236}">
-                <a16:creationId xmlns:a16="http://schemas.microsoft.com/office/drawing/2014/main" id="{2203166F-BD28-6254-53C7-FBA0E9237946}"/>
+          <p:cNvPr id="150" name="TextBox 149">
+            <a:extLst>
+              <a:ext uri="{FF2B5EF4-FFF2-40B4-BE49-F238E27FC236}">
+                <a16:creationId xmlns:a16="http://schemas.microsoft.com/office/drawing/2014/main" id="{EADFE97E-8C97-0C44-148D-88CFD2001F80}"/>
               </a:ext>
             </a:extLst>
           </p:cNvPr>
@@ -11082,7 +9551,7 @@
         </p:nvSpPr>
         <p:spPr>
           <a:xfrm>
-            <a:off x="8015329" y="6423117"/>
+            <a:off x="337262" y="6411490"/>
             <a:ext cx="879943" cy="245909"/>
           </a:xfrm>
           <a:prstGeom prst="rect">
@@ -11125,10 +9594,10 @@
       </p:sp>
       <p:sp>
         <p:nvSpPr>
-          <p:cNvPr id="19" name="TextBox 18">
-            <a:extLst>
-              <a:ext uri="{FF2B5EF4-FFF2-40B4-BE49-F238E27FC236}">
-                <a16:creationId xmlns:a16="http://schemas.microsoft.com/office/drawing/2014/main" id="{103717A6-A303-A0DB-5EBD-88BC8690DA87}"/>
+          <p:cNvPr id="151" name="TextBox 150">
+            <a:extLst>
+              <a:ext uri="{FF2B5EF4-FFF2-40B4-BE49-F238E27FC236}">
+                <a16:creationId xmlns:a16="http://schemas.microsoft.com/office/drawing/2014/main" id="{B4878D3A-9DE8-365C-29E2-2667D64597E0}"/>
               </a:ext>
             </a:extLst>
           </p:cNvPr>
@@ -11137,7 +9606,7 @@
         </p:nvSpPr>
         <p:spPr>
           <a:xfrm>
-            <a:off x="8015329" y="6128783"/>
+            <a:off x="337262" y="6117156"/>
             <a:ext cx="1394934" cy="246221"/>
           </a:xfrm>
           <a:prstGeom prst="rect">
@@ -11179,10 +9648,10 @@
       </p:sp>
       <p:cxnSp>
         <p:nvCxnSpPr>
-          <p:cNvPr id="20" name="Straight Arrow Connector 19">
-            <a:extLst>
-              <a:ext uri="{FF2B5EF4-FFF2-40B4-BE49-F238E27FC236}">
-                <a16:creationId xmlns:a16="http://schemas.microsoft.com/office/drawing/2014/main" id="{DF8C5178-9FF1-48CB-F04B-577BE4E394C2}"/>
+          <p:cNvPr id="152" name="Straight Arrow Connector 151">
+            <a:extLst>
+              <a:ext uri="{FF2B5EF4-FFF2-40B4-BE49-F238E27FC236}">
+                <a16:creationId xmlns:a16="http://schemas.microsoft.com/office/drawing/2014/main" id="{F02D9CB5-5807-0365-EC43-AE1860E248AA}"/>
               </a:ext>
             </a:extLst>
           </p:cNvPr>
@@ -11193,7 +9662,7 @@
         </p:nvCxnSpPr>
         <p:spPr>
           <a:xfrm flipH="1">
-            <a:off x="8576484" y="6139434"/>
+            <a:off x="898417" y="6127807"/>
             <a:ext cx="429604" cy="283683"/>
           </a:xfrm>
           <a:prstGeom prst="straightConnector1">
@@ -11220,24 +9689,23 @@
       </p:cxnSp>
       <p:cxnSp>
         <p:nvCxnSpPr>
-          <p:cNvPr id="22" name="Straight Arrow Connector 21">
-            <a:extLst>
-              <a:ext uri="{FF2B5EF4-FFF2-40B4-BE49-F238E27FC236}">
-                <a16:creationId xmlns:a16="http://schemas.microsoft.com/office/drawing/2014/main" id="{523FE1D0-750D-5D22-D16E-FE043A5AC0D8}"/>
+          <p:cNvPr id="153" name="Straight Arrow Connector 152">
+            <a:extLst>
+              <a:ext uri="{FF2B5EF4-FFF2-40B4-BE49-F238E27FC236}">
+                <a16:creationId xmlns:a16="http://schemas.microsoft.com/office/drawing/2014/main" id="{263F92C5-4062-A35D-C6E5-FC125518BE71}"/>
               </a:ext>
             </a:extLst>
           </p:cNvPr>
           <p:cNvCxnSpPr>
             <a:cxnSpLocks/>
-            <a:stCxn id="179" idx="3"/>
-            <a:endCxn id="8" idx="0"/>
+            <a:endCxn id="142" idx="0"/>
           </p:cNvCxnSpPr>
           <p:nvPr/>
         </p:nvCxnSpPr>
         <p:spPr>
-          <a:xfrm>
-            <a:off x="5094417" y="3520718"/>
-            <a:ext cx="4114298" cy="782710"/>
+          <a:xfrm flipH="1">
+            <a:off x="1513263" y="3621896"/>
+            <a:ext cx="3258738" cy="669905"/>
           </a:xfrm>
           <a:prstGeom prst="straightConnector1">
             <a:avLst/>
@@ -11263,10 +9731,10 @@
       </p:cxnSp>
       <p:sp>
         <p:nvSpPr>
-          <p:cNvPr id="2" name="TextBox 1">
-            <a:extLst>
-              <a:ext uri="{FF2B5EF4-FFF2-40B4-BE49-F238E27FC236}">
-                <a16:creationId xmlns:a16="http://schemas.microsoft.com/office/drawing/2014/main" id="{FD48F9DD-9BFD-C9E6-CC59-390A9794ED81}"/>
+          <p:cNvPr id="155" name="TextBox 154">
+            <a:extLst>
+              <a:ext uri="{FF2B5EF4-FFF2-40B4-BE49-F238E27FC236}">
+                <a16:creationId xmlns:a16="http://schemas.microsoft.com/office/drawing/2014/main" id="{7C94736B-86D4-528A-185C-F4EBD2F73D9F}"/>
               </a:ext>
             </a:extLst>
           </p:cNvPr>
@@ -11275,428 +9743,8 @@
         </p:nvSpPr>
         <p:spPr>
           <a:xfrm>
-            <a:off x="5855873" y="218688"/>
-            <a:ext cx="1616148" cy="369332"/>
-          </a:xfrm>
-          <a:prstGeom prst="rect">
-            <a:avLst/>
-          </a:prstGeom>
-          <a:noFill/>
-        </p:spPr>
-        <p:txBody>
-          <a:bodyPr wrap="none" rtlCol="0">
-            <a:spAutoFit/>
-          </a:bodyPr>
-          <a:lstStyle/>
-          <a:p>
-            <a:r>
-              <a:rPr lang="en-NL" dirty="0"/>
-              <a:t>Expenses Chart</a:t>
-            </a:r>
-          </a:p>
-        </p:txBody>
-      </p:sp>
-    </p:spTree>
-    <p:extLst>
-      <p:ext uri="{BB962C8B-B14F-4D97-AF65-F5344CB8AC3E}">
-        <p14:creationId xmlns:p14="http://schemas.microsoft.com/office/powerpoint/2010/main" val="56490279"/>
-      </p:ext>
-    </p:extLst>
-  </p:cSld>
-  <p:clrMapOvr>
-    <a:masterClrMapping/>
-  </p:clrMapOvr>
-</p:sld>
-</file>
-
-<file path=ppt/slides/slide3.xml><?xml version="1.0" encoding="utf-8"?>
-<p:sld xmlns:a="http://schemas.openxmlformats.org/drawingml/2006/main" xmlns:r="http://schemas.openxmlformats.org/officeDocument/2006/relationships" xmlns:p="http://schemas.openxmlformats.org/presentationml/2006/main">
-  <p:cSld>
-    <p:spTree>
-      <p:nvGrpSpPr>
-        <p:cNvPr id="1" name=""/>
-        <p:cNvGrpSpPr/>
-        <p:nvPr/>
-      </p:nvGrpSpPr>
-      <p:grpSpPr>
-        <a:xfrm>
-          <a:off x="0" y="0"/>
-          <a:ext cx="0" cy="0"/>
-          <a:chOff x="0" y="0"/>
-          <a:chExt cx="0" cy="0"/>
-        </a:xfrm>
-      </p:grpSpPr>
-      <p:sp>
-        <p:nvSpPr>
-          <p:cNvPr id="163" name="TextBox 162">
-            <a:extLst>
-              <a:ext uri="{FF2B5EF4-FFF2-40B4-BE49-F238E27FC236}">
-                <a16:creationId xmlns:a16="http://schemas.microsoft.com/office/drawing/2014/main" id="{7E493D69-8F81-DD87-28D2-F1808C80179E}"/>
-              </a:ext>
-            </a:extLst>
-          </p:cNvPr>
-          <p:cNvSpPr txBox="1"/>
-          <p:nvPr/>
-        </p:nvSpPr>
-        <p:spPr>
-          <a:xfrm>
-            <a:off x="8964295" y="22017"/>
-            <a:ext cx="3143471" cy="865908"/>
-          </a:xfrm>
-          <a:prstGeom prst="rect">
-            <a:avLst/>
-          </a:prstGeom>
-          <a:noFill/>
-          <a:ln>
-            <a:solidFill>
-              <a:schemeClr val="accent1"/>
-            </a:solidFill>
-            <a:prstDash val="dash"/>
-          </a:ln>
-        </p:spPr>
-        <p:txBody>
-          <a:bodyPr wrap="none" rtlCol="0">
-            <a:noAutofit/>
-          </a:bodyPr>
-          <a:lstStyle/>
-          <a:p>
-            <a:endParaRPr lang="en-NL" sz="1000" dirty="0"/>
-          </a:p>
-        </p:txBody>
-      </p:sp>
-      <p:sp>
-        <p:nvSpPr>
-          <p:cNvPr id="4" name="TextBox 3">
-            <a:extLst>
-              <a:ext uri="{FF2B5EF4-FFF2-40B4-BE49-F238E27FC236}">
-                <a16:creationId xmlns:a16="http://schemas.microsoft.com/office/drawing/2014/main" id="{CD3888E2-D390-1F9E-064A-709DAF1DE241}"/>
-              </a:ext>
-            </a:extLst>
-          </p:cNvPr>
-          <p:cNvSpPr txBox="1"/>
-          <p:nvPr/>
-        </p:nvSpPr>
-        <p:spPr>
-          <a:xfrm>
-            <a:off x="401000" y="188974"/>
-            <a:ext cx="3077737" cy="1397902"/>
-          </a:xfrm>
-          <a:prstGeom prst="rect">
-            <a:avLst/>
-          </a:prstGeom>
-          <a:solidFill>
-            <a:schemeClr val="bg1">
-              <a:lumMod val="85000"/>
-            </a:schemeClr>
-          </a:solidFill>
-          <a:ln>
-            <a:solidFill>
-              <a:schemeClr val="tx1"/>
-            </a:solidFill>
-          </a:ln>
-          <a:effectLst>
-            <a:outerShdw blurRad="50800" dist="38100" dir="2700000" algn="tl" rotWithShape="0">
-              <a:prstClr val="black">
-                <a:alpha val="40000"/>
-              </a:prstClr>
-            </a:outerShdw>
-          </a:effectLst>
-        </p:spPr>
-        <p:txBody>
-          <a:bodyPr wrap="none" rtlCol="0" anchor="t" anchorCtr="1">
-            <a:noAutofit/>
-          </a:bodyPr>
-          <a:lstStyle>
-            <a:defPPr>
-              <a:defRPr lang="en-NL"/>
-            </a:defPPr>
-          </a:lstStyle>
-          <a:p>
-            <a:r>
-              <a:rPr lang="en-NL" dirty="0"/>
-              <a:t>App</a:t>
-            </a:r>
-          </a:p>
-        </p:txBody>
-      </p:sp>
-      <p:sp>
-        <p:nvSpPr>
-          <p:cNvPr id="5" name="TextBox 4">
-            <a:extLst>
-              <a:ext uri="{FF2B5EF4-FFF2-40B4-BE49-F238E27FC236}">
-                <a16:creationId xmlns:a16="http://schemas.microsoft.com/office/drawing/2014/main" id="{1597EC4C-FCC6-710A-1BF8-C5B701EE7F90}"/>
-              </a:ext>
-            </a:extLst>
-          </p:cNvPr>
-          <p:cNvSpPr txBox="1"/>
-          <p:nvPr/>
-        </p:nvSpPr>
-        <p:spPr>
-          <a:xfrm>
-            <a:off x="1860088" y="4488107"/>
-            <a:ext cx="2246393" cy="1021637"/>
-          </a:xfrm>
-          <a:prstGeom prst="rect">
-            <a:avLst/>
-          </a:prstGeom>
-          <a:solidFill>
-            <a:schemeClr val="bg1">
-              <a:lumMod val="85000"/>
-            </a:schemeClr>
-          </a:solidFill>
-          <a:ln>
-            <a:solidFill>
-              <a:schemeClr val="tx1"/>
-            </a:solidFill>
-          </a:ln>
-          <a:effectLst>
-            <a:outerShdw blurRad="50800" dist="38100" dir="2700000" algn="tl" rotWithShape="0">
-              <a:prstClr val="black">
-                <a:alpha val="40000"/>
-              </a:prstClr>
-            </a:outerShdw>
-          </a:effectLst>
-        </p:spPr>
-        <p:txBody>
-          <a:bodyPr wrap="none" rtlCol="0" anchor="t" anchorCtr="1">
-            <a:noAutofit/>
-          </a:bodyPr>
-          <a:lstStyle>
-            <a:defPPr>
-              <a:defRPr lang="en-NL"/>
-            </a:defPPr>
-          </a:lstStyle>
-          <a:p>
-            <a:r>
-              <a:rPr lang="en-NL" dirty="0"/>
-              <a:t>ExpensesFilter</a:t>
-            </a:r>
-          </a:p>
-        </p:txBody>
-      </p:sp>
-      <p:sp>
-        <p:nvSpPr>
-          <p:cNvPr id="3" name="TextBox 2">
-            <a:extLst>
-              <a:ext uri="{FF2B5EF4-FFF2-40B4-BE49-F238E27FC236}">
-                <a16:creationId xmlns:a16="http://schemas.microsoft.com/office/drawing/2014/main" id="{27B20252-8D33-C91D-5BEC-E937009A05F1}"/>
-              </a:ext>
-            </a:extLst>
-          </p:cNvPr>
-          <p:cNvSpPr txBox="1"/>
-          <p:nvPr/>
-        </p:nvSpPr>
-        <p:spPr>
-          <a:xfrm>
-            <a:off x="2753490" y="1992036"/>
-            <a:ext cx="3161779" cy="1793257"/>
-          </a:xfrm>
-          <a:prstGeom prst="rect">
-            <a:avLst/>
-          </a:prstGeom>
-          <a:solidFill>
-            <a:schemeClr val="bg1">
-              <a:lumMod val="85000"/>
-            </a:schemeClr>
-          </a:solidFill>
-          <a:ln>
-            <a:solidFill>
-              <a:schemeClr val="tx1"/>
-            </a:solidFill>
-          </a:ln>
-          <a:effectLst>
-            <a:outerShdw blurRad="50800" dist="38100" dir="2700000" algn="tl" rotWithShape="0">
-              <a:prstClr val="black">
-                <a:alpha val="40000"/>
-              </a:prstClr>
-            </a:outerShdw>
-          </a:effectLst>
-        </p:spPr>
-        <p:txBody>
-          <a:bodyPr wrap="none" rtlCol="0" anchor="t" anchorCtr="1">
-            <a:noAutofit/>
-          </a:bodyPr>
-          <a:lstStyle>
-            <a:defPPr>
-              <a:defRPr lang="en-NL"/>
-            </a:defPPr>
-          </a:lstStyle>
-          <a:p>
-            <a:r>
-              <a:rPr lang="en-NL" dirty="0"/>
-              <a:t>Expenses</a:t>
-            </a:r>
-          </a:p>
-        </p:txBody>
-      </p:sp>
-      <p:sp>
-        <p:nvSpPr>
-          <p:cNvPr id="9" name="TextBox 8">
-            <a:extLst>
-              <a:ext uri="{FF2B5EF4-FFF2-40B4-BE49-F238E27FC236}">
-                <a16:creationId xmlns:a16="http://schemas.microsoft.com/office/drawing/2014/main" id="{193184D0-2F59-39A6-907F-6BEFE4A9C3D5}"/>
-              </a:ext>
-            </a:extLst>
-          </p:cNvPr>
-          <p:cNvSpPr txBox="1"/>
-          <p:nvPr/>
-        </p:nvSpPr>
-        <p:spPr>
-          <a:xfrm>
-            <a:off x="4747987" y="4315088"/>
-            <a:ext cx="2173736" cy="1017064"/>
-          </a:xfrm>
-          <a:prstGeom prst="rect">
-            <a:avLst/>
-          </a:prstGeom>
-          <a:solidFill>
-            <a:schemeClr val="bg1">
-              <a:lumMod val="85000"/>
-            </a:schemeClr>
-          </a:solidFill>
-          <a:ln>
-            <a:solidFill>
-              <a:schemeClr val="tx1"/>
-            </a:solidFill>
-          </a:ln>
-          <a:effectLst>
-            <a:outerShdw blurRad="50800" dist="38100" dir="2700000" algn="tl" rotWithShape="0">
-              <a:prstClr val="black">
-                <a:alpha val="40000"/>
-              </a:prstClr>
-            </a:outerShdw>
-          </a:effectLst>
-        </p:spPr>
-        <p:txBody>
-          <a:bodyPr wrap="none" rtlCol="0" anchor="t" anchorCtr="1">
-            <a:noAutofit/>
-          </a:bodyPr>
-          <a:lstStyle>
-            <a:defPPr>
-              <a:defRPr lang="en-NL"/>
-            </a:defPPr>
-          </a:lstStyle>
-          <a:p>
-            <a:r>
-              <a:rPr lang="en-NL" dirty="0"/>
-              <a:t>ExpensesList</a:t>
-            </a:r>
-          </a:p>
-        </p:txBody>
-      </p:sp>
-      <p:sp>
-        <p:nvSpPr>
-          <p:cNvPr id="12" name="TextBox 11">
-            <a:extLst>
-              <a:ext uri="{FF2B5EF4-FFF2-40B4-BE49-F238E27FC236}">
-                <a16:creationId xmlns:a16="http://schemas.microsoft.com/office/drawing/2014/main" id="{C761542B-4855-9ECA-B2CE-F2F5EF056D40}"/>
-              </a:ext>
-            </a:extLst>
-          </p:cNvPr>
-          <p:cNvSpPr txBox="1"/>
-          <p:nvPr/>
-        </p:nvSpPr>
-        <p:spPr>
-          <a:xfrm>
-            <a:off x="4991092" y="5743129"/>
-            <a:ext cx="1532245" cy="351385"/>
-          </a:xfrm>
-          <a:prstGeom prst="rect">
-            <a:avLst/>
-          </a:prstGeom>
-          <a:solidFill>
-            <a:schemeClr val="bg1">
-              <a:lumMod val="85000"/>
-            </a:schemeClr>
-          </a:solidFill>
-          <a:ln>
-            <a:solidFill>
-              <a:schemeClr val="tx1"/>
-            </a:solidFill>
-          </a:ln>
-          <a:effectLst>
-            <a:outerShdw blurRad="50800" dist="38100" dir="2700000" algn="tl" rotWithShape="0">
-              <a:prstClr val="black">
-                <a:alpha val="40000"/>
-              </a:prstClr>
-            </a:outerShdw>
-          </a:effectLst>
-        </p:spPr>
-        <p:txBody>
-          <a:bodyPr wrap="none" rtlCol="0" anchor="t" anchorCtr="1">
-            <a:noAutofit/>
-          </a:bodyPr>
-          <a:lstStyle>
-            <a:defPPr>
-              <a:defRPr lang="en-NL"/>
-            </a:defPPr>
-          </a:lstStyle>
-          <a:p>
-            <a:r>
-              <a:rPr lang="en-NL" dirty="0"/>
-              <a:t>ExpenseItem</a:t>
-            </a:r>
-          </a:p>
-        </p:txBody>
-      </p:sp>
-      <p:sp>
-        <p:nvSpPr>
-          <p:cNvPr id="23" name="TextBox 22">
-            <a:extLst>
-              <a:ext uri="{FF2B5EF4-FFF2-40B4-BE49-F238E27FC236}">
-                <a16:creationId xmlns:a16="http://schemas.microsoft.com/office/drawing/2014/main" id="{939A0BDF-2D68-CD17-5695-901B04DC10FC}"/>
-              </a:ext>
-            </a:extLst>
-          </p:cNvPr>
-          <p:cNvSpPr txBox="1"/>
-          <p:nvPr/>
-        </p:nvSpPr>
-        <p:spPr>
-          <a:xfrm>
-            <a:off x="600529" y="697984"/>
-            <a:ext cx="776175" cy="246221"/>
-          </a:xfrm>
-          <a:prstGeom prst="rect">
-            <a:avLst/>
-          </a:prstGeom>
-          <a:solidFill>
-            <a:schemeClr val="bg1"/>
-          </a:solidFill>
-          <a:ln>
-            <a:solidFill>
-              <a:schemeClr val="accent1"/>
-            </a:solidFill>
-          </a:ln>
-        </p:spPr>
-        <p:txBody>
-          <a:bodyPr wrap="none" rtlCol="0">
-            <a:spAutoFit/>
-          </a:bodyPr>
-          <a:lstStyle/>
-          <a:p>
-            <a:r>
-              <a:rPr lang="en-NL" sz="1000" dirty="0"/>
-              <a:t>expenses[]</a:t>
-            </a:r>
-          </a:p>
-        </p:txBody>
-      </p:sp>
-      <p:sp>
-        <p:nvSpPr>
-          <p:cNvPr id="25" name="TextBox 24">
-            <a:extLst>
-              <a:ext uri="{FF2B5EF4-FFF2-40B4-BE49-F238E27FC236}">
-                <a16:creationId xmlns:a16="http://schemas.microsoft.com/office/drawing/2014/main" id="{C424838C-EF9E-E2AD-4797-78EB33A78798}"/>
-              </a:ext>
-            </a:extLst>
-          </p:cNvPr>
-          <p:cNvSpPr txBox="1"/>
-          <p:nvPr/>
-        </p:nvSpPr>
-        <p:spPr>
-          <a:xfrm>
-            <a:off x="1860088" y="697984"/>
-            <a:ext cx="1253869" cy="246221"/>
+            <a:off x="1818845" y="697714"/>
+            <a:ext cx="1268296" cy="246221"/>
           </a:xfrm>
           <a:prstGeom prst="rect">
             <a:avLst/>
@@ -11721,17 +9769,17 @@
           <a:p>
             <a:r>
               <a:rPr lang="en-NL" sz="1000" dirty="0"/>
-              <a:t>addExpenseHandler </a:t>
-            </a:r>
-          </a:p>
-        </p:txBody>
-      </p:sp>
-      <p:sp>
-        <p:nvSpPr>
-          <p:cNvPr id="26" name="TextBox 25">
-            <a:extLst>
-              <a:ext uri="{FF2B5EF4-FFF2-40B4-BE49-F238E27FC236}">
-                <a16:creationId xmlns:a16="http://schemas.microsoft.com/office/drawing/2014/main" id="{E76A445B-AAF9-628E-C6CA-4186841E71EA}"/>
+              <a:t>expenseAddHandler </a:t>
+            </a:r>
+          </a:p>
+        </p:txBody>
+      </p:sp>
+      <p:sp>
+        <p:nvSpPr>
+          <p:cNvPr id="157" name="TextBox 156">
+            <a:extLst>
+              <a:ext uri="{FF2B5EF4-FFF2-40B4-BE49-F238E27FC236}">
+                <a16:creationId xmlns:a16="http://schemas.microsoft.com/office/drawing/2014/main" id="{8C4757DB-9DE8-DC80-8C4A-FBC0333ABD3B}"/>
               </a:ext>
             </a:extLst>
           </p:cNvPr>
@@ -11740,62 +9788,84 @@
         </p:nvSpPr>
         <p:spPr>
           <a:xfrm>
-            <a:off x="1836911" y="1229140"/>
-            <a:ext cx="561372" cy="246221"/>
+            <a:off x="317552" y="2157105"/>
+            <a:ext cx="1341281" cy="821690"/>
           </a:xfrm>
           <a:prstGeom prst="rect">
             <a:avLst/>
           </a:prstGeom>
           <a:solidFill>
-            <a:schemeClr val="accent5">
-              <a:lumMod val="20000"/>
-              <a:lumOff val="80000"/>
+            <a:schemeClr val="bg1">
+              <a:lumMod val="95000"/>
             </a:schemeClr>
           </a:solidFill>
-          <a:ln cap="sq">
+          <a:ln>
             <a:solidFill>
-              <a:schemeClr val="accent6"/>
+              <a:schemeClr val="tx1"/>
             </a:solidFill>
           </a:ln>
-        </p:spPr>
-        <p:txBody>
-          <a:bodyPr wrap="none" rtlCol="0">
-            <a:spAutoFit/>
+          <a:effectLst>
+            <a:outerShdw blurRad="50800" dist="38100" dir="2700000" algn="tl" rotWithShape="0">
+              <a:prstClr val="black">
+                <a:alpha val="40000"/>
+              </a:prstClr>
+            </a:outerShdw>
+          </a:effectLst>
+        </p:spPr>
+        <p:txBody>
+          <a:bodyPr wrap="none" rtlCol="0" anchor="t" anchorCtr="1">
+            <a:noAutofit/>
           </a:bodyPr>
-          <a:lstStyle/>
+          <a:lstStyle>
+            <a:defPPr>
+              <a:defRPr lang="en-NL"/>
+            </a:defPPr>
+          </a:lstStyle>
+          <a:p>
+            <a:r>
+              <a:rPr lang="en-NL" sz="1200" dirty="0"/>
+              <a:t>NewExpense</a:t>
+            </a:r>
+          </a:p>
           <a:p>
             <a:r>
               <a:rPr lang="en-NL" sz="1000" dirty="0"/>
-              <a:t>Render</a:t>
+              <a:t>(see previous slide)</a:t>
             </a:r>
           </a:p>
         </p:txBody>
       </p:sp>
       <p:cxnSp>
         <p:nvCxnSpPr>
-          <p:cNvPr id="30" name="Straight Arrow Connector 29">
-            <a:extLst>
-              <a:ext uri="{FF2B5EF4-FFF2-40B4-BE49-F238E27FC236}">
-                <a16:creationId xmlns:a16="http://schemas.microsoft.com/office/drawing/2014/main" id="{2D249288-63F5-2487-1CCC-F769F2FF5788}"/>
+          <p:cNvPr id="158" name="Elbow Connector 157">
+            <a:extLst>
+              <a:ext uri="{FF2B5EF4-FFF2-40B4-BE49-F238E27FC236}">
+                <a16:creationId xmlns:a16="http://schemas.microsoft.com/office/drawing/2014/main" id="{B6525F06-B267-143D-58C6-1BAA2AC4AA08}"/>
               </a:ext>
             </a:extLst>
           </p:cNvPr>
           <p:cNvCxnSpPr>
             <a:cxnSpLocks/>
-            <a:stCxn id="26" idx="3"/>
-            <a:endCxn id="3" idx="0"/>
+            <a:stCxn id="157" idx="1"/>
+            <a:endCxn id="155" idx="0"/>
           </p:cNvCxnSpPr>
           <p:nvPr/>
         </p:nvCxnSpPr>
         <p:spPr>
-          <a:xfrm>
-            <a:off x="2398283" y="1352251"/>
-            <a:ext cx="1936097" cy="639785"/>
-          </a:xfrm>
-          <a:prstGeom prst="straightConnector1">
-            <a:avLst/>
+          <a:xfrm rot="10800000" flipH="1">
+            <a:off x="317551" y="697714"/>
+            <a:ext cx="2135441" cy="1870236"/>
+          </a:xfrm>
+          <a:prstGeom prst="bentConnector4">
+            <a:avLst>
+              <a:gd name="adj1" fmla="val -10705"/>
+              <a:gd name="adj2" fmla="val 112223"/>
+            </a:avLst>
           </a:prstGeom>
           <a:ln>
+            <a:solidFill>
+              <a:srgbClr val="7030A0"/>
+            </a:solidFill>
             <a:tailEnd type="triangle"/>
           </a:ln>
         </p:spPr>
@@ -11814,162 +9884,31 @@
           </a:fontRef>
         </p:style>
       </p:cxnSp>
-      <p:sp>
-        <p:nvSpPr>
-          <p:cNvPr id="32" name="TextBox 31">
-            <a:extLst>
-              <a:ext uri="{FF2B5EF4-FFF2-40B4-BE49-F238E27FC236}">
-                <a16:creationId xmlns:a16="http://schemas.microsoft.com/office/drawing/2014/main" id="{B2D0C2DA-CA9D-7B58-C267-CFA0A0424184}"/>
-              </a:ext>
-            </a:extLst>
-          </p:cNvPr>
-          <p:cNvSpPr txBox="1"/>
-          <p:nvPr/>
-        </p:nvSpPr>
-        <p:spPr>
-          <a:xfrm>
-            <a:off x="10476518" y="180675"/>
-            <a:ext cx="835485" cy="246221"/>
-          </a:xfrm>
-          <a:prstGeom prst="rect">
-            <a:avLst/>
-          </a:prstGeom>
-          <a:noFill/>
-          <a:ln>
-            <a:solidFill>
-              <a:schemeClr val="accent1"/>
-            </a:solidFill>
-          </a:ln>
-        </p:spPr>
-        <p:txBody>
-          <a:bodyPr wrap="none" rtlCol="0">
-            <a:spAutoFit/>
-          </a:bodyPr>
-          <a:lstStyle/>
-          <a:p>
-            <a:r>
-              <a:rPr lang="en-NL" sz="1000" dirty="0"/>
-              <a:t>Data / State </a:t>
-            </a:r>
-          </a:p>
-        </p:txBody>
-      </p:sp>
-      <p:sp>
-        <p:nvSpPr>
-          <p:cNvPr id="33" name="TextBox 32">
-            <a:extLst>
-              <a:ext uri="{FF2B5EF4-FFF2-40B4-BE49-F238E27FC236}">
-                <a16:creationId xmlns:a16="http://schemas.microsoft.com/office/drawing/2014/main" id="{BCD249CF-2CEC-FD28-55B8-0DD949D1A386}"/>
-              </a:ext>
-            </a:extLst>
-          </p:cNvPr>
-          <p:cNvSpPr txBox="1"/>
-          <p:nvPr/>
-        </p:nvSpPr>
-        <p:spPr>
-          <a:xfrm>
-            <a:off x="11410764" y="180675"/>
-            <a:ext cx="598241" cy="246221"/>
-          </a:xfrm>
-          <a:prstGeom prst="rect">
-            <a:avLst/>
-          </a:prstGeom>
-          <a:solidFill>
-            <a:schemeClr val="accent6">
-              <a:lumMod val="20000"/>
-              <a:lumOff val="80000"/>
-            </a:schemeClr>
-          </a:solidFill>
-          <a:ln cap="sq">
-            <a:solidFill>
-              <a:schemeClr val="accent6"/>
-            </a:solidFill>
-          </a:ln>
-        </p:spPr>
-        <p:txBody>
-          <a:bodyPr wrap="none" rtlCol="0">
-            <a:spAutoFit/>
-          </a:bodyPr>
-          <a:lstStyle/>
-          <a:p>
-            <a:r>
-              <a:rPr lang="en-NL" sz="1000" dirty="0"/>
-              <a:t>Handler</a:t>
-            </a:r>
-          </a:p>
-        </p:txBody>
-      </p:sp>
-      <p:sp>
-        <p:nvSpPr>
-          <p:cNvPr id="34" name="TextBox 33">
-            <a:extLst>
-              <a:ext uri="{FF2B5EF4-FFF2-40B4-BE49-F238E27FC236}">
-                <a16:creationId xmlns:a16="http://schemas.microsoft.com/office/drawing/2014/main" id="{15DE2C8E-ADB4-11D5-03F3-CF6EC7AECE54}"/>
-              </a:ext>
-            </a:extLst>
-          </p:cNvPr>
-          <p:cNvSpPr txBox="1"/>
-          <p:nvPr/>
-        </p:nvSpPr>
-        <p:spPr>
-          <a:xfrm>
-            <a:off x="11450614" y="503657"/>
-            <a:ext cx="561372" cy="246221"/>
-          </a:xfrm>
-          <a:prstGeom prst="rect">
-            <a:avLst/>
-          </a:prstGeom>
-          <a:solidFill>
-            <a:schemeClr val="accent5">
-              <a:lumMod val="20000"/>
-              <a:lumOff val="80000"/>
-            </a:schemeClr>
-          </a:solidFill>
-          <a:ln cap="sq">
-            <a:solidFill>
-              <a:schemeClr val="accent6"/>
-            </a:solidFill>
-          </a:ln>
-        </p:spPr>
-        <p:txBody>
-          <a:bodyPr wrap="none" rtlCol="0">
-            <a:spAutoFit/>
-          </a:bodyPr>
-          <a:lstStyle/>
-          <a:p>
-            <a:r>
-              <a:rPr lang="en-NL" sz="1000" dirty="0"/>
-              <a:t>Render</a:t>
-            </a:r>
-          </a:p>
-        </p:txBody>
-      </p:sp>
       <p:cxnSp>
         <p:nvCxnSpPr>
-          <p:cNvPr id="36" name="Straight Arrow Connector 35">
-            <a:extLst>
-              <a:ext uri="{FF2B5EF4-FFF2-40B4-BE49-F238E27FC236}">
-                <a16:creationId xmlns:a16="http://schemas.microsoft.com/office/drawing/2014/main" id="{AB6E7593-B494-17EC-F646-B9907B7BE28D}"/>
+          <p:cNvPr id="188" name="Straight Arrow Connector 187">
+            <a:extLst>
+              <a:ext uri="{FF2B5EF4-FFF2-40B4-BE49-F238E27FC236}">
+                <a16:creationId xmlns:a16="http://schemas.microsoft.com/office/drawing/2014/main" id="{80EE79D4-B430-E39C-2D42-ADE7874E20B7}"/>
               </a:ext>
             </a:extLst>
           </p:cNvPr>
           <p:cNvCxnSpPr>
             <a:cxnSpLocks/>
+            <a:stCxn id="17" idx="3"/>
+            <a:endCxn id="6" idx="0"/>
           </p:cNvCxnSpPr>
           <p:nvPr/>
         </p:nvCxnSpPr>
         <p:spPr>
-          <a:xfrm flipH="1">
-            <a:off x="1349965" y="751788"/>
-            <a:ext cx="510123" cy="1"/>
+          <a:xfrm>
+            <a:off x="2398283" y="1352251"/>
+            <a:ext cx="7479555" cy="440241"/>
           </a:xfrm>
           <a:prstGeom prst="straightConnector1">
             <a:avLst/>
           </a:prstGeom>
           <a:ln>
-            <a:solidFill>
-              <a:srgbClr val="7030A0"/>
-            </a:solidFill>
             <a:tailEnd type="triangle"/>
           </a:ln>
         </p:spPr>
@@ -11990,10 +9929,10 @@
       </p:cxnSp>
       <p:sp>
         <p:nvSpPr>
-          <p:cNvPr id="38" name="TextBox 37">
-            <a:extLst>
-              <a:ext uri="{FF2B5EF4-FFF2-40B4-BE49-F238E27FC236}">
-                <a16:creationId xmlns:a16="http://schemas.microsoft.com/office/drawing/2014/main" id="{F7EF3EA8-FA03-DB39-02EC-09C179EE93A3}"/>
+          <p:cNvPr id="190" name="TextBox 189">
+            <a:extLst>
+              <a:ext uri="{FF2B5EF4-FFF2-40B4-BE49-F238E27FC236}">
+                <a16:creationId xmlns:a16="http://schemas.microsoft.com/office/drawing/2014/main" id="{02C5624A-C445-CFD7-7D77-E74FA2759E58}"/>
               </a:ext>
             </a:extLst>
           </p:cNvPr>
@@ -12002,43 +9941,8 @@
         </p:nvSpPr>
         <p:spPr>
           <a:xfrm>
-            <a:off x="1389180" y="555111"/>
-            <a:ext cx="393056" cy="246221"/>
-          </a:xfrm>
-          <a:prstGeom prst="rect">
-            <a:avLst/>
-          </a:prstGeom>
-          <a:noFill/>
-        </p:spPr>
-        <p:txBody>
-          <a:bodyPr wrap="none" rtlCol="0">
-            <a:spAutoFit/>
-          </a:bodyPr>
-          <a:lstStyle/>
-          <a:p>
-            <a:r>
-              <a:rPr lang="en-NL" sz="1000" dirty="0"/>
-              <a:t>Add</a:t>
-            </a:r>
-          </a:p>
-        </p:txBody>
-      </p:sp>
-      <p:sp>
-        <p:nvSpPr>
-          <p:cNvPr id="41" name="TextBox 40">
-            <a:extLst>
-              <a:ext uri="{FF2B5EF4-FFF2-40B4-BE49-F238E27FC236}">
-                <a16:creationId xmlns:a16="http://schemas.microsoft.com/office/drawing/2014/main" id="{C4F3F189-71D0-0E55-4090-9BBFC8D44FE2}"/>
-              </a:ext>
-            </a:extLst>
-          </p:cNvPr>
-          <p:cNvSpPr txBox="1"/>
-          <p:nvPr/>
-        </p:nvSpPr>
-        <p:spPr>
-          <a:xfrm>
-            <a:off x="1922814" y="1669421"/>
-            <a:ext cx="1099981" cy="246221"/>
+            <a:off x="7121556" y="1423121"/>
+            <a:ext cx="1797287" cy="246221"/>
           </a:xfrm>
           <a:prstGeom prst="rect">
             <a:avLst/>
@@ -12063,991 +9967,8 @@
           </a:lstStyle>
           <a:p>
             <a:r>
-              <a:rPr lang="en-NL" dirty="0"/>
-              <a:t>items={expenses}</a:t>
-            </a:r>
-          </a:p>
-        </p:txBody>
-      </p:sp>
-      <p:cxnSp>
-        <p:nvCxnSpPr>
-          <p:cNvPr id="45" name="Straight Arrow Connector 44">
-            <a:extLst>
-              <a:ext uri="{FF2B5EF4-FFF2-40B4-BE49-F238E27FC236}">
-                <a16:creationId xmlns:a16="http://schemas.microsoft.com/office/drawing/2014/main" id="{9959AA33-0CEE-99F0-63D5-736C2BE0654C}"/>
-              </a:ext>
-            </a:extLst>
-          </p:cNvPr>
-          <p:cNvCxnSpPr>
-            <a:cxnSpLocks/>
-          </p:cNvCxnSpPr>
-          <p:nvPr/>
-        </p:nvCxnSpPr>
-        <p:spPr>
-          <a:xfrm>
-            <a:off x="1357738" y="887925"/>
-            <a:ext cx="502350" cy="1"/>
-          </a:xfrm>
-          <a:prstGeom prst="straightConnector1">
-            <a:avLst/>
-          </a:prstGeom>
-          <a:ln>
-            <a:solidFill>
-              <a:schemeClr val="tx1"/>
-            </a:solidFill>
-            <a:tailEnd type="triangle"/>
-          </a:ln>
-        </p:spPr>
-        <p:style>
-          <a:lnRef idx="1">
-            <a:schemeClr val="accent1"/>
-          </a:lnRef>
-          <a:fillRef idx="0">
-            <a:schemeClr val="accent1"/>
-          </a:fillRef>
-          <a:effectRef idx="0">
-            <a:schemeClr val="accent1"/>
-          </a:effectRef>
-          <a:fontRef idx="minor">
-            <a:schemeClr val="tx1"/>
-          </a:fontRef>
-        </p:style>
-      </p:cxnSp>
-      <p:sp>
-        <p:nvSpPr>
-          <p:cNvPr id="52" name="TextBox 51">
-            <a:extLst>
-              <a:ext uri="{FF2B5EF4-FFF2-40B4-BE49-F238E27FC236}">
-                <a16:creationId xmlns:a16="http://schemas.microsoft.com/office/drawing/2014/main" id="{2816A76D-EE3B-3453-0B7A-C2B1CEE0E360}"/>
-              </a:ext>
-            </a:extLst>
-          </p:cNvPr>
-          <p:cNvSpPr txBox="1"/>
-          <p:nvPr/>
-        </p:nvSpPr>
-        <p:spPr>
-          <a:xfrm>
-            <a:off x="1389180" y="820824"/>
-            <a:ext cx="445956" cy="246221"/>
-          </a:xfrm>
-          <a:prstGeom prst="rect">
-            <a:avLst/>
-          </a:prstGeom>
-          <a:noFill/>
-        </p:spPr>
-        <p:txBody>
-          <a:bodyPr wrap="none" rtlCol="0">
-            <a:spAutoFit/>
-          </a:bodyPr>
-          <a:lstStyle/>
-          <a:p>
-            <a:r>
-              <a:rPr lang="en-NL" sz="1000" dirty="0"/>
-              <a:t>Read</a:t>
-            </a:r>
-          </a:p>
-        </p:txBody>
-      </p:sp>
-      <p:cxnSp>
-        <p:nvCxnSpPr>
-          <p:cNvPr id="53" name="Straight Arrow Connector 52">
-            <a:extLst>
-              <a:ext uri="{FF2B5EF4-FFF2-40B4-BE49-F238E27FC236}">
-                <a16:creationId xmlns:a16="http://schemas.microsoft.com/office/drawing/2014/main" id="{C7012669-9FA1-596C-FE14-E74873F8753E}"/>
-              </a:ext>
-            </a:extLst>
-          </p:cNvPr>
-          <p:cNvCxnSpPr>
-            <a:cxnSpLocks/>
-            <a:stCxn id="23" idx="2"/>
-            <a:endCxn id="26" idx="0"/>
-          </p:cNvCxnSpPr>
-          <p:nvPr/>
-        </p:nvCxnSpPr>
-        <p:spPr>
-          <a:xfrm>
-            <a:off x="988617" y="944205"/>
-            <a:ext cx="1128980" cy="284935"/>
-          </a:xfrm>
-          <a:prstGeom prst="straightConnector1">
-            <a:avLst/>
-          </a:prstGeom>
-          <a:ln>
-            <a:solidFill>
-              <a:schemeClr val="tx1"/>
-            </a:solidFill>
-            <a:tailEnd type="triangle"/>
-          </a:ln>
-        </p:spPr>
-        <p:style>
-          <a:lnRef idx="1">
-            <a:schemeClr val="accent1"/>
-          </a:lnRef>
-          <a:fillRef idx="0">
-            <a:schemeClr val="accent1"/>
-          </a:fillRef>
-          <a:effectRef idx="0">
-            <a:schemeClr val="accent1"/>
-          </a:effectRef>
-          <a:fontRef idx="minor">
-            <a:schemeClr val="tx1"/>
-          </a:fontRef>
-        </p:style>
-      </p:cxnSp>
-      <p:sp>
-        <p:nvSpPr>
-          <p:cNvPr id="57" name="TextBox 56">
-            <a:extLst>
-              <a:ext uri="{FF2B5EF4-FFF2-40B4-BE49-F238E27FC236}">
-                <a16:creationId xmlns:a16="http://schemas.microsoft.com/office/drawing/2014/main" id="{BF18B077-3914-FFB4-4D6C-BA53BE6740FA}"/>
-              </a:ext>
-            </a:extLst>
-          </p:cNvPr>
-          <p:cNvSpPr txBox="1"/>
-          <p:nvPr/>
-        </p:nvSpPr>
-        <p:spPr>
-          <a:xfrm>
-            <a:off x="1351401" y="1050280"/>
-            <a:ext cx="445956" cy="246221"/>
-          </a:xfrm>
-          <a:prstGeom prst="rect">
-            <a:avLst/>
-          </a:prstGeom>
-          <a:noFill/>
-        </p:spPr>
-        <p:txBody>
-          <a:bodyPr wrap="none" rtlCol="0">
-            <a:spAutoFit/>
-          </a:bodyPr>
-          <a:lstStyle/>
-          <a:p>
-            <a:r>
-              <a:rPr lang="en-NL" sz="1000" dirty="0"/>
-              <a:t>Read</a:t>
-            </a:r>
-          </a:p>
-        </p:txBody>
-      </p:sp>
-      <p:sp>
-        <p:nvSpPr>
-          <p:cNvPr id="59" name="TextBox 58">
-            <a:extLst>
-              <a:ext uri="{FF2B5EF4-FFF2-40B4-BE49-F238E27FC236}">
-                <a16:creationId xmlns:a16="http://schemas.microsoft.com/office/drawing/2014/main" id="{32A656F0-89C3-85D3-5395-72802D7EC5D6}"/>
-              </a:ext>
-            </a:extLst>
-          </p:cNvPr>
-          <p:cNvSpPr txBox="1"/>
-          <p:nvPr/>
-        </p:nvSpPr>
-        <p:spPr>
-          <a:xfrm>
-            <a:off x="9059498" y="180675"/>
-            <a:ext cx="1257364" cy="472014"/>
-          </a:xfrm>
-          <a:prstGeom prst="rect">
-            <a:avLst/>
-          </a:prstGeom>
-          <a:solidFill>
-            <a:schemeClr val="bg1">
-              <a:lumMod val="85000"/>
-            </a:schemeClr>
-          </a:solidFill>
-          <a:ln>
-            <a:solidFill>
-              <a:schemeClr val="tx1"/>
-            </a:solidFill>
-          </a:ln>
-          <a:effectLst>
-            <a:outerShdw blurRad="50800" dist="38100" dir="2700000" algn="tl" rotWithShape="0">
-              <a:prstClr val="black">
-                <a:alpha val="40000"/>
-              </a:prstClr>
-            </a:outerShdw>
-          </a:effectLst>
-        </p:spPr>
-        <p:txBody>
-          <a:bodyPr wrap="none" rtlCol="0" anchor="t" anchorCtr="1">
-            <a:noAutofit/>
-          </a:bodyPr>
-          <a:lstStyle>
-            <a:defPPr>
-              <a:defRPr lang="en-NL"/>
-            </a:defPPr>
-          </a:lstStyle>
-          <a:p>
-            <a:r>
-              <a:rPr lang="en-NL" dirty="0"/>
-              <a:t>Component</a:t>
-            </a:r>
-          </a:p>
-        </p:txBody>
-      </p:sp>
-      <p:sp>
-        <p:nvSpPr>
-          <p:cNvPr id="177" name="TextBox 176">
-            <a:extLst>
-              <a:ext uri="{FF2B5EF4-FFF2-40B4-BE49-F238E27FC236}">
-                <a16:creationId xmlns:a16="http://schemas.microsoft.com/office/drawing/2014/main" id="{B878B4DB-A16E-DDD8-418B-7768072F861F}"/>
-              </a:ext>
-            </a:extLst>
-          </p:cNvPr>
-          <p:cNvSpPr txBox="1"/>
-          <p:nvPr/>
-        </p:nvSpPr>
-        <p:spPr>
-          <a:xfrm>
-            <a:off x="2997612" y="2521830"/>
-            <a:ext cx="797013" cy="246221"/>
-          </a:xfrm>
-          <a:prstGeom prst="rect">
-            <a:avLst/>
-          </a:prstGeom>
-          <a:solidFill>
-            <a:schemeClr val="bg1"/>
-          </a:solidFill>
-          <a:ln>
-            <a:solidFill>
-              <a:schemeClr val="accent1"/>
-            </a:solidFill>
-          </a:ln>
-        </p:spPr>
-        <p:txBody>
-          <a:bodyPr wrap="none" rtlCol="0">
-            <a:spAutoFit/>
-          </a:bodyPr>
-          <a:lstStyle/>
-          <a:p>
-            <a:r>
-              <a:rPr lang="en-NL" sz="1000" dirty="0"/>
-              <a:t>filteredYear</a:t>
-            </a:r>
-          </a:p>
-        </p:txBody>
-      </p:sp>
-      <p:sp>
-        <p:nvSpPr>
-          <p:cNvPr id="178" name="TextBox 177">
-            <a:extLst>
-              <a:ext uri="{FF2B5EF4-FFF2-40B4-BE49-F238E27FC236}">
-                <a16:creationId xmlns:a16="http://schemas.microsoft.com/office/drawing/2014/main" id="{667D5F00-94C7-706E-235C-004B75138E21}"/>
-              </a:ext>
-            </a:extLst>
-          </p:cNvPr>
-          <p:cNvSpPr txBox="1"/>
-          <p:nvPr/>
-        </p:nvSpPr>
-        <p:spPr>
-          <a:xfrm>
-            <a:off x="4257171" y="2521830"/>
-            <a:ext cx="1265090" cy="246221"/>
-          </a:xfrm>
-          <a:prstGeom prst="rect">
-            <a:avLst/>
-          </a:prstGeom>
-          <a:solidFill>
-            <a:schemeClr val="accent6">
-              <a:lumMod val="20000"/>
-              <a:lumOff val="80000"/>
-            </a:schemeClr>
-          </a:solidFill>
-          <a:ln cap="sq">
-            <a:solidFill>
-              <a:schemeClr val="accent6"/>
-            </a:solidFill>
-          </a:ln>
-        </p:spPr>
-        <p:txBody>
-          <a:bodyPr wrap="none" rtlCol="0">
-            <a:spAutoFit/>
-          </a:bodyPr>
-          <a:lstStyle/>
-          <a:p>
-            <a:r>
-              <a:rPr lang="en-NL" sz="1000" dirty="0"/>
-              <a:t>filterChangeHandler </a:t>
-            </a:r>
-          </a:p>
-        </p:txBody>
-      </p:sp>
-      <p:sp>
-        <p:nvSpPr>
-          <p:cNvPr id="179" name="TextBox 178">
-            <a:extLst>
-              <a:ext uri="{FF2B5EF4-FFF2-40B4-BE49-F238E27FC236}">
-                <a16:creationId xmlns:a16="http://schemas.microsoft.com/office/drawing/2014/main" id="{D03EC028-9098-08EE-B6A4-BC288412082F}"/>
-              </a:ext>
-            </a:extLst>
-          </p:cNvPr>
-          <p:cNvSpPr txBox="1"/>
-          <p:nvPr/>
-        </p:nvSpPr>
-        <p:spPr>
-          <a:xfrm>
-            <a:off x="4533045" y="3397607"/>
-            <a:ext cx="561372" cy="246221"/>
-          </a:xfrm>
-          <a:prstGeom prst="rect">
-            <a:avLst/>
-          </a:prstGeom>
-          <a:solidFill>
-            <a:schemeClr val="accent5">
-              <a:lumMod val="20000"/>
-              <a:lumOff val="80000"/>
-            </a:schemeClr>
-          </a:solidFill>
-          <a:ln cap="sq">
-            <a:solidFill>
-              <a:schemeClr val="accent6"/>
-            </a:solidFill>
-          </a:ln>
-        </p:spPr>
-        <p:txBody>
-          <a:bodyPr wrap="none" rtlCol="0">
-            <a:spAutoFit/>
-          </a:bodyPr>
-          <a:lstStyle/>
-          <a:p>
-            <a:r>
-              <a:rPr lang="en-NL" sz="1000" dirty="0"/>
-              <a:t>Render</a:t>
-            </a:r>
-          </a:p>
-        </p:txBody>
-      </p:sp>
-      <p:cxnSp>
-        <p:nvCxnSpPr>
-          <p:cNvPr id="180" name="Straight Arrow Connector 179">
-            <a:extLst>
-              <a:ext uri="{FF2B5EF4-FFF2-40B4-BE49-F238E27FC236}">
-                <a16:creationId xmlns:a16="http://schemas.microsoft.com/office/drawing/2014/main" id="{D05B4028-7723-540D-9BCE-5D719DA4F719}"/>
-              </a:ext>
-            </a:extLst>
-          </p:cNvPr>
-          <p:cNvCxnSpPr>
-            <a:cxnSpLocks/>
-          </p:cNvCxnSpPr>
-          <p:nvPr/>
-        </p:nvCxnSpPr>
-        <p:spPr>
-          <a:xfrm flipH="1">
-            <a:off x="3747048" y="2575634"/>
-            <a:ext cx="510123" cy="1"/>
-          </a:xfrm>
-          <a:prstGeom prst="straightConnector1">
-            <a:avLst/>
-          </a:prstGeom>
-          <a:ln>
-            <a:solidFill>
-              <a:srgbClr val="7030A0"/>
-            </a:solidFill>
-            <a:tailEnd type="triangle"/>
-          </a:ln>
-        </p:spPr>
-        <p:style>
-          <a:lnRef idx="1">
-            <a:schemeClr val="accent1"/>
-          </a:lnRef>
-          <a:fillRef idx="0">
-            <a:schemeClr val="accent1"/>
-          </a:fillRef>
-          <a:effectRef idx="0">
-            <a:schemeClr val="accent1"/>
-          </a:effectRef>
-          <a:fontRef idx="minor">
-            <a:schemeClr val="tx1"/>
-          </a:fontRef>
-        </p:style>
-      </p:cxnSp>
-      <p:sp>
-        <p:nvSpPr>
-          <p:cNvPr id="181" name="TextBox 180">
-            <a:extLst>
-              <a:ext uri="{FF2B5EF4-FFF2-40B4-BE49-F238E27FC236}">
-                <a16:creationId xmlns:a16="http://schemas.microsoft.com/office/drawing/2014/main" id="{C712A369-FCBE-218B-3B90-11D8F3F32552}"/>
-              </a:ext>
-            </a:extLst>
-          </p:cNvPr>
-          <p:cNvSpPr txBox="1"/>
-          <p:nvPr/>
-        </p:nvSpPr>
-        <p:spPr>
-          <a:xfrm>
-            <a:off x="3786263" y="2378957"/>
-            <a:ext cx="457176" cy="246221"/>
-          </a:xfrm>
-          <a:prstGeom prst="rect">
-            <a:avLst/>
-          </a:prstGeom>
-          <a:noFill/>
-        </p:spPr>
-        <p:txBody>
-          <a:bodyPr wrap="none" rtlCol="0">
-            <a:spAutoFit/>
-          </a:bodyPr>
-          <a:lstStyle/>
-          <a:p>
-            <a:r>
-              <a:rPr lang="en-NL" sz="1000" dirty="0"/>
-              <a:t>write</a:t>
-            </a:r>
-          </a:p>
-        </p:txBody>
-      </p:sp>
-      <p:cxnSp>
-        <p:nvCxnSpPr>
-          <p:cNvPr id="182" name="Straight Arrow Connector 181">
-            <a:extLst>
-              <a:ext uri="{FF2B5EF4-FFF2-40B4-BE49-F238E27FC236}">
-                <a16:creationId xmlns:a16="http://schemas.microsoft.com/office/drawing/2014/main" id="{D0202299-25FF-2AA3-8A8B-8880018D3D94}"/>
-              </a:ext>
-            </a:extLst>
-          </p:cNvPr>
-          <p:cNvCxnSpPr>
-            <a:cxnSpLocks/>
-          </p:cNvCxnSpPr>
-          <p:nvPr/>
-        </p:nvCxnSpPr>
-        <p:spPr>
-          <a:xfrm>
-            <a:off x="3754821" y="2711771"/>
-            <a:ext cx="502350" cy="1"/>
-          </a:xfrm>
-          <a:prstGeom prst="straightConnector1">
-            <a:avLst/>
-          </a:prstGeom>
-          <a:ln>
-            <a:solidFill>
-              <a:schemeClr val="tx1"/>
-            </a:solidFill>
-            <a:tailEnd type="triangle"/>
-          </a:ln>
-        </p:spPr>
-        <p:style>
-          <a:lnRef idx="1">
-            <a:schemeClr val="accent1"/>
-          </a:lnRef>
-          <a:fillRef idx="0">
-            <a:schemeClr val="accent1"/>
-          </a:fillRef>
-          <a:effectRef idx="0">
-            <a:schemeClr val="accent1"/>
-          </a:effectRef>
-          <a:fontRef idx="minor">
-            <a:schemeClr val="tx1"/>
-          </a:fontRef>
-        </p:style>
-      </p:cxnSp>
-      <p:sp>
-        <p:nvSpPr>
-          <p:cNvPr id="183" name="TextBox 182">
-            <a:extLst>
-              <a:ext uri="{FF2B5EF4-FFF2-40B4-BE49-F238E27FC236}">
-                <a16:creationId xmlns:a16="http://schemas.microsoft.com/office/drawing/2014/main" id="{3A2A5250-39CA-750A-71BF-7E0A03104067}"/>
-              </a:ext>
-            </a:extLst>
-          </p:cNvPr>
-          <p:cNvSpPr txBox="1"/>
-          <p:nvPr/>
-        </p:nvSpPr>
-        <p:spPr>
-          <a:xfrm>
-            <a:off x="3786263" y="2644670"/>
-            <a:ext cx="445956" cy="246221"/>
-          </a:xfrm>
-          <a:prstGeom prst="rect">
-            <a:avLst/>
-          </a:prstGeom>
-          <a:noFill/>
-        </p:spPr>
-        <p:txBody>
-          <a:bodyPr wrap="none" rtlCol="0">
-            <a:spAutoFit/>
-          </a:bodyPr>
-          <a:lstStyle/>
-          <a:p>
-            <a:r>
-              <a:rPr lang="en-NL" sz="1000" dirty="0"/>
-              <a:t>Read</a:t>
-            </a:r>
-          </a:p>
-        </p:txBody>
-      </p:sp>
-      <p:cxnSp>
-        <p:nvCxnSpPr>
-          <p:cNvPr id="184" name="Straight Arrow Connector 183">
-            <a:extLst>
-              <a:ext uri="{FF2B5EF4-FFF2-40B4-BE49-F238E27FC236}">
-                <a16:creationId xmlns:a16="http://schemas.microsoft.com/office/drawing/2014/main" id="{35F93B14-9A74-906D-F819-0441AAA00425}"/>
-              </a:ext>
-            </a:extLst>
-          </p:cNvPr>
-          <p:cNvCxnSpPr>
-            <a:cxnSpLocks/>
-            <a:stCxn id="195" idx="3"/>
-            <a:endCxn id="179" idx="1"/>
-          </p:cNvCxnSpPr>
-          <p:nvPr/>
-        </p:nvCxnSpPr>
-        <p:spPr>
-          <a:xfrm>
-            <a:off x="4018038" y="3520718"/>
-            <a:ext cx="515007" cy="0"/>
-          </a:xfrm>
-          <a:prstGeom prst="straightConnector1">
-            <a:avLst/>
-          </a:prstGeom>
-          <a:ln>
-            <a:tailEnd type="triangle"/>
-          </a:ln>
-        </p:spPr>
-        <p:style>
-          <a:lnRef idx="1">
-            <a:schemeClr val="accent1"/>
-          </a:lnRef>
-          <a:fillRef idx="0">
-            <a:schemeClr val="accent1"/>
-          </a:fillRef>
-          <a:effectRef idx="0">
-            <a:schemeClr val="accent1"/>
-          </a:effectRef>
-          <a:fontRef idx="minor">
-            <a:schemeClr val="tx1"/>
-          </a:fontRef>
-        </p:style>
-      </p:cxnSp>
-      <p:sp>
-        <p:nvSpPr>
-          <p:cNvPr id="191" name="TextBox 190">
-            <a:extLst>
-              <a:ext uri="{FF2B5EF4-FFF2-40B4-BE49-F238E27FC236}">
-                <a16:creationId xmlns:a16="http://schemas.microsoft.com/office/drawing/2014/main" id="{716B2930-7FA1-9F6F-7FE9-5BB4D7248E62}"/>
-              </a:ext>
-            </a:extLst>
-          </p:cNvPr>
-          <p:cNvSpPr txBox="1"/>
-          <p:nvPr/>
-        </p:nvSpPr>
-        <p:spPr>
-          <a:xfrm>
-            <a:off x="2993634" y="2093902"/>
-            <a:ext cx="473206" cy="246221"/>
-          </a:xfrm>
-          <a:prstGeom prst="rect">
-            <a:avLst/>
-          </a:prstGeom>
-          <a:solidFill>
-            <a:schemeClr val="bg1"/>
-          </a:solidFill>
-          <a:ln>
-            <a:solidFill>
-              <a:schemeClr val="accent1"/>
-            </a:solidFill>
-          </a:ln>
-        </p:spPr>
-        <p:txBody>
-          <a:bodyPr wrap="none" rtlCol="0">
-            <a:spAutoFit/>
-          </a:bodyPr>
-          <a:lstStyle/>
-          <a:p>
-            <a:r>
-              <a:rPr lang="en-NL" sz="1000" dirty="0"/>
-              <a:t>items</a:t>
-            </a:r>
-          </a:p>
-        </p:txBody>
-      </p:sp>
-      <p:cxnSp>
-        <p:nvCxnSpPr>
-          <p:cNvPr id="193" name="Straight Arrow Connector 192">
-            <a:extLst>
-              <a:ext uri="{FF2B5EF4-FFF2-40B4-BE49-F238E27FC236}">
-                <a16:creationId xmlns:a16="http://schemas.microsoft.com/office/drawing/2014/main" id="{F4DB27C7-94CD-7DC6-59F7-A1F0281C7CEA}"/>
-              </a:ext>
-            </a:extLst>
-          </p:cNvPr>
-          <p:cNvCxnSpPr>
-            <a:cxnSpLocks/>
-            <a:endCxn id="191" idx="0"/>
-          </p:cNvCxnSpPr>
-          <p:nvPr/>
-        </p:nvCxnSpPr>
-        <p:spPr>
-          <a:xfrm>
-            <a:off x="2753490" y="1704769"/>
-            <a:ext cx="476747" cy="389133"/>
-          </a:xfrm>
-          <a:prstGeom prst="straightConnector1">
-            <a:avLst/>
-          </a:prstGeom>
-          <a:ln>
-            <a:tailEnd type="triangle"/>
-          </a:ln>
-        </p:spPr>
-        <p:style>
-          <a:lnRef idx="1">
-            <a:schemeClr val="accent1"/>
-          </a:lnRef>
-          <a:fillRef idx="0">
-            <a:schemeClr val="accent1"/>
-          </a:fillRef>
-          <a:effectRef idx="0">
-            <a:schemeClr val="accent1"/>
-          </a:effectRef>
-          <a:fontRef idx="minor">
-            <a:schemeClr val="tx1"/>
-          </a:fontRef>
-        </p:style>
-      </p:cxnSp>
-      <p:sp>
-        <p:nvSpPr>
-          <p:cNvPr id="195" name="TextBox 194">
-            <a:extLst>
-              <a:ext uri="{FF2B5EF4-FFF2-40B4-BE49-F238E27FC236}">
-                <a16:creationId xmlns:a16="http://schemas.microsoft.com/office/drawing/2014/main" id="{69D441E0-D8A3-1E27-D3C2-D56ED129AFF2}"/>
-              </a:ext>
-            </a:extLst>
-          </p:cNvPr>
-          <p:cNvSpPr txBox="1"/>
-          <p:nvPr/>
-        </p:nvSpPr>
-        <p:spPr>
-          <a:xfrm>
-            <a:off x="2972559" y="3397607"/>
-            <a:ext cx="1045479" cy="246221"/>
-          </a:xfrm>
-          <a:prstGeom prst="rect">
-            <a:avLst/>
-          </a:prstGeom>
-          <a:solidFill>
-            <a:schemeClr val="bg1"/>
-          </a:solidFill>
-          <a:ln>
-            <a:solidFill>
-              <a:schemeClr val="accent1"/>
-            </a:solidFill>
-          </a:ln>
-        </p:spPr>
-        <p:txBody>
-          <a:bodyPr wrap="none" rtlCol="0">
-            <a:spAutoFit/>
-          </a:bodyPr>
-          <a:lstStyle/>
-          <a:p>
-            <a:r>
-              <a:rPr lang="en-NL" sz="1000" dirty="0"/>
-              <a:t>filteredExpenses</a:t>
-            </a:r>
-          </a:p>
-        </p:txBody>
-      </p:sp>
-      <p:sp>
-        <p:nvSpPr>
-          <p:cNvPr id="196" name="TextBox 195">
-            <a:extLst>
-              <a:ext uri="{FF2B5EF4-FFF2-40B4-BE49-F238E27FC236}">
-                <a16:creationId xmlns:a16="http://schemas.microsoft.com/office/drawing/2014/main" id="{23239EC2-D16D-7168-A218-B75CC70A68B7}"/>
-              </a:ext>
-            </a:extLst>
-          </p:cNvPr>
-          <p:cNvSpPr txBox="1"/>
-          <p:nvPr/>
-        </p:nvSpPr>
-        <p:spPr>
-          <a:xfrm>
-            <a:off x="2960517" y="2920493"/>
-            <a:ext cx="1426780" cy="325217"/>
-          </a:xfrm>
-          <a:prstGeom prst="rect">
-            <a:avLst/>
-          </a:prstGeom>
-          <a:solidFill>
-            <a:schemeClr val="accent6">
-              <a:lumMod val="20000"/>
-              <a:lumOff val="80000"/>
-            </a:schemeClr>
-          </a:solidFill>
-          <a:ln cap="sq">
-            <a:solidFill>
-              <a:schemeClr val="accent6"/>
-            </a:solidFill>
-          </a:ln>
-        </p:spPr>
-        <p:txBody>
-          <a:bodyPr wrap="square" rtlCol="0">
-            <a:noAutofit/>
-          </a:bodyPr>
-          <a:lstStyle/>
-          <a:p>
-            <a:endParaRPr lang="en-NL" sz="1000" dirty="0"/>
-          </a:p>
-        </p:txBody>
-      </p:sp>
-      <p:pic>
-        <p:nvPicPr>
-          <p:cNvPr id="197" name="Picture 196">
-            <a:extLst>
-              <a:ext uri="{FF2B5EF4-FFF2-40B4-BE49-F238E27FC236}">
-                <a16:creationId xmlns:a16="http://schemas.microsoft.com/office/drawing/2014/main" id="{CACB0D89-F19B-FF81-94EE-E36E0994E2F0}"/>
-              </a:ext>
-            </a:extLst>
-          </p:cNvPr>
-          <p:cNvPicPr>
-            <a:picLocks noChangeAspect="1"/>
-          </p:cNvPicPr>
-          <p:nvPr/>
-        </p:nvPicPr>
-        <p:blipFill>
-          <a:blip r:embed="rId2"/>
-          <a:stretch>
-            <a:fillRect/>
-          </a:stretch>
-        </p:blipFill>
-        <p:spPr>
-          <a:xfrm>
-            <a:off x="2993634" y="2977885"/>
-            <a:ext cx="1375006" cy="172608"/>
-          </a:xfrm>
-          <a:prstGeom prst="rect">
-            <a:avLst/>
-          </a:prstGeom>
-        </p:spPr>
-      </p:pic>
-      <p:cxnSp>
-        <p:nvCxnSpPr>
-          <p:cNvPr id="200" name="Elbow Connector 199">
-            <a:extLst>
-              <a:ext uri="{FF2B5EF4-FFF2-40B4-BE49-F238E27FC236}">
-                <a16:creationId xmlns:a16="http://schemas.microsoft.com/office/drawing/2014/main" id="{70A8055A-C8C8-BE27-2BBD-541455F5CF46}"/>
-              </a:ext>
-            </a:extLst>
-          </p:cNvPr>
-          <p:cNvCxnSpPr>
-            <a:cxnSpLocks/>
-            <a:stCxn id="177" idx="1"/>
-            <a:endCxn id="197" idx="1"/>
-          </p:cNvCxnSpPr>
-          <p:nvPr/>
-        </p:nvCxnSpPr>
-        <p:spPr>
-          <a:xfrm rot="10800000" flipV="1">
-            <a:off x="2993634" y="2644941"/>
-            <a:ext cx="3978" cy="419248"/>
-          </a:xfrm>
-          <a:prstGeom prst="bentConnector3">
-            <a:avLst>
-              <a:gd name="adj1" fmla="val 8649824"/>
-            </a:avLst>
-          </a:prstGeom>
-          <a:ln>
-            <a:tailEnd type="triangle"/>
-          </a:ln>
-        </p:spPr>
-        <p:style>
-          <a:lnRef idx="1">
-            <a:schemeClr val="accent1"/>
-          </a:lnRef>
-          <a:fillRef idx="0">
-            <a:schemeClr val="accent1"/>
-          </a:fillRef>
-          <a:effectRef idx="0">
-            <a:schemeClr val="accent1"/>
-          </a:effectRef>
-          <a:fontRef idx="minor">
-            <a:schemeClr val="tx1"/>
-          </a:fontRef>
-        </p:style>
-      </p:cxnSp>
-      <p:cxnSp>
-        <p:nvCxnSpPr>
-          <p:cNvPr id="202" name="Elbow Connector 201">
-            <a:extLst>
-              <a:ext uri="{FF2B5EF4-FFF2-40B4-BE49-F238E27FC236}">
-                <a16:creationId xmlns:a16="http://schemas.microsoft.com/office/drawing/2014/main" id="{99A89D17-B1ED-87D0-D9F1-4AB34E266B15}"/>
-              </a:ext>
-            </a:extLst>
-          </p:cNvPr>
-          <p:cNvCxnSpPr>
-            <a:cxnSpLocks/>
-            <a:stCxn id="191" idx="1"/>
-            <a:endCxn id="196" idx="1"/>
-          </p:cNvCxnSpPr>
-          <p:nvPr/>
-        </p:nvCxnSpPr>
-        <p:spPr>
-          <a:xfrm rot="10800000" flipV="1">
-            <a:off x="2960518" y="2217012"/>
-            <a:ext cx="33117" cy="866089"/>
-          </a:xfrm>
-          <a:prstGeom prst="bentConnector3">
-            <a:avLst>
-              <a:gd name="adj1" fmla="val 1329036"/>
-            </a:avLst>
-          </a:prstGeom>
-          <a:ln>
-            <a:tailEnd type="triangle"/>
-          </a:ln>
-        </p:spPr>
-        <p:style>
-          <a:lnRef idx="1">
-            <a:schemeClr val="accent1"/>
-          </a:lnRef>
-          <a:fillRef idx="0">
-            <a:schemeClr val="accent1"/>
-          </a:fillRef>
-          <a:effectRef idx="0">
-            <a:schemeClr val="accent1"/>
-          </a:effectRef>
-          <a:fontRef idx="minor">
-            <a:schemeClr val="tx1"/>
-          </a:fontRef>
-        </p:style>
-      </p:cxnSp>
-      <p:cxnSp>
-        <p:nvCxnSpPr>
-          <p:cNvPr id="220" name="Elbow Connector 219">
-            <a:extLst>
-              <a:ext uri="{FF2B5EF4-FFF2-40B4-BE49-F238E27FC236}">
-                <a16:creationId xmlns:a16="http://schemas.microsoft.com/office/drawing/2014/main" id="{5ED7A6AD-C129-BFEF-3E73-153703FB9EFC}"/>
-              </a:ext>
-            </a:extLst>
-          </p:cNvPr>
-          <p:cNvCxnSpPr>
-            <a:cxnSpLocks/>
-            <a:endCxn id="195" idx="1"/>
-          </p:cNvCxnSpPr>
-          <p:nvPr/>
-        </p:nvCxnSpPr>
-        <p:spPr>
-          <a:xfrm rot="5400000">
-            <a:off x="2801690" y="3345871"/>
-            <a:ext cx="345716" cy="3978"/>
-          </a:xfrm>
-          <a:prstGeom prst="bentConnector4">
-            <a:avLst>
-              <a:gd name="adj1" fmla="val 3165"/>
-              <a:gd name="adj2" fmla="val 10051433"/>
-            </a:avLst>
-          </a:prstGeom>
-          <a:ln>
-            <a:tailEnd type="triangle"/>
-          </a:ln>
-        </p:spPr>
-        <p:style>
-          <a:lnRef idx="1">
-            <a:schemeClr val="accent1"/>
-          </a:lnRef>
-          <a:fillRef idx="0">
-            <a:schemeClr val="accent1"/>
-          </a:fillRef>
-          <a:effectRef idx="0">
-            <a:schemeClr val="accent1"/>
-          </a:effectRef>
-          <a:fontRef idx="minor">
-            <a:schemeClr val="tx1"/>
-          </a:fontRef>
-        </p:style>
-      </p:cxnSp>
-      <p:cxnSp>
-        <p:nvCxnSpPr>
-          <p:cNvPr id="231" name="Straight Arrow Connector 230">
-            <a:extLst>
-              <a:ext uri="{FF2B5EF4-FFF2-40B4-BE49-F238E27FC236}">
-                <a16:creationId xmlns:a16="http://schemas.microsoft.com/office/drawing/2014/main" id="{DE70DD82-75F2-0CB1-D7D8-30116A9BECD2}"/>
-              </a:ext>
-            </a:extLst>
-          </p:cNvPr>
-          <p:cNvCxnSpPr>
-            <a:cxnSpLocks/>
-            <a:endCxn id="5" idx="0"/>
-          </p:cNvCxnSpPr>
-          <p:nvPr/>
-        </p:nvCxnSpPr>
-        <p:spPr>
-          <a:xfrm flipH="1">
-            <a:off x="2983285" y="3625219"/>
-            <a:ext cx="1711507" cy="862888"/>
-          </a:xfrm>
-          <a:prstGeom prst="straightConnector1">
-            <a:avLst/>
-          </a:prstGeom>
-          <a:ln>
-            <a:tailEnd type="triangle"/>
-          </a:ln>
-        </p:spPr>
-        <p:style>
-          <a:lnRef idx="1">
-            <a:schemeClr val="accent1"/>
-          </a:lnRef>
-          <a:fillRef idx="0">
-            <a:schemeClr val="accent1"/>
-          </a:fillRef>
-          <a:effectRef idx="0">
-            <a:schemeClr val="accent1"/>
-          </a:effectRef>
-          <a:fontRef idx="minor">
-            <a:schemeClr val="tx1"/>
-          </a:fontRef>
-        </p:style>
-      </p:cxnSp>
-      <p:sp>
-        <p:nvSpPr>
-          <p:cNvPr id="232" name="TextBox 231">
-            <a:extLst>
-              <a:ext uri="{FF2B5EF4-FFF2-40B4-BE49-F238E27FC236}">
-                <a16:creationId xmlns:a16="http://schemas.microsoft.com/office/drawing/2014/main" id="{A385534F-B818-601E-6FB1-583B9999ECA9}"/>
-              </a:ext>
-            </a:extLst>
-          </p:cNvPr>
-          <p:cNvSpPr txBox="1"/>
-          <p:nvPr/>
-        </p:nvSpPr>
-        <p:spPr>
-          <a:xfrm>
-            <a:off x="2190820" y="3870237"/>
-            <a:ext cx="2173993" cy="400110"/>
-          </a:xfrm>
-          <a:prstGeom prst="rect">
-            <a:avLst/>
-          </a:prstGeom>
-          <a:noFill/>
-        </p:spPr>
-        <p:txBody>
-          <a:bodyPr wrap="none" rtlCol="0">
-            <a:spAutoFit/>
-          </a:bodyPr>
-          <a:lstStyle>
-            <a:defPPr>
-              <a:defRPr lang="en-NL"/>
-            </a:defPPr>
-            <a:lvl1pPr>
-              <a:defRPr sz="1000">
-                <a:solidFill>
-                  <a:schemeClr val="accent5"/>
-                </a:solidFill>
-              </a:defRPr>
-            </a:lvl1pPr>
-          </a:lstStyle>
-          <a:p>
-            <a:r>
-              <a:rPr lang="en-GB" dirty="0"/>
-              <a:t>selected={</a:t>
-            </a:r>
-            <a:r>
               <a:rPr lang="en-GB" dirty="0" err="1"/>
-              <a:t>filteredYear</a:t>
-            </a:r>
-            <a:r>
-              <a:rPr lang="en-GB" dirty="0"/>
-              <a:t>} </a:t>
-            </a:r>
-          </a:p>
-          <a:p>
-            <a:r>
-              <a:rPr lang="en-GB" dirty="0" err="1"/>
-              <a:t>onChangeFilter</a:t>
+              <a:t>editExpenseId</a:t>
             </a:r>
             <a:r>
               <a:rPr lang="en-GB" dirty="0"/>
@@ -13055,1003 +9976,11 @@
             </a:r>
             <a:r>
               <a:rPr lang="en-GB" dirty="0" err="1"/>
-              <a:t>filterChangeHandler</a:t>
+              <a:t>editExpenseId</a:t>
             </a:r>
             <a:r>
               <a:rPr lang="en-GB" dirty="0"/>
               <a:t>}</a:t>
-            </a:r>
-          </a:p>
-        </p:txBody>
-      </p:sp>
-      <p:pic>
-        <p:nvPicPr>
-          <p:cNvPr id="234" name="Picture 233">
-            <a:extLst>
-              <a:ext uri="{FF2B5EF4-FFF2-40B4-BE49-F238E27FC236}">
-                <a16:creationId xmlns:a16="http://schemas.microsoft.com/office/drawing/2014/main" id="{7A1C36AB-D62B-9504-9CD6-5C2BD5F8DCF7}"/>
-              </a:ext>
-            </a:extLst>
-          </p:cNvPr>
-          <p:cNvPicPr>
-            <a:picLocks noChangeAspect="1"/>
-          </p:cNvPicPr>
-          <p:nvPr/>
-        </p:nvPicPr>
-        <p:blipFill>
-          <a:blip r:embed="rId3"/>
-          <a:stretch>
-            <a:fillRect/>
-          </a:stretch>
-        </p:blipFill>
-        <p:spPr>
-          <a:xfrm>
-            <a:off x="2075725" y="5320492"/>
-            <a:ext cx="1790842" cy="140318"/>
-          </a:xfrm>
-          <a:prstGeom prst="rect">
-            <a:avLst/>
-          </a:prstGeom>
-        </p:spPr>
-      </p:pic>
-      <p:cxnSp>
-        <p:nvCxnSpPr>
-          <p:cNvPr id="235" name="Elbow Connector 234">
-            <a:extLst>
-              <a:ext uri="{FF2B5EF4-FFF2-40B4-BE49-F238E27FC236}">
-                <a16:creationId xmlns:a16="http://schemas.microsoft.com/office/drawing/2014/main" id="{C2B96169-16EF-99D3-9E55-AEB99CF497E2}"/>
-              </a:ext>
-            </a:extLst>
-          </p:cNvPr>
-          <p:cNvCxnSpPr>
-            <a:cxnSpLocks/>
-          </p:cNvCxnSpPr>
-          <p:nvPr/>
-        </p:nvCxnSpPr>
-        <p:spPr>
-          <a:xfrm rot="5400000" flipH="1" flipV="1">
-            <a:off x="3760343" y="3462206"/>
-            <a:ext cx="2270383" cy="881532"/>
-          </a:xfrm>
-          <a:prstGeom prst="bentConnector3">
-            <a:avLst>
-              <a:gd name="adj1" fmla="val 50000"/>
-            </a:avLst>
-          </a:prstGeom>
-          <a:ln>
-            <a:solidFill>
-              <a:srgbClr val="7030A0"/>
-            </a:solidFill>
-            <a:tailEnd type="triangle"/>
-          </a:ln>
-        </p:spPr>
-        <p:style>
-          <a:lnRef idx="1">
-            <a:schemeClr val="accent1"/>
-          </a:lnRef>
-          <a:fillRef idx="0">
-            <a:schemeClr val="accent1"/>
-          </a:fillRef>
-          <a:effectRef idx="0">
-            <a:schemeClr val="accent1"/>
-          </a:effectRef>
-          <a:fontRef idx="minor">
-            <a:schemeClr val="tx1"/>
-          </a:fontRef>
-        </p:style>
-      </p:cxnSp>
-      <p:sp>
-        <p:nvSpPr>
-          <p:cNvPr id="238" name="TextBox 237">
-            <a:extLst>
-              <a:ext uri="{FF2B5EF4-FFF2-40B4-BE49-F238E27FC236}">
-                <a16:creationId xmlns:a16="http://schemas.microsoft.com/office/drawing/2014/main" id="{2D275EBC-3D28-6BA7-951C-521F9584FB35}"/>
-              </a:ext>
-            </a:extLst>
-          </p:cNvPr>
-          <p:cNvSpPr txBox="1"/>
-          <p:nvPr/>
-        </p:nvSpPr>
-        <p:spPr>
-          <a:xfrm>
-            <a:off x="4292386" y="3889178"/>
-            <a:ext cx="930063" cy="246221"/>
-          </a:xfrm>
-          <a:prstGeom prst="rect">
-            <a:avLst/>
-          </a:prstGeom>
-          <a:noFill/>
-        </p:spPr>
-        <p:txBody>
-          <a:bodyPr wrap="none" rtlCol="0">
-            <a:spAutoFit/>
-          </a:bodyPr>
-          <a:lstStyle/>
-          <a:p>
-            <a:r>
-              <a:rPr lang="en-NL" sz="1000" dirty="0">
-                <a:solidFill>
-                  <a:srgbClr val="7030A0"/>
-                </a:solidFill>
-              </a:rPr>
-              <a:t>(selectedYear)</a:t>
-            </a:r>
-          </a:p>
-        </p:txBody>
-      </p:sp>
-      <p:cxnSp>
-        <p:nvCxnSpPr>
-          <p:cNvPr id="239" name="Straight Arrow Connector 238">
-            <a:extLst>
-              <a:ext uri="{FF2B5EF4-FFF2-40B4-BE49-F238E27FC236}">
-                <a16:creationId xmlns:a16="http://schemas.microsoft.com/office/drawing/2014/main" id="{040C8018-2062-1C9A-08DC-E63A7819EA9A}"/>
-              </a:ext>
-            </a:extLst>
-          </p:cNvPr>
-          <p:cNvCxnSpPr>
-            <a:cxnSpLocks/>
-            <a:endCxn id="9" idx="0"/>
-          </p:cNvCxnSpPr>
-          <p:nvPr/>
-        </p:nvCxnSpPr>
-        <p:spPr>
-          <a:xfrm>
-            <a:off x="4884727" y="3648068"/>
-            <a:ext cx="950128" cy="667020"/>
-          </a:xfrm>
-          <a:prstGeom prst="straightConnector1">
-            <a:avLst/>
-          </a:prstGeom>
-          <a:ln>
-            <a:tailEnd type="triangle"/>
-          </a:ln>
-        </p:spPr>
-        <p:style>
-          <a:lnRef idx="1">
-            <a:schemeClr val="accent1"/>
-          </a:lnRef>
-          <a:fillRef idx="0">
-            <a:schemeClr val="accent1"/>
-          </a:fillRef>
-          <a:effectRef idx="0">
-            <a:schemeClr val="accent1"/>
-          </a:effectRef>
-          <a:fontRef idx="minor">
-            <a:schemeClr val="tx1"/>
-          </a:fontRef>
-        </p:style>
-      </p:cxnSp>
-      <p:sp>
-        <p:nvSpPr>
-          <p:cNvPr id="240" name="TextBox 239">
-            <a:extLst>
-              <a:ext uri="{FF2B5EF4-FFF2-40B4-BE49-F238E27FC236}">
-                <a16:creationId xmlns:a16="http://schemas.microsoft.com/office/drawing/2014/main" id="{086419BD-2279-3665-F34E-B6C0E5AD576F}"/>
-              </a:ext>
-            </a:extLst>
-          </p:cNvPr>
-          <p:cNvSpPr txBox="1"/>
-          <p:nvPr/>
-        </p:nvSpPr>
-        <p:spPr>
-          <a:xfrm>
-            <a:off x="5341185" y="3979457"/>
-            <a:ext cx="1478290" cy="246221"/>
-          </a:xfrm>
-          <a:prstGeom prst="rect">
-            <a:avLst/>
-          </a:prstGeom>
-          <a:noFill/>
-        </p:spPr>
-        <p:txBody>
-          <a:bodyPr wrap="none" rtlCol="0">
-            <a:spAutoFit/>
-          </a:bodyPr>
-          <a:lstStyle>
-            <a:defPPr>
-              <a:defRPr lang="en-NL"/>
-            </a:defPPr>
-            <a:lvl1pPr>
-              <a:defRPr sz="1000">
-                <a:solidFill>
-                  <a:schemeClr val="accent5"/>
-                </a:solidFill>
-              </a:defRPr>
-            </a:lvl1pPr>
-          </a:lstStyle>
-          <a:p>
-            <a:r>
-              <a:rPr lang="en-NL" dirty="0"/>
-              <a:t>items={filteredExpenses}</a:t>
-            </a:r>
-          </a:p>
-        </p:txBody>
-      </p:sp>
-      <p:sp>
-        <p:nvSpPr>
-          <p:cNvPr id="244" name="TextBox 243">
-            <a:extLst>
-              <a:ext uri="{FF2B5EF4-FFF2-40B4-BE49-F238E27FC236}">
-                <a16:creationId xmlns:a16="http://schemas.microsoft.com/office/drawing/2014/main" id="{907A09B7-FC45-9EB8-C172-D8583F1161EC}"/>
-              </a:ext>
-            </a:extLst>
-          </p:cNvPr>
-          <p:cNvSpPr txBox="1"/>
-          <p:nvPr/>
-        </p:nvSpPr>
-        <p:spPr>
-          <a:xfrm>
-            <a:off x="2169692" y="4930571"/>
-            <a:ext cx="1556836" cy="246221"/>
-          </a:xfrm>
-          <a:prstGeom prst="rect">
-            <a:avLst/>
-          </a:prstGeom>
-          <a:solidFill>
-            <a:schemeClr val="accent6">
-              <a:lumMod val="20000"/>
-              <a:lumOff val="80000"/>
-            </a:schemeClr>
-          </a:solidFill>
-          <a:ln cap="sq">
-            <a:solidFill>
-              <a:schemeClr val="accent6"/>
-            </a:solidFill>
-          </a:ln>
-        </p:spPr>
-        <p:txBody>
-          <a:bodyPr wrap="none" rtlCol="0">
-            <a:spAutoFit/>
-          </a:bodyPr>
-          <a:lstStyle/>
-          <a:p>
-            <a:r>
-              <a:rPr lang="en-NL" sz="1000" dirty="0"/>
-              <a:t>dropdownChangeHandler </a:t>
-            </a:r>
-          </a:p>
-        </p:txBody>
-      </p:sp>
-      <p:cxnSp>
-        <p:nvCxnSpPr>
-          <p:cNvPr id="249" name="Straight Connector 248">
-            <a:extLst>
-              <a:ext uri="{FF2B5EF4-FFF2-40B4-BE49-F238E27FC236}">
-                <a16:creationId xmlns:a16="http://schemas.microsoft.com/office/drawing/2014/main" id="{8B7B68A9-C103-C5D7-18F3-7F5EC1550261}"/>
-              </a:ext>
-            </a:extLst>
-          </p:cNvPr>
-          <p:cNvCxnSpPr>
-            <a:cxnSpLocks/>
-            <a:stCxn id="244" idx="3"/>
-          </p:cNvCxnSpPr>
-          <p:nvPr/>
-        </p:nvCxnSpPr>
-        <p:spPr>
-          <a:xfrm flipV="1">
-            <a:off x="3726528" y="5047461"/>
-            <a:ext cx="722188" cy="6221"/>
-          </a:xfrm>
-          <a:prstGeom prst="line">
-            <a:avLst/>
-          </a:prstGeom>
-          <a:ln>
-            <a:solidFill>
-              <a:srgbClr val="7030A0"/>
-            </a:solidFill>
-          </a:ln>
-        </p:spPr>
-        <p:style>
-          <a:lnRef idx="1">
-            <a:schemeClr val="accent1"/>
-          </a:lnRef>
-          <a:fillRef idx="0">
-            <a:schemeClr val="accent1"/>
-          </a:fillRef>
-          <a:effectRef idx="0">
-            <a:schemeClr val="accent1"/>
-          </a:effectRef>
-          <a:fontRef idx="minor">
-            <a:schemeClr val="tx1"/>
-          </a:fontRef>
-        </p:style>
-      </p:cxnSp>
-      <p:cxnSp>
-        <p:nvCxnSpPr>
-          <p:cNvPr id="254" name="Straight Arrow Connector 253">
-            <a:extLst>
-              <a:ext uri="{FF2B5EF4-FFF2-40B4-BE49-F238E27FC236}">
-                <a16:creationId xmlns:a16="http://schemas.microsoft.com/office/drawing/2014/main" id="{347962CC-0D46-7920-42BE-1EFA10D4D955}"/>
-              </a:ext>
-            </a:extLst>
-          </p:cNvPr>
-          <p:cNvCxnSpPr/>
-          <p:nvPr/>
-        </p:nvCxnSpPr>
-        <p:spPr>
-          <a:xfrm flipV="1">
-            <a:off x="3649199" y="5141566"/>
-            <a:ext cx="0" cy="193098"/>
-          </a:xfrm>
-          <a:prstGeom prst="straightConnector1">
-            <a:avLst/>
-          </a:prstGeom>
-          <a:ln>
-            <a:solidFill>
-              <a:srgbClr val="7030A0"/>
-            </a:solidFill>
-            <a:tailEnd type="triangle"/>
-          </a:ln>
-        </p:spPr>
-        <p:style>
-          <a:lnRef idx="1">
-            <a:schemeClr val="accent1"/>
-          </a:lnRef>
-          <a:fillRef idx="0">
-            <a:schemeClr val="accent1"/>
-          </a:fillRef>
-          <a:effectRef idx="0">
-            <a:schemeClr val="accent1"/>
-          </a:effectRef>
-          <a:fontRef idx="minor">
-            <a:schemeClr val="tx1"/>
-          </a:fontRef>
-        </p:style>
-      </p:cxnSp>
-      <p:sp>
-        <p:nvSpPr>
-          <p:cNvPr id="256" name="TextBox 255">
-            <a:extLst>
-              <a:ext uri="{FF2B5EF4-FFF2-40B4-BE49-F238E27FC236}">
-                <a16:creationId xmlns:a16="http://schemas.microsoft.com/office/drawing/2014/main" id="{E92C6BEA-42BA-103E-5A5A-22D6AFA30443}"/>
-              </a:ext>
-            </a:extLst>
-          </p:cNvPr>
-          <p:cNvSpPr txBox="1"/>
-          <p:nvPr/>
-        </p:nvSpPr>
-        <p:spPr>
-          <a:xfrm>
-            <a:off x="3724976" y="5009703"/>
-            <a:ext cx="978153" cy="246221"/>
-          </a:xfrm>
-          <a:prstGeom prst="rect">
-            <a:avLst/>
-          </a:prstGeom>
-          <a:noFill/>
-        </p:spPr>
-        <p:txBody>
-          <a:bodyPr wrap="none" rtlCol="0">
-            <a:spAutoFit/>
-          </a:bodyPr>
-          <a:lstStyle>
-            <a:defPPr>
-              <a:defRPr lang="en-NL"/>
-            </a:defPPr>
-            <a:lvl1pPr>
-              <a:defRPr sz="1000">
-                <a:solidFill>
-                  <a:srgbClr val="7030A0"/>
-                </a:solidFill>
-              </a:defRPr>
-            </a:lvl1pPr>
-          </a:lstStyle>
-          <a:p>
-            <a:r>
-              <a:rPr lang="en-GB" dirty="0" err="1"/>
-              <a:t>onChangeFilter</a:t>
-            </a:r>
-            <a:endParaRPr lang="en-NL" dirty="0"/>
-          </a:p>
-        </p:txBody>
-      </p:sp>
-      <p:sp>
-        <p:nvSpPr>
-          <p:cNvPr id="260" name="TextBox 259">
-            <a:extLst>
-              <a:ext uri="{FF2B5EF4-FFF2-40B4-BE49-F238E27FC236}">
-                <a16:creationId xmlns:a16="http://schemas.microsoft.com/office/drawing/2014/main" id="{6B56179F-3812-4CCA-5363-B6BCFBD769F1}"/>
-              </a:ext>
-            </a:extLst>
-          </p:cNvPr>
-          <p:cNvSpPr txBox="1"/>
-          <p:nvPr/>
-        </p:nvSpPr>
-        <p:spPr>
-          <a:xfrm>
-            <a:off x="5427449" y="4828616"/>
-            <a:ext cx="1250560" cy="400110"/>
-          </a:xfrm>
-          <a:prstGeom prst="rect">
-            <a:avLst/>
-          </a:prstGeom>
-          <a:solidFill>
-            <a:schemeClr val="accent5">
-              <a:lumMod val="20000"/>
-              <a:lumOff val="80000"/>
-            </a:schemeClr>
-          </a:solidFill>
-          <a:ln cap="sq">
-            <a:solidFill>
-              <a:schemeClr val="accent6"/>
-            </a:solidFill>
-          </a:ln>
-        </p:spPr>
-        <p:txBody>
-          <a:bodyPr wrap="square" rtlCol="0">
-            <a:spAutoFit/>
-          </a:bodyPr>
-          <a:lstStyle/>
-          <a:p>
-            <a:r>
-              <a:rPr lang="en-NL" sz="1000" dirty="0"/>
-              <a:t>Render </a:t>
-            </a:r>
-          </a:p>
-          <a:p>
-            <a:r>
-              <a:rPr lang="en-NL" sz="1000" dirty="0"/>
-              <a:t>(items.map (item))</a:t>
-            </a:r>
-          </a:p>
-        </p:txBody>
-      </p:sp>
-      <p:cxnSp>
-        <p:nvCxnSpPr>
-          <p:cNvPr id="261" name="Straight Arrow Connector 260">
-            <a:extLst>
-              <a:ext uri="{FF2B5EF4-FFF2-40B4-BE49-F238E27FC236}">
-                <a16:creationId xmlns:a16="http://schemas.microsoft.com/office/drawing/2014/main" id="{9F0D2BCF-5299-8F93-183A-E4E4B8221694}"/>
-              </a:ext>
-            </a:extLst>
-          </p:cNvPr>
-          <p:cNvCxnSpPr>
-            <a:cxnSpLocks/>
-            <a:stCxn id="262" idx="3"/>
-            <a:endCxn id="260" idx="1"/>
-          </p:cNvCxnSpPr>
-          <p:nvPr/>
-        </p:nvCxnSpPr>
-        <p:spPr>
-          <a:xfrm>
-            <a:off x="5286767" y="4780425"/>
-            <a:ext cx="140682" cy="248246"/>
-          </a:xfrm>
-          <a:prstGeom prst="straightConnector1">
-            <a:avLst/>
-          </a:prstGeom>
-          <a:ln>
-            <a:tailEnd type="triangle"/>
-          </a:ln>
-        </p:spPr>
-        <p:style>
-          <a:lnRef idx="1">
-            <a:schemeClr val="accent1"/>
-          </a:lnRef>
-          <a:fillRef idx="0">
-            <a:schemeClr val="accent1"/>
-          </a:fillRef>
-          <a:effectRef idx="0">
-            <a:schemeClr val="accent1"/>
-          </a:effectRef>
-          <a:fontRef idx="minor">
-            <a:schemeClr val="tx1"/>
-          </a:fontRef>
-        </p:style>
-      </p:cxnSp>
-      <p:sp>
-        <p:nvSpPr>
-          <p:cNvPr id="262" name="TextBox 261">
-            <a:extLst>
-              <a:ext uri="{FF2B5EF4-FFF2-40B4-BE49-F238E27FC236}">
-                <a16:creationId xmlns:a16="http://schemas.microsoft.com/office/drawing/2014/main" id="{6FE68AA2-4933-3E6B-ED60-52547A184A67}"/>
-              </a:ext>
-            </a:extLst>
-          </p:cNvPr>
-          <p:cNvSpPr txBox="1"/>
-          <p:nvPr/>
-        </p:nvSpPr>
-        <p:spPr>
-          <a:xfrm>
-            <a:off x="4813561" y="4657314"/>
-            <a:ext cx="473206" cy="246221"/>
-          </a:xfrm>
-          <a:prstGeom prst="rect">
-            <a:avLst/>
-          </a:prstGeom>
-          <a:solidFill>
-            <a:schemeClr val="bg1"/>
-          </a:solidFill>
-          <a:ln>
-            <a:solidFill>
-              <a:schemeClr val="accent1"/>
-            </a:solidFill>
-          </a:ln>
-        </p:spPr>
-        <p:txBody>
-          <a:bodyPr wrap="none" rtlCol="0">
-            <a:spAutoFit/>
-          </a:bodyPr>
-          <a:lstStyle/>
-          <a:p>
-            <a:r>
-              <a:rPr lang="en-NL" sz="1000" dirty="0"/>
-              <a:t>items</a:t>
-            </a:r>
-          </a:p>
-        </p:txBody>
-      </p:sp>
-      <p:cxnSp>
-        <p:nvCxnSpPr>
-          <p:cNvPr id="266" name="Straight Arrow Connector 265">
-            <a:extLst>
-              <a:ext uri="{FF2B5EF4-FFF2-40B4-BE49-F238E27FC236}">
-                <a16:creationId xmlns:a16="http://schemas.microsoft.com/office/drawing/2014/main" id="{5CFFDF3C-7F3D-966E-F96F-0B5C32AFB72A}"/>
-              </a:ext>
-            </a:extLst>
-          </p:cNvPr>
-          <p:cNvCxnSpPr>
-            <a:cxnSpLocks/>
-            <a:stCxn id="260" idx="2"/>
-            <a:endCxn id="12" idx="0"/>
-          </p:cNvCxnSpPr>
-          <p:nvPr/>
-        </p:nvCxnSpPr>
-        <p:spPr>
-          <a:xfrm flipH="1">
-            <a:off x="5757215" y="5228726"/>
-            <a:ext cx="295514" cy="514403"/>
-          </a:xfrm>
-          <a:prstGeom prst="straightConnector1">
-            <a:avLst/>
-          </a:prstGeom>
-          <a:ln>
-            <a:tailEnd type="triangle"/>
-          </a:ln>
-        </p:spPr>
-        <p:style>
-          <a:lnRef idx="1">
-            <a:schemeClr val="accent1"/>
-          </a:lnRef>
-          <a:fillRef idx="0">
-            <a:schemeClr val="accent1"/>
-          </a:fillRef>
-          <a:effectRef idx="0">
-            <a:schemeClr val="accent1"/>
-          </a:effectRef>
-          <a:fontRef idx="minor">
-            <a:schemeClr val="tx1"/>
-          </a:fontRef>
-        </p:style>
-      </p:cxnSp>
-      <p:sp>
-        <p:nvSpPr>
-          <p:cNvPr id="272" name="TextBox 271">
-            <a:extLst>
-              <a:ext uri="{FF2B5EF4-FFF2-40B4-BE49-F238E27FC236}">
-                <a16:creationId xmlns:a16="http://schemas.microsoft.com/office/drawing/2014/main" id="{242430CF-BB88-3CB7-0605-6CD2F9111DE5}"/>
-              </a:ext>
-            </a:extLst>
-          </p:cNvPr>
-          <p:cNvSpPr txBox="1"/>
-          <p:nvPr/>
-        </p:nvSpPr>
-        <p:spPr>
-          <a:xfrm>
-            <a:off x="5398857" y="5332152"/>
-            <a:ext cx="914033" cy="400110"/>
-          </a:xfrm>
-          <a:prstGeom prst="rect">
-            <a:avLst/>
-          </a:prstGeom>
-          <a:noFill/>
-        </p:spPr>
-        <p:txBody>
-          <a:bodyPr wrap="none" rtlCol="0">
-            <a:spAutoFit/>
-          </a:bodyPr>
-          <a:lstStyle>
-            <a:defPPr>
-              <a:defRPr lang="en-NL"/>
-            </a:defPPr>
-            <a:lvl1pPr>
-              <a:defRPr sz="1000">
-                <a:solidFill>
-                  <a:schemeClr val="accent5"/>
-                </a:solidFill>
-              </a:defRPr>
-            </a:lvl1pPr>
-          </a:lstStyle>
-          <a:p>
-            <a:r>
-              <a:rPr lang="en-GB" dirty="0"/>
-              <a:t>Key={</a:t>
-            </a:r>
-            <a:r>
-              <a:rPr lang="en-GB" dirty="0" err="1"/>
-              <a:t>item.id</a:t>
-            </a:r>
-            <a:r>
-              <a:rPr lang="en-GB" dirty="0"/>
-              <a:t>} </a:t>
-            </a:r>
-          </a:p>
-          <a:p>
-            <a:r>
-              <a:rPr lang="en-GB" dirty="0"/>
-              <a:t>I</a:t>
-            </a:r>
-            <a:r>
-              <a:rPr lang="en-NL" dirty="0"/>
-              <a:t>tem={item}</a:t>
-            </a:r>
-          </a:p>
-        </p:txBody>
-      </p:sp>
-      <p:sp>
-        <p:nvSpPr>
-          <p:cNvPr id="284" name="TextBox 283">
-            <a:extLst>
-              <a:ext uri="{FF2B5EF4-FFF2-40B4-BE49-F238E27FC236}">
-                <a16:creationId xmlns:a16="http://schemas.microsoft.com/office/drawing/2014/main" id="{F7F129EB-F4D3-B3F6-061C-D29C64F955A5}"/>
-              </a:ext>
-            </a:extLst>
-          </p:cNvPr>
-          <p:cNvSpPr txBox="1"/>
-          <p:nvPr/>
-        </p:nvSpPr>
-        <p:spPr>
-          <a:xfrm>
-            <a:off x="4334379" y="6423117"/>
-            <a:ext cx="879943" cy="245909"/>
-          </a:xfrm>
-          <a:prstGeom prst="rect">
-            <a:avLst/>
-          </a:prstGeom>
-          <a:solidFill>
-            <a:schemeClr val="bg1">
-              <a:lumMod val="85000"/>
-            </a:schemeClr>
-          </a:solidFill>
-          <a:ln>
-            <a:solidFill>
-              <a:schemeClr val="tx1"/>
-            </a:solidFill>
-          </a:ln>
-          <a:effectLst>
-            <a:outerShdw blurRad="50800" dist="38100" dir="2700000" algn="tl" rotWithShape="0">
-              <a:prstClr val="black">
-                <a:alpha val="40000"/>
-              </a:prstClr>
-            </a:outerShdw>
-          </a:effectLst>
-        </p:spPr>
-        <p:txBody>
-          <a:bodyPr wrap="none" rtlCol="0" anchor="t" anchorCtr="1">
-            <a:noAutofit/>
-          </a:bodyPr>
-          <a:lstStyle>
-            <a:defPPr>
-              <a:defRPr lang="en-NL"/>
-            </a:defPPr>
-          </a:lstStyle>
-          <a:p>
-            <a:r>
-              <a:rPr lang="en-NL" sz="1200" dirty="0"/>
-              <a:t>ExpenseDate</a:t>
-            </a:r>
-          </a:p>
-        </p:txBody>
-      </p:sp>
-      <p:sp>
-        <p:nvSpPr>
-          <p:cNvPr id="285" name="TextBox 284">
-            <a:extLst>
-              <a:ext uri="{FF2B5EF4-FFF2-40B4-BE49-F238E27FC236}">
-                <a16:creationId xmlns:a16="http://schemas.microsoft.com/office/drawing/2014/main" id="{6D31A69D-BB73-EF99-4C09-FE8631F3CBE2}"/>
-              </a:ext>
-            </a:extLst>
-          </p:cNvPr>
-          <p:cNvSpPr txBox="1"/>
-          <p:nvPr/>
-        </p:nvSpPr>
-        <p:spPr>
-          <a:xfrm>
-            <a:off x="4334379" y="6128783"/>
-            <a:ext cx="1099981" cy="246221"/>
-          </a:xfrm>
-          <a:prstGeom prst="rect">
-            <a:avLst/>
-          </a:prstGeom>
-          <a:noFill/>
-        </p:spPr>
-        <p:txBody>
-          <a:bodyPr wrap="none" rtlCol="0">
-            <a:spAutoFit/>
-          </a:bodyPr>
-          <a:lstStyle>
-            <a:defPPr>
-              <a:defRPr lang="en-NL"/>
-            </a:defPPr>
-            <a:lvl1pPr>
-              <a:defRPr sz="1000">
-                <a:solidFill>
-                  <a:schemeClr val="accent5"/>
-                </a:solidFill>
-              </a:defRPr>
-            </a:lvl1pPr>
-          </a:lstStyle>
-          <a:p>
-            <a:r>
-              <a:rPr lang="en-GB" dirty="0"/>
-              <a:t>date={</a:t>
-            </a:r>
-            <a:r>
-              <a:rPr lang="en-GB" dirty="0" err="1"/>
-              <a:t>item.date</a:t>
-            </a:r>
-            <a:r>
-              <a:rPr lang="en-GB" dirty="0"/>
-              <a:t>}</a:t>
-            </a:r>
-          </a:p>
-        </p:txBody>
-      </p:sp>
-      <p:cxnSp>
-        <p:nvCxnSpPr>
-          <p:cNvPr id="286" name="Straight Arrow Connector 285">
-            <a:extLst>
-              <a:ext uri="{FF2B5EF4-FFF2-40B4-BE49-F238E27FC236}">
-                <a16:creationId xmlns:a16="http://schemas.microsoft.com/office/drawing/2014/main" id="{ACEFA1C4-E474-3DFC-3EAF-73F385BBAF75}"/>
-              </a:ext>
-            </a:extLst>
-          </p:cNvPr>
-          <p:cNvCxnSpPr>
-            <a:cxnSpLocks/>
-          </p:cNvCxnSpPr>
-          <p:nvPr/>
-        </p:nvCxnSpPr>
-        <p:spPr>
-          <a:xfrm flipH="1">
-            <a:off x="4895534" y="6139434"/>
-            <a:ext cx="429604" cy="283683"/>
-          </a:xfrm>
-          <a:prstGeom prst="straightConnector1">
-            <a:avLst/>
-          </a:prstGeom>
-          <a:ln>
-            <a:tailEnd type="triangle"/>
-          </a:ln>
-        </p:spPr>
-        <p:style>
-          <a:lnRef idx="1">
-            <a:schemeClr val="accent1"/>
-          </a:lnRef>
-          <a:fillRef idx="0">
-            <a:schemeClr val="accent1"/>
-          </a:fillRef>
-          <a:effectRef idx="0">
-            <a:schemeClr val="accent1"/>
-          </a:effectRef>
-          <a:fontRef idx="minor">
-            <a:schemeClr val="tx1"/>
-          </a:fontRef>
-        </p:style>
-      </p:cxnSp>
-      <p:pic>
-        <p:nvPicPr>
-          <p:cNvPr id="288" name="Picture 287">
-            <a:extLst>
-              <a:ext uri="{FF2B5EF4-FFF2-40B4-BE49-F238E27FC236}">
-                <a16:creationId xmlns:a16="http://schemas.microsoft.com/office/drawing/2014/main" id="{D81E750A-B92D-F85E-ED11-0F68E7C7F5C5}"/>
-              </a:ext>
-            </a:extLst>
-          </p:cNvPr>
-          <p:cNvPicPr>
-            <a:picLocks noChangeAspect="1"/>
-          </p:cNvPicPr>
-          <p:nvPr/>
-        </p:nvPicPr>
-        <p:blipFill>
-          <a:blip r:embed="rId4"/>
-          <a:stretch>
-            <a:fillRect/>
-          </a:stretch>
-        </p:blipFill>
-        <p:spPr>
-          <a:xfrm>
-            <a:off x="5410566" y="6130173"/>
-            <a:ext cx="1532245" cy="207114"/>
-          </a:xfrm>
-          <a:prstGeom prst="rect">
-            <a:avLst/>
-          </a:prstGeom>
-        </p:spPr>
-      </p:pic>
-      <p:sp>
-        <p:nvSpPr>
-          <p:cNvPr id="8" name="TextBox 7">
-            <a:extLst>
-              <a:ext uri="{FF2B5EF4-FFF2-40B4-BE49-F238E27FC236}">
-                <a16:creationId xmlns:a16="http://schemas.microsoft.com/office/drawing/2014/main" id="{BE15EB66-28C2-9A81-08EF-725A3806450C}"/>
-              </a:ext>
-            </a:extLst>
-          </p:cNvPr>
-          <p:cNvSpPr txBox="1"/>
-          <p:nvPr/>
-        </p:nvSpPr>
-        <p:spPr>
-          <a:xfrm>
-            <a:off x="7330583" y="4303428"/>
-            <a:ext cx="1457718" cy="353886"/>
-          </a:xfrm>
-          <a:prstGeom prst="rect">
-            <a:avLst/>
-          </a:prstGeom>
-          <a:solidFill>
-            <a:schemeClr val="bg1">
-              <a:lumMod val="85000"/>
-            </a:schemeClr>
-          </a:solidFill>
-          <a:ln>
-            <a:solidFill>
-              <a:schemeClr val="tx1"/>
-            </a:solidFill>
-          </a:ln>
-          <a:effectLst>
-            <a:outerShdw blurRad="50800" dist="38100" dir="2700000" algn="tl" rotWithShape="0">
-              <a:prstClr val="black">
-                <a:alpha val="40000"/>
-              </a:prstClr>
-            </a:outerShdw>
-          </a:effectLst>
-        </p:spPr>
-        <p:txBody>
-          <a:bodyPr wrap="none" rtlCol="0" anchor="t" anchorCtr="1">
-            <a:noAutofit/>
-          </a:bodyPr>
-          <a:lstStyle>
-            <a:defPPr>
-              <a:defRPr lang="en-NL"/>
-            </a:defPPr>
-          </a:lstStyle>
-          <a:p>
-            <a:r>
-              <a:rPr lang="en-NL" i="1" dirty="0"/>
-              <a:t>ExpensesChart</a:t>
-            </a:r>
-          </a:p>
-        </p:txBody>
-      </p:sp>
-      <p:cxnSp>
-        <p:nvCxnSpPr>
-          <p:cNvPr id="22" name="Straight Arrow Connector 21">
-            <a:extLst>
-              <a:ext uri="{FF2B5EF4-FFF2-40B4-BE49-F238E27FC236}">
-                <a16:creationId xmlns:a16="http://schemas.microsoft.com/office/drawing/2014/main" id="{523FE1D0-750D-5D22-D16E-FE043A5AC0D8}"/>
-              </a:ext>
-            </a:extLst>
-          </p:cNvPr>
-          <p:cNvCxnSpPr>
-            <a:cxnSpLocks/>
-            <a:stCxn id="179" idx="3"/>
-            <a:endCxn id="8" idx="0"/>
-          </p:cNvCxnSpPr>
-          <p:nvPr/>
-        </p:nvCxnSpPr>
-        <p:spPr>
-          <a:xfrm>
-            <a:off x="5094417" y="3520718"/>
-            <a:ext cx="2965025" cy="782710"/>
-          </a:xfrm>
-          <a:prstGeom prst="straightConnector1">
-            <a:avLst/>
-          </a:prstGeom>
-          <a:ln>
-            <a:tailEnd type="triangle"/>
-          </a:ln>
-        </p:spPr>
-        <p:style>
-          <a:lnRef idx="1">
-            <a:schemeClr val="accent1"/>
-          </a:lnRef>
-          <a:fillRef idx="0">
-            <a:schemeClr val="accent1"/>
-          </a:fillRef>
-          <a:effectRef idx="0">
-            <a:schemeClr val="accent1"/>
-          </a:effectRef>
-          <a:fontRef idx="minor">
-            <a:schemeClr val="tx1"/>
-          </a:fontRef>
-        </p:style>
-      </p:cxnSp>
-      <p:sp>
-        <p:nvSpPr>
-          <p:cNvPr id="2" name="TextBox 1">
-            <a:extLst>
-              <a:ext uri="{FF2B5EF4-FFF2-40B4-BE49-F238E27FC236}">
-                <a16:creationId xmlns:a16="http://schemas.microsoft.com/office/drawing/2014/main" id="{DD742870-03AB-6FEF-8849-C805033CE6AA}"/>
-              </a:ext>
-            </a:extLst>
-          </p:cNvPr>
-          <p:cNvSpPr txBox="1"/>
-          <p:nvPr/>
-        </p:nvSpPr>
-        <p:spPr>
-          <a:xfrm>
-            <a:off x="5451553" y="180675"/>
-            <a:ext cx="1927387" cy="369332"/>
-          </a:xfrm>
-          <a:prstGeom prst="rect">
-            <a:avLst/>
-          </a:prstGeom>
-          <a:noFill/>
-        </p:spPr>
-        <p:txBody>
-          <a:bodyPr wrap="none" rtlCol="0">
-            <a:spAutoFit/>
-          </a:bodyPr>
-          <a:lstStyle/>
-          <a:p>
-            <a:r>
-              <a:rPr lang="en-NL" dirty="0"/>
-              <a:t>View/Edit Expense</a:t>
-            </a:r>
-          </a:p>
-        </p:txBody>
-      </p:sp>
-      <p:sp>
-        <p:nvSpPr>
-          <p:cNvPr id="6" name="TextBox 5">
-            <a:extLst>
-              <a:ext uri="{FF2B5EF4-FFF2-40B4-BE49-F238E27FC236}">
-                <a16:creationId xmlns:a16="http://schemas.microsoft.com/office/drawing/2014/main" id="{E49971C1-BFDF-7980-0DA5-707265838203}"/>
-              </a:ext>
-            </a:extLst>
-          </p:cNvPr>
-          <p:cNvSpPr txBox="1"/>
-          <p:nvPr/>
-        </p:nvSpPr>
-        <p:spPr>
-          <a:xfrm>
-            <a:off x="8998089" y="5209613"/>
-            <a:ext cx="2173736" cy="1017064"/>
-          </a:xfrm>
-          <a:prstGeom prst="rect">
-            <a:avLst/>
-          </a:prstGeom>
-          <a:solidFill>
-            <a:schemeClr val="bg1">
-              <a:lumMod val="85000"/>
-            </a:schemeClr>
-          </a:solidFill>
-          <a:ln>
-            <a:solidFill>
-              <a:schemeClr val="tx1"/>
-            </a:solidFill>
-          </a:ln>
-          <a:effectLst>
-            <a:outerShdw blurRad="50800" dist="38100" dir="2700000" algn="tl" rotWithShape="0">
-              <a:prstClr val="black">
-                <a:alpha val="40000"/>
-              </a:prstClr>
-            </a:outerShdw>
-          </a:effectLst>
-        </p:spPr>
-        <p:txBody>
-          <a:bodyPr wrap="none" rtlCol="0" anchor="t" anchorCtr="1">
-            <a:noAutofit/>
-          </a:bodyPr>
-          <a:lstStyle>
-            <a:defPPr>
-              <a:defRPr lang="en-NL"/>
-            </a:defPPr>
-          </a:lstStyle>
-          <a:p>
-            <a:r>
-              <a:rPr lang="en-NL" dirty="0"/>
-              <a:t>View/Edit Expense</a:t>
             </a:r>
           </a:p>
         </p:txBody>
@@ -14069,7 +9998,7 @@
 </p:sld>
 </file>
 
-<file path=ppt/slides/slide4.xml><?xml version="1.0" encoding="utf-8"?>
+<file path=ppt/slides/slide3.xml><?xml version="1.0" encoding="utf-8"?>
 <p:sld xmlns:a="http://schemas.openxmlformats.org/drawingml/2006/main" xmlns:r="http://schemas.openxmlformats.org/officeDocument/2006/relationships" xmlns:p="http://schemas.openxmlformats.org/presentationml/2006/main">
   <p:cSld>
     <p:spTree>
